--- a/ppt/day7_day8__day9_Class.pptx
+++ b/ppt/day7_day8__day9_Class.pptx
@@ -40,6 +40,11 @@
     <p:sldId id="281" r:id="rId34"/>
     <p:sldId id="289" r:id="rId35"/>
     <p:sldId id="290" r:id="rId36"/>
+    <p:sldId id="291" r:id="rId37"/>
+    <p:sldId id="292" r:id="rId38"/>
+    <p:sldId id="294" r:id="rId39"/>
+    <p:sldId id="295" r:id="rId40"/>
+    <p:sldId id="293" r:id="rId41"/>
   </p:sldIdLst>
   <p:sldSz cx="9144000" cy="6858000" type="screen4x3"/>
   <p:notesSz cx="6858000" cy="9144000"/>
@@ -322,7 +327,7 @@
           <a:p>
             <a:fld id="{FB30EDBD-1C2D-4C1E-B459-B60219FAB484}" type="datetimeFigureOut">
               <a:rPr lang="ko-KR" altLang="en-US" smtClean="0"/>
-              <a:t>2018-02-24</a:t>
+              <a:t>2018-02-25</a:t>
             </a:fld>
             <a:endParaRPr lang="ko-KR" altLang="en-US"/>
           </a:p>
@@ -487,7 +492,7 @@
           <a:p>
             <a:fld id="{FB30EDBD-1C2D-4C1E-B459-B60219FAB484}" type="datetimeFigureOut">
               <a:rPr lang="ko-KR" altLang="en-US" smtClean="0"/>
-              <a:t>2018-02-24</a:t>
+              <a:t>2018-02-25</a:t>
             </a:fld>
             <a:endParaRPr lang="ko-KR" altLang="en-US"/>
           </a:p>
@@ -662,7 +667,7 @@
           <a:p>
             <a:fld id="{FB30EDBD-1C2D-4C1E-B459-B60219FAB484}" type="datetimeFigureOut">
               <a:rPr lang="ko-KR" altLang="en-US" smtClean="0"/>
-              <a:t>2018-02-24</a:t>
+              <a:t>2018-02-25</a:t>
             </a:fld>
             <a:endParaRPr lang="ko-KR" altLang="en-US"/>
           </a:p>
@@ -827,7 +832,7 @@
           <a:p>
             <a:fld id="{FB30EDBD-1C2D-4C1E-B459-B60219FAB484}" type="datetimeFigureOut">
               <a:rPr lang="ko-KR" altLang="en-US" smtClean="0"/>
-              <a:t>2018-02-24</a:t>
+              <a:t>2018-02-25</a:t>
             </a:fld>
             <a:endParaRPr lang="ko-KR" altLang="en-US"/>
           </a:p>
@@ -1068,7 +1073,7 @@
           <a:p>
             <a:fld id="{FB30EDBD-1C2D-4C1E-B459-B60219FAB484}" type="datetimeFigureOut">
               <a:rPr lang="ko-KR" altLang="en-US" smtClean="0"/>
-              <a:t>2018-02-24</a:t>
+              <a:t>2018-02-25</a:t>
             </a:fld>
             <a:endParaRPr lang="ko-KR" altLang="en-US"/>
           </a:p>
@@ -1351,7 +1356,7 @@
           <a:p>
             <a:fld id="{FB30EDBD-1C2D-4C1E-B459-B60219FAB484}" type="datetimeFigureOut">
               <a:rPr lang="ko-KR" altLang="en-US" smtClean="0"/>
-              <a:t>2018-02-24</a:t>
+              <a:t>2018-02-25</a:t>
             </a:fld>
             <a:endParaRPr lang="ko-KR" altLang="en-US"/>
           </a:p>
@@ -1768,7 +1773,7 @@
           <a:p>
             <a:fld id="{FB30EDBD-1C2D-4C1E-B459-B60219FAB484}" type="datetimeFigureOut">
               <a:rPr lang="ko-KR" altLang="en-US" smtClean="0"/>
-              <a:t>2018-02-24</a:t>
+              <a:t>2018-02-25</a:t>
             </a:fld>
             <a:endParaRPr lang="ko-KR" altLang="en-US"/>
           </a:p>
@@ -1881,7 +1886,7 @@
           <a:p>
             <a:fld id="{FB30EDBD-1C2D-4C1E-B459-B60219FAB484}" type="datetimeFigureOut">
               <a:rPr lang="ko-KR" altLang="en-US" smtClean="0"/>
-              <a:t>2018-02-24</a:t>
+              <a:t>2018-02-25</a:t>
             </a:fld>
             <a:endParaRPr lang="ko-KR" altLang="en-US"/>
           </a:p>
@@ -1971,7 +1976,7 @@
           <a:p>
             <a:fld id="{FB30EDBD-1C2D-4C1E-B459-B60219FAB484}" type="datetimeFigureOut">
               <a:rPr lang="ko-KR" altLang="en-US" smtClean="0"/>
-              <a:t>2018-02-24</a:t>
+              <a:t>2018-02-25</a:t>
             </a:fld>
             <a:endParaRPr lang="ko-KR" altLang="en-US"/>
           </a:p>
@@ -2243,7 +2248,7 @@
           <a:p>
             <a:fld id="{FB30EDBD-1C2D-4C1E-B459-B60219FAB484}" type="datetimeFigureOut">
               <a:rPr lang="ko-KR" altLang="en-US" smtClean="0"/>
-              <a:t>2018-02-24</a:t>
+              <a:t>2018-02-25</a:t>
             </a:fld>
             <a:endParaRPr lang="ko-KR" altLang="en-US"/>
           </a:p>
@@ -2491,7 +2496,7 @@
           <a:p>
             <a:fld id="{FB30EDBD-1C2D-4C1E-B459-B60219FAB484}" type="datetimeFigureOut">
               <a:rPr lang="ko-KR" altLang="en-US" smtClean="0"/>
-              <a:t>2018-02-24</a:t>
+              <a:t>2018-02-25</a:t>
             </a:fld>
             <a:endParaRPr lang="ko-KR" altLang="en-US"/>
           </a:p>
@@ -2699,7 +2704,7 @@
           <a:p>
             <a:fld id="{FB30EDBD-1C2D-4C1E-B459-B60219FAB484}" type="datetimeFigureOut">
               <a:rPr lang="ko-KR" altLang="en-US" smtClean="0"/>
-              <a:t>2018-02-24</a:t>
+              <a:t>2018-02-25</a:t>
             </a:fld>
             <a:endParaRPr lang="ko-KR" altLang="en-US"/>
           </a:p>
@@ -11115,11 +11120,7 @@
             </a:br>
             <a:r>
               <a:rPr lang="en-US" altLang="ko-KR" dirty="0"/>
-              <a:t>        </a:t>
-            </a:r>
-            <a:r>
-              <a:rPr lang="en-US" altLang="ko-KR" dirty="0"/>
-              <a:t>Person person2;</a:t>
+              <a:t>        Person person2;</a:t>
             </a:r>
             <a:br>
               <a:rPr lang="en-US" altLang="ko-KR" dirty="0"/>
@@ -11141,11 +11142,7 @@
             </a:r>
             <a:r>
               <a:rPr lang="en-US" altLang="ko-KR" dirty="0" smtClean="0"/>
-              <a:t>   </a:t>
-            </a:r>
-            <a:r>
-              <a:rPr lang="en-US" altLang="ko-KR" dirty="0" smtClean="0"/>
-              <a:t>}</a:t>
+              <a:t>   }</a:t>
             </a:r>
             <a:r>
               <a:rPr lang="en-US" altLang="ko-KR" dirty="0"/>
@@ -11937,11 +11934,7 @@
             </a:br>
             <a:r>
               <a:rPr lang="en-US" altLang="ko-KR" dirty="0"/>
-              <a:t>        </a:t>
-            </a:r>
-            <a:r>
-              <a:rPr lang="en-US" altLang="ko-KR" dirty="0"/>
-              <a:t>Person person2;</a:t>
+              <a:t>        Person person2;</a:t>
             </a:r>
             <a:br>
               <a:rPr lang="en-US" altLang="ko-KR" dirty="0"/>
@@ -11988,11 +11981,7 @@
             </a:r>
             <a:r>
               <a:rPr lang="en-US" altLang="ko-KR" dirty="0" smtClean="0"/>
-              <a:t>   </a:t>
-            </a:r>
-            <a:r>
-              <a:rPr lang="en-US" altLang="ko-KR" dirty="0" smtClean="0"/>
-              <a:t>}</a:t>
+              <a:t>   }</a:t>
             </a:r>
             <a:r>
               <a:rPr lang="en-US" altLang="ko-KR" dirty="0"/>
@@ -12828,11 +12817,7 @@
             </a:br>
             <a:r>
               <a:rPr lang="en-US" altLang="ko-KR" dirty="0"/>
-              <a:t>        </a:t>
-            </a:r>
-            <a:r>
-              <a:rPr lang="en-US" altLang="ko-KR" dirty="0"/>
-              <a:t>Person person2 = </a:t>
+              <a:t>        Person person2 = </a:t>
             </a:r>
             <a:r>
               <a:rPr lang="en-US" altLang="ko-KR" b="1" dirty="0"/>
@@ -12854,11 +12839,7 @@
             </a:r>
             <a:r>
               <a:rPr lang="en-US" altLang="ko-KR" dirty="0" smtClean="0"/>
-              <a:t>   </a:t>
-            </a:r>
-            <a:r>
-              <a:rPr lang="en-US" altLang="ko-KR" dirty="0" smtClean="0"/>
-              <a:t>}</a:t>
+              <a:t>   }</a:t>
             </a:r>
             <a:r>
               <a:rPr lang="en-US" altLang="ko-KR" dirty="0"/>
@@ -21646,11 +21627,7 @@
             </a:br>
             <a:r>
               <a:rPr lang="en-US" altLang="ko-KR" dirty="0"/>
-              <a:t>        </a:t>
-            </a:r>
-            <a:r>
-              <a:rPr lang="en-US" altLang="ko-KR" dirty="0"/>
-              <a:t>Person </a:t>
+              <a:t>        Person </a:t>
             </a:r>
             <a:r>
               <a:rPr lang="en-US" altLang="ko-KR" dirty="0" err="1"/>
@@ -21699,11 +21676,7 @@
             </a:r>
             <a:r>
               <a:rPr lang="en-US" altLang="ko-KR" dirty="0" smtClean="0"/>
-              <a:t>   </a:t>
-            </a:r>
-            <a:r>
-              <a:rPr lang="en-US" altLang="ko-KR" dirty="0" smtClean="0"/>
-              <a:t>}</a:t>
+              <a:t>   }</a:t>
             </a:r>
             <a:r>
               <a:rPr lang="en-US" altLang="ko-KR" dirty="0"/>
@@ -22311,7 +22284,6 @@
               <a:rPr lang="en-US" altLang="ko-KR" dirty="0" smtClean="0"/>
               <a:t>test()</a:t>
             </a:r>
-            <a:endParaRPr lang="en-US" altLang="ko-KR" dirty="0" smtClean="0"/>
           </a:p>
         </p:txBody>
       </p:sp>
@@ -22786,11 +22758,7 @@
             </a:br>
             <a:r>
               <a:rPr lang="en-US" altLang="ko-KR" dirty="0"/>
-              <a:t>        </a:t>
-            </a:r>
-            <a:r>
-              <a:rPr lang="en-US" altLang="ko-KR" dirty="0"/>
-              <a:t>Person </a:t>
+              <a:t>        Person </a:t>
             </a:r>
             <a:r>
               <a:rPr lang="en-US" altLang="ko-KR" dirty="0" err="1"/>
@@ -22839,11 +22807,7 @@
             </a:r>
             <a:r>
               <a:rPr lang="en-US" altLang="ko-KR" dirty="0" smtClean="0"/>
-              <a:t>   </a:t>
-            </a:r>
-            <a:r>
-              <a:rPr lang="en-US" altLang="ko-KR" dirty="0" smtClean="0"/>
-              <a:t>}</a:t>
+              <a:t>   }</a:t>
             </a:r>
             <a:r>
               <a:rPr lang="en-US" altLang="ko-KR" dirty="0"/>
@@ -24242,19 +24206,19 @@
               <a:t>        </a:t>
             </a:r>
             <a:r>
-              <a:rPr lang="en-US" altLang="ko-KR" dirty="0" err="1"/>
+              <a:rPr lang="en-US" altLang="ko-KR" b="1" dirty="0" err="1"/>
               <a:t>PersonManager</a:t>
             </a:r>
             <a:r>
-              <a:rPr lang="en-US" altLang="ko-KR" dirty="0"/>
+              <a:rPr lang="en-US" altLang="ko-KR" b="1" dirty="0"/>
               <a:t> </a:t>
             </a:r>
             <a:r>
-              <a:rPr lang="en-US" altLang="ko-KR" dirty="0" err="1"/>
+              <a:rPr lang="en-US" altLang="ko-KR" b="1" dirty="0" err="1"/>
               <a:t>personManager</a:t>
             </a:r>
             <a:r>
-              <a:rPr lang="en-US" altLang="ko-KR" dirty="0"/>
+              <a:rPr lang="en-US" altLang="ko-KR" b="1" dirty="0"/>
               <a:t> = </a:t>
             </a:r>
             <a:r>
@@ -24266,12 +24230,16 @@
               <a:t>new </a:t>
             </a:r>
             <a:r>
-              <a:rPr lang="en-US" altLang="ko-KR" dirty="0" err="1"/>
+              <a:rPr lang="en-US" altLang="ko-KR" b="1" dirty="0" err="1"/>
               <a:t>PersonManager</a:t>
             </a:r>
             <a:r>
-              <a:rPr lang="en-US" altLang="ko-KR" dirty="0"/>
+              <a:rPr lang="en-US" altLang="ko-KR" b="1" dirty="0"/>
               <a:t>();</a:t>
+            </a:r>
+            <a:r>
+              <a:rPr lang="en-US" altLang="ko-KR" dirty="0"/>
+              <a:t/>
             </a:r>
             <a:br>
               <a:rPr lang="en-US" altLang="ko-KR" dirty="0"/>
@@ -24946,7 +24914,7 @@
         <p:spPr>
           <a:xfrm>
             <a:off x="107504" y="1818127"/>
-            <a:ext cx="5394414" cy="2585323"/>
+            <a:ext cx="5394414" cy="3416320"/>
           </a:xfrm>
           <a:prstGeom prst="rect">
             <a:avLst/>
@@ -25040,11 +25008,34 @@
               <a:t>PersonManager</a:t>
             </a:r>
             <a:r>
-              <a:rPr lang="en-US" altLang="ko-KR" dirty="0"/>
+              <a:rPr lang="en-US" altLang="ko-KR" dirty="0" smtClean="0"/>
               <a:t>();</a:t>
             </a:r>
+          </a:p>
+          <a:p>
+            <a:endParaRPr lang="en-US" altLang="ko-KR" dirty="0" smtClean="0"/>
+          </a:p>
+          <a:p>
+            <a:r>
+              <a:rPr lang="en-US" altLang="ko-KR" dirty="0"/>
+              <a:t>	</a:t>
+            </a:r>
+            <a:r>
+              <a:rPr lang="en-US" altLang="ko-KR" b="1" dirty="0" err="1" smtClean="0"/>
+              <a:t>personManager.initialize</a:t>
+            </a:r>
+            <a:r>
+              <a:rPr lang="en-US" altLang="ko-KR" b="1" dirty="0" smtClean="0"/>
+              <a:t>();</a:t>
+            </a:r>
+          </a:p>
+          <a:p>
+            <a:r>
+              <a:rPr lang="en-US" altLang="ko-KR" b="1" dirty="0"/>
+              <a:t/>
+            </a:r>
             <a:br>
-              <a:rPr lang="en-US" altLang="ko-KR" dirty="0"/>
+              <a:rPr lang="en-US" altLang="ko-KR" b="1" dirty="0"/>
             </a:br>
             <a:r>
               <a:rPr lang="en-US" altLang="ko-KR" dirty="0"/>
@@ -25438,7 +25429,7 @@
         <p:spPr>
           <a:xfrm>
             <a:off x="5684995" y="3747510"/>
-            <a:ext cx="2703430" cy="1113145"/>
+            <a:ext cx="1371688" cy="1113145"/>
           </a:xfrm>
           <a:prstGeom prst="rect">
             <a:avLst/>
@@ -25626,10 +25617,5731 @@
           </a:p>
         </p:txBody>
       </p:sp>
+      <p:sp>
+        <p:nvSpPr>
+          <p:cNvPr id="20" name="직사각형 19"/>
+          <p:cNvSpPr/>
+          <p:nvPr/>
+        </p:nvSpPr>
+        <p:spPr>
+          <a:xfrm>
+            <a:off x="7158670" y="3435614"/>
+            <a:ext cx="1371688" cy="1425041"/>
+          </a:xfrm>
+          <a:prstGeom prst="rect">
+            <a:avLst/>
+          </a:prstGeom>
+        </p:spPr>
+        <p:style>
+          <a:lnRef idx="3">
+            <a:schemeClr val="lt1"/>
+          </a:lnRef>
+          <a:fillRef idx="1">
+            <a:schemeClr val="accent6"/>
+          </a:fillRef>
+          <a:effectRef idx="1">
+            <a:schemeClr val="accent6"/>
+          </a:effectRef>
+          <a:fontRef idx="minor">
+            <a:schemeClr val="lt1"/>
+          </a:fontRef>
+        </p:style>
+        <p:txBody>
+          <a:bodyPr rtlCol="0" anchor="ctr"/>
+          <a:lstStyle/>
+          <a:p>
+            <a:pPr algn="ctr"/>
+            <a:endParaRPr lang="ko-KR" altLang="en-US"/>
+          </a:p>
+        </p:txBody>
+      </p:sp>
+      <p:sp>
+        <p:nvSpPr>
+          <p:cNvPr id="21" name="TextBox 20"/>
+          <p:cNvSpPr txBox="1"/>
+          <p:nvPr/>
+        </p:nvSpPr>
+        <p:spPr>
+          <a:xfrm>
+            <a:off x="7259262" y="3435614"/>
+            <a:ext cx="1170513" cy="369332"/>
+          </a:xfrm>
+          <a:prstGeom prst="rect">
+            <a:avLst/>
+          </a:prstGeom>
+          <a:noFill/>
+        </p:spPr>
+        <p:txBody>
+          <a:bodyPr wrap="none" rtlCol="0">
+            <a:spAutoFit/>
+          </a:bodyPr>
+          <a:lstStyle/>
+          <a:p>
+            <a:pPr algn="ctr"/>
+            <a:r>
+              <a:rPr lang="en-US" altLang="ko-KR" dirty="0" smtClean="0"/>
+              <a:t>initialize()</a:t>
+            </a:r>
+            <a:endParaRPr lang="en-US" altLang="ko-KR" dirty="0" smtClean="0"/>
+          </a:p>
+        </p:txBody>
+      </p:sp>
     </p:spTree>
     <p:extLst>
       <p:ext uri="{BB962C8B-B14F-4D97-AF65-F5344CB8AC3E}">
         <p14:creationId xmlns:p14="http://schemas.microsoft.com/office/powerpoint/2010/main" val="2216238337"/>
+      </p:ext>
+    </p:extLst>
+  </p:cSld>
+  <p:clrMapOvr>
+    <a:masterClrMapping/>
+  </p:clrMapOvr>
+</p:sld>
+</file>
+
+<file path=ppt/slides/slide36.xml><?xml version="1.0" encoding="utf-8"?>
+<p:sld xmlns:a="http://schemas.openxmlformats.org/drawingml/2006/main" xmlns:r="http://schemas.openxmlformats.org/officeDocument/2006/relationships" xmlns:p="http://schemas.openxmlformats.org/presentationml/2006/main">
+  <p:cSld>
+    <p:spTree>
+      <p:nvGrpSpPr>
+        <p:cNvPr id="1" name=""/>
+        <p:cNvGrpSpPr/>
+        <p:nvPr/>
+      </p:nvGrpSpPr>
+      <p:grpSpPr>
+        <a:xfrm>
+          <a:off x="0" y="0"/>
+          <a:ext cx="0" cy="0"/>
+          <a:chOff x="0" y="0"/>
+          <a:chExt cx="0" cy="0"/>
+        </a:xfrm>
+      </p:grpSpPr>
+      <p:sp>
+        <p:nvSpPr>
+          <p:cNvPr id="2" name="제목 1"/>
+          <p:cNvSpPr>
+            <a:spLocks noGrp="1"/>
+          </p:cNvSpPr>
+          <p:nvPr>
+            <p:ph type="title"/>
+          </p:nvPr>
+        </p:nvSpPr>
+        <p:spPr/>
+        <p:txBody>
+          <a:bodyPr>
+            <a:normAutofit fontScale="90000"/>
+          </a:bodyPr>
+          <a:lstStyle/>
+          <a:p>
+            <a:r>
+              <a:rPr lang="ko-KR" altLang="en-US" dirty="0" smtClean="0"/>
+              <a:t>객체</a:t>
+            </a:r>
+            <a:r>
+              <a:rPr lang="en-US" altLang="ko-KR" dirty="0" smtClean="0"/>
+              <a:t>(Object) </a:t>
+            </a:r>
+            <a:r>
+              <a:rPr lang="ko-KR" altLang="en-US" dirty="0" smtClean="0"/>
+              <a:t>메모리 구조</a:t>
+            </a:r>
+            <a:r>
+              <a:rPr lang="en-US" altLang="ko-KR" dirty="0" smtClean="0"/>
+              <a:t/>
+            </a:r>
+            <a:br>
+              <a:rPr lang="en-US" altLang="ko-KR" dirty="0" smtClean="0"/>
+            </a:br>
+            <a:r>
+              <a:rPr lang="en-US" altLang="ko-KR" dirty="0" smtClean="0"/>
+              <a:t>PersonGenerator4</a:t>
+            </a:r>
+            <a:br>
+              <a:rPr lang="en-US" altLang="ko-KR" dirty="0" smtClean="0"/>
+            </a:br>
+            <a:r>
+              <a:rPr lang="en-US" altLang="ko-KR" dirty="0" err="1" smtClean="0"/>
+              <a:t>PersonManager</a:t>
+            </a:r>
+            <a:endParaRPr lang="ko-KR" altLang="en-US" dirty="0"/>
+          </a:p>
+        </p:txBody>
+      </p:sp>
+      <p:sp>
+        <p:nvSpPr>
+          <p:cNvPr id="12" name="직사각형 11"/>
+          <p:cNvSpPr/>
+          <p:nvPr/>
+        </p:nvSpPr>
+        <p:spPr>
+          <a:xfrm>
+            <a:off x="107504" y="1818127"/>
+            <a:ext cx="5394414" cy="4524315"/>
+          </a:xfrm>
+          <a:prstGeom prst="rect">
+            <a:avLst/>
+          </a:prstGeom>
+        </p:spPr>
+        <p:txBody>
+          <a:bodyPr wrap="square">
+            <a:spAutoFit/>
+          </a:bodyPr>
+          <a:lstStyle/>
+          <a:p>
+            <a:r>
+              <a:rPr lang="en-US" altLang="ko-KR" b="1" dirty="0">
+                <a:solidFill>
+                  <a:srgbClr val="000080"/>
+                </a:solidFill>
+              </a:rPr>
+              <a:t>public class </a:t>
+            </a:r>
+            <a:r>
+              <a:rPr lang="en-US" altLang="ko-KR" dirty="0"/>
+              <a:t>PersonGenerator4 {</a:t>
+            </a:r>
+            <a:br>
+              <a:rPr lang="en-US" altLang="ko-KR" dirty="0"/>
+            </a:br>
+            <a:r>
+              <a:rPr lang="en-US" altLang="ko-KR" dirty="0"/>
+              <a:t>    </a:t>
+            </a:r>
+            <a:r>
+              <a:rPr lang="en-US" altLang="ko-KR" b="1" dirty="0">
+                <a:solidFill>
+                  <a:srgbClr val="000080"/>
+                </a:solidFill>
+              </a:rPr>
+              <a:t>public static void </a:t>
+            </a:r>
+            <a:r>
+              <a:rPr lang="en-US" altLang="ko-KR" dirty="0"/>
+              <a:t>main(String[] </a:t>
+            </a:r>
+            <a:r>
+              <a:rPr lang="en-US" altLang="ko-KR" dirty="0" err="1"/>
+              <a:t>args</a:t>
+            </a:r>
+            <a:r>
+              <a:rPr lang="en-US" altLang="ko-KR" dirty="0"/>
+              <a:t>) {</a:t>
+            </a:r>
+            <a:br>
+              <a:rPr lang="en-US" altLang="ko-KR" dirty="0"/>
+            </a:br>
+            <a:r>
+              <a:rPr lang="en-US" altLang="ko-KR" dirty="0"/>
+              <a:t/>
+            </a:r>
+            <a:br>
+              <a:rPr lang="en-US" altLang="ko-KR" dirty="0"/>
+            </a:br>
+            <a:r>
+              <a:rPr lang="en-US" altLang="ko-KR" dirty="0"/>
+              <a:t>        </a:t>
+            </a:r>
+            <a:r>
+              <a:rPr lang="en-US" altLang="ko-KR" dirty="0" err="1"/>
+              <a:t>PersonManager</a:t>
+            </a:r>
+            <a:r>
+              <a:rPr lang="en-US" altLang="ko-KR" dirty="0"/>
+              <a:t> </a:t>
+            </a:r>
+            <a:r>
+              <a:rPr lang="en-US" altLang="ko-KR" dirty="0" err="1"/>
+              <a:t>personManager</a:t>
+            </a:r>
+            <a:r>
+              <a:rPr lang="en-US" altLang="ko-KR" dirty="0"/>
+              <a:t> = </a:t>
+            </a:r>
+            <a:r>
+              <a:rPr lang="en-US" altLang="ko-KR" b="1" dirty="0">
+                <a:solidFill>
+                  <a:srgbClr val="000080"/>
+                </a:solidFill>
+              </a:rPr>
+              <a:t>new </a:t>
+            </a:r>
+            <a:r>
+              <a:rPr lang="en-US" altLang="ko-KR" dirty="0" err="1"/>
+              <a:t>PersonManager</a:t>
+            </a:r>
+            <a:r>
+              <a:rPr lang="en-US" altLang="ko-KR" dirty="0" smtClean="0"/>
+              <a:t>();</a:t>
+            </a:r>
+          </a:p>
+          <a:p>
+            <a:endParaRPr lang="en-US" altLang="ko-KR" dirty="0" smtClean="0"/>
+          </a:p>
+          <a:p>
+            <a:r>
+              <a:rPr lang="en-US" altLang="ko-KR" dirty="0"/>
+              <a:t>	</a:t>
+            </a:r>
+            <a:r>
+              <a:rPr lang="en-US" altLang="ko-KR" dirty="0" err="1" smtClean="0"/>
+              <a:t>personManager.initialize</a:t>
+            </a:r>
+            <a:r>
+              <a:rPr lang="en-US" altLang="ko-KR" dirty="0" smtClean="0"/>
+              <a:t>();</a:t>
+            </a:r>
+          </a:p>
+          <a:p>
+            <a:endParaRPr lang="en-US" altLang="ko-KR" dirty="0"/>
+          </a:p>
+          <a:p>
+            <a:pPr lvl="2"/>
+            <a:r>
+              <a:rPr lang="en-US" altLang="ko-KR" b="1" dirty="0"/>
+              <a:t>Person </a:t>
+            </a:r>
+            <a:r>
+              <a:rPr lang="en-US" altLang="ko-KR" b="1" dirty="0" err="1"/>
+              <a:t>person</a:t>
+            </a:r>
+            <a:r>
+              <a:rPr lang="en-US" altLang="ko-KR" b="1" dirty="0"/>
+              <a:t> = </a:t>
+            </a:r>
+            <a:r>
+              <a:rPr lang="en-US" altLang="ko-KR" b="1" dirty="0">
+                <a:solidFill>
+                  <a:srgbClr val="000080"/>
+                </a:solidFill>
+              </a:rPr>
+              <a:t>new </a:t>
+            </a:r>
+            <a:r>
+              <a:rPr lang="en-US" altLang="ko-KR" b="1" dirty="0"/>
+              <a:t>Person();</a:t>
+            </a:r>
+            <a:br>
+              <a:rPr lang="en-US" altLang="ko-KR" b="1" dirty="0"/>
+            </a:br>
+            <a:r>
+              <a:rPr lang="en-US" altLang="ko-KR" b="1" dirty="0"/>
+              <a:t>person.</a:t>
+            </a:r>
+            <a:r>
+              <a:rPr lang="en-US" altLang="ko-KR" b="1" dirty="0">
+                <a:solidFill>
+                  <a:srgbClr val="660E7A"/>
+                </a:solidFill>
+              </a:rPr>
+              <a:t>name</a:t>
+            </a:r>
+            <a:r>
+              <a:rPr lang="en-US" altLang="ko-KR" b="1" dirty="0"/>
+              <a:t>=</a:t>
+            </a:r>
+            <a:r>
+              <a:rPr lang="en-US" altLang="ko-KR" b="1" dirty="0">
+                <a:solidFill>
+                  <a:srgbClr val="008000"/>
+                </a:solidFill>
+              </a:rPr>
+              <a:t>"</a:t>
+            </a:r>
+            <a:r>
+              <a:rPr lang="ko-KR" altLang="en-US" b="1" dirty="0">
+                <a:solidFill>
+                  <a:srgbClr val="008000"/>
+                </a:solidFill>
+                <a:latin typeface="굴림체"/>
+              </a:rPr>
+              <a:t>동희</a:t>
+            </a:r>
+            <a:r>
+              <a:rPr lang="en-US" altLang="ko-KR" b="1" dirty="0">
+                <a:solidFill>
+                  <a:srgbClr val="008000"/>
+                </a:solidFill>
+              </a:rPr>
+              <a:t>"</a:t>
+            </a:r>
+            <a:r>
+              <a:rPr lang="en-US" altLang="ko-KR" b="1" dirty="0"/>
+              <a:t>;</a:t>
+            </a:r>
+            <a:br>
+              <a:rPr lang="en-US" altLang="ko-KR" b="1" dirty="0"/>
+            </a:br>
+            <a:r>
+              <a:rPr lang="en-US" altLang="ko-KR" b="1" dirty="0" err="1"/>
+              <a:t>person.</a:t>
+            </a:r>
+            <a:r>
+              <a:rPr lang="en-US" altLang="ko-KR" b="1" dirty="0" err="1">
+                <a:solidFill>
+                  <a:srgbClr val="660E7A"/>
+                </a:solidFill>
+              </a:rPr>
+              <a:t>age</a:t>
+            </a:r>
+            <a:r>
+              <a:rPr lang="en-US" altLang="ko-KR" b="1" dirty="0">
+                <a:solidFill>
+                  <a:srgbClr val="660E7A"/>
+                </a:solidFill>
+              </a:rPr>
+              <a:t> </a:t>
+            </a:r>
+            <a:r>
+              <a:rPr lang="en-US" altLang="ko-KR" b="1" dirty="0"/>
+              <a:t>= </a:t>
+            </a:r>
+            <a:r>
+              <a:rPr lang="en-US" altLang="ko-KR" b="1" dirty="0">
+                <a:solidFill>
+                  <a:srgbClr val="0000FF"/>
+                </a:solidFill>
+              </a:rPr>
+              <a:t>99</a:t>
+            </a:r>
+            <a:r>
+              <a:rPr lang="en-US" altLang="ko-KR" b="1" dirty="0"/>
+              <a:t>;</a:t>
+            </a:r>
+            <a:endParaRPr lang="en-US" altLang="ko-KR" b="1" dirty="0" smtClean="0"/>
+          </a:p>
+          <a:p>
+            <a:r>
+              <a:rPr lang="en-US" altLang="ko-KR" b="1" dirty="0"/>
+              <a:t/>
+            </a:r>
+            <a:br>
+              <a:rPr lang="en-US" altLang="ko-KR" b="1" dirty="0"/>
+            </a:br>
+            <a:r>
+              <a:rPr lang="en-US" altLang="ko-KR" dirty="0"/>
+              <a:t/>
+            </a:r>
+            <a:br>
+              <a:rPr lang="en-US" altLang="ko-KR" dirty="0"/>
+            </a:br>
+            <a:r>
+              <a:rPr lang="en-US" altLang="ko-KR" dirty="0"/>
+              <a:t>    }</a:t>
+            </a:r>
+            <a:br>
+              <a:rPr lang="en-US" altLang="ko-KR" dirty="0"/>
+            </a:br>
+            <a:r>
+              <a:rPr lang="en-US" altLang="ko-KR" dirty="0"/>
+              <a:t>}</a:t>
+            </a:r>
+            <a:br>
+              <a:rPr lang="en-US" altLang="ko-KR" dirty="0"/>
+            </a:br>
+            <a:endParaRPr lang="ko-KR" altLang="en-US" dirty="0"/>
+          </a:p>
+        </p:txBody>
+      </p:sp>
+      <p:sp>
+        <p:nvSpPr>
+          <p:cNvPr id="26" name="직사각형 25"/>
+          <p:cNvSpPr/>
+          <p:nvPr/>
+        </p:nvSpPr>
+        <p:spPr>
+          <a:xfrm>
+            <a:off x="5652120" y="1878524"/>
+            <a:ext cx="3096344" cy="4680520"/>
+          </a:xfrm>
+          <a:prstGeom prst="rect">
+            <a:avLst/>
+          </a:prstGeom>
+        </p:spPr>
+        <p:style>
+          <a:lnRef idx="2">
+            <a:schemeClr val="accent1">
+              <a:shade val="50000"/>
+            </a:schemeClr>
+          </a:lnRef>
+          <a:fillRef idx="1">
+            <a:schemeClr val="accent1"/>
+          </a:fillRef>
+          <a:effectRef idx="0">
+            <a:schemeClr val="accent1"/>
+          </a:effectRef>
+          <a:fontRef idx="minor">
+            <a:schemeClr val="lt1"/>
+          </a:fontRef>
+        </p:style>
+        <p:txBody>
+          <a:bodyPr rtlCol="0" anchor="ctr"/>
+          <a:lstStyle/>
+          <a:p>
+            <a:pPr algn="ctr"/>
+            <a:endParaRPr lang="ko-KR" altLang="en-US"/>
+          </a:p>
+        </p:txBody>
+      </p:sp>
+      <p:cxnSp>
+        <p:nvCxnSpPr>
+          <p:cNvPr id="27" name="직선 연결선 26"/>
+          <p:cNvCxnSpPr/>
+          <p:nvPr/>
+        </p:nvCxnSpPr>
+        <p:spPr>
+          <a:xfrm>
+            <a:off x="5652120" y="3151694"/>
+            <a:ext cx="3096344" cy="0"/>
+          </a:xfrm>
+          <a:prstGeom prst="line">
+            <a:avLst/>
+          </a:prstGeom>
+        </p:spPr>
+        <p:style>
+          <a:lnRef idx="1">
+            <a:schemeClr val="accent2"/>
+          </a:lnRef>
+          <a:fillRef idx="0">
+            <a:schemeClr val="accent2"/>
+          </a:fillRef>
+          <a:effectRef idx="0">
+            <a:schemeClr val="accent2"/>
+          </a:effectRef>
+          <a:fontRef idx="minor">
+            <a:schemeClr val="tx1"/>
+          </a:fontRef>
+        </p:style>
+      </p:cxnSp>
+      <p:cxnSp>
+        <p:nvCxnSpPr>
+          <p:cNvPr id="29" name="직선 연결선 28"/>
+          <p:cNvCxnSpPr/>
+          <p:nvPr/>
+        </p:nvCxnSpPr>
+        <p:spPr>
+          <a:xfrm>
+            <a:off x="5652120" y="4951894"/>
+            <a:ext cx="3096344" cy="0"/>
+          </a:xfrm>
+          <a:prstGeom prst="line">
+            <a:avLst/>
+          </a:prstGeom>
+        </p:spPr>
+        <p:style>
+          <a:lnRef idx="1">
+            <a:schemeClr val="accent2"/>
+          </a:lnRef>
+          <a:fillRef idx="0">
+            <a:schemeClr val="accent2"/>
+          </a:fillRef>
+          <a:effectRef idx="0">
+            <a:schemeClr val="accent2"/>
+          </a:effectRef>
+          <a:fontRef idx="minor">
+            <a:schemeClr val="tx1"/>
+          </a:fontRef>
+        </p:style>
+      </p:cxnSp>
+      <p:sp>
+        <p:nvSpPr>
+          <p:cNvPr id="30" name="TextBox 29"/>
+          <p:cNvSpPr txBox="1"/>
+          <p:nvPr/>
+        </p:nvSpPr>
+        <p:spPr>
+          <a:xfrm>
+            <a:off x="5724128" y="1943582"/>
+            <a:ext cx="747320" cy="369332"/>
+          </a:xfrm>
+          <a:prstGeom prst="rect">
+            <a:avLst/>
+          </a:prstGeom>
+          <a:noFill/>
+        </p:spPr>
+        <p:txBody>
+          <a:bodyPr wrap="none" rtlCol="0">
+            <a:spAutoFit/>
+          </a:bodyPr>
+          <a:lstStyle/>
+          <a:p>
+            <a:r>
+              <a:rPr lang="en-US" altLang="ko-KR" dirty="0" smtClean="0"/>
+              <a:t>Static</a:t>
+            </a:r>
+            <a:endParaRPr lang="ko-KR" altLang="en-US" dirty="0"/>
+          </a:p>
+        </p:txBody>
+      </p:sp>
+      <p:sp>
+        <p:nvSpPr>
+          <p:cNvPr id="31" name="TextBox 30"/>
+          <p:cNvSpPr txBox="1"/>
+          <p:nvPr/>
+        </p:nvSpPr>
+        <p:spPr>
+          <a:xfrm>
+            <a:off x="5724128" y="3250948"/>
+            <a:ext cx="728084" cy="369332"/>
+          </a:xfrm>
+          <a:prstGeom prst="rect">
+            <a:avLst/>
+          </a:prstGeom>
+          <a:noFill/>
+        </p:spPr>
+        <p:txBody>
+          <a:bodyPr wrap="none" rtlCol="0">
+            <a:spAutoFit/>
+          </a:bodyPr>
+          <a:lstStyle/>
+          <a:p>
+            <a:r>
+              <a:rPr lang="en-US" altLang="ko-KR" dirty="0" smtClean="0"/>
+              <a:t>Stack</a:t>
+            </a:r>
+            <a:endParaRPr lang="ko-KR" altLang="en-US" dirty="0"/>
+          </a:p>
+        </p:txBody>
+      </p:sp>
+      <p:sp>
+        <p:nvSpPr>
+          <p:cNvPr id="32" name="TextBox 31"/>
+          <p:cNvSpPr txBox="1"/>
+          <p:nvPr/>
+        </p:nvSpPr>
+        <p:spPr>
+          <a:xfrm>
+            <a:off x="5724128" y="5068222"/>
+            <a:ext cx="732893" cy="369332"/>
+          </a:xfrm>
+          <a:prstGeom prst="rect">
+            <a:avLst/>
+          </a:prstGeom>
+          <a:noFill/>
+        </p:spPr>
+        <p:txBody>
+          <a:bodyPr wrap="none" rtlCol="0">
+            <a:spAutoFit/>
+          </a:bodyPr>
+          <a:lstStyle/>
+          <a:p>
+            <a:r>
+              <a:rPr lang="en-US" altLang="ko-KR" dirty="0" smtClean="0"/>
+              <a:t>Heap</a:t>
+            </a:r>
+            <a:endParaRPr lang="ko-KR" altLang="en-US" dirty="0"/>
+          </a:p>
+        </p:txBody>
+      </p:sp>
+      <p:sp>
+        <p:nvSpPr>
+          <p:cNvPr id="11" name="TextBox 10"/>
+          <p:cNvSpPr txBox="1"/>
+          <p:nvPr/>
+        </p:nvSpPr>
+        <p:spPr>
+          <a:xfrm>
+            <a:off x="5848347" y="2426214"/>
+            <a:ext cx="1640384" cy="646331"/>
+          </a:xfrm>
+          <a:prstGeom prst="rect">
+            <a:avLst/>
+          </a:prstGeom>
+        </p:spPr>
+        <p:style>
+          <a:lnRef idx="2">
+            <a:schemeClr val="accent6"/>
+          </a:lnRef>
+          <a:fillRef idx="1">
+            <a:schemeClr val="lt1"/>
+          </a:fillRef>
+          <a:effectRef idx="0">
+            <a:schemeClr val="accent6"/>
+          </a:effectRef>
+          <a:fontRef idx="minor">
+            <a:schemeClr val="dk1"/>
+          </a:fontRef>
+        </p:style>
+        <p:txBody>
+          <a:bodyPr wrap="square" rtlCol="0">
+            <a:spAutoFit/>
+          </a:bodyPr>
+          <a:lstStyle/>
+          <a:p>
+            <a:r>
+              <a:rPr lang="en-US" altLang="ko-KR" dirty="0" smtClean="0"/>
+              <a:t>Class </a:t>
+            </a:r>
+            <a:r>
+              <a:rPr lang="ko-KR" altLang="en-US" dirty="0" smtClean="0"/>
+              <a:t>정보</a:t>
+            </a:r>
+            <a:r>
+              <a:rPr lang="en-US" altLang="ko-KR" dirty="0" smtClean="0"/>
+              <a:t>(code)</a:t>
+            </a:r>
+            <a:endParaRPr lang="ko-KR" altLang="en-US" dirty="0"/>
+          </a:p>
+        </p:txBody>
+      </p:sp>
+      <p:sp>
+        <p:nvSpPr>
+          <p:cNvPr id="13" name="TextBox 12"/>
+          <p:cNvSpPr txBox="1"/>
+          <p:nvPr/>
+        </p:nvSpPr>
+        <p:spPr>
+          <a:xfrm>
+            <a:off x="7056683" y="1943582"/>
+            <a:ext cx="1640384" cy="369332"/>
+          </a:xfrm>
+          <a:prstGeom prst="rect">
+            <a:avLst/>
+          </a:prstGeom>
+        </p:spPr>
+        <p:style>
+          <a:lnRef idx="2">
+            <a:schemeClr val="accent6"/>
+          </a:lnRef>
+          <a:fillRef idx="1">
+            <a:schemeClr val="lt1"/>
+          </a:fillRef>
+          <a:effectRef idx="0">
+            <a:schemeClr val="accent6"/>
+          </a:effectRef>
+          <a:fontRef idx="minor">
+            <a:schemeClr val="dk1"/>
+          </a:fontRef>
+        </p:style>
+        <p:txBody>
+          <a:bodyPr wrap="square" rtlCol="0">
+            <a:spAutoFit/>
+          </a:bodyPr>
+          <a:lstStyle/>
+          <a:p>
+            <a:r>
+              <a:rPr lang="en-US" altLang="ko-KR" dirty="0" smtClean="0"/>
+              <a:t>main method</a:t>
+            </a:r>
+            <a:endParaRPr lang="ko-KR" altLang="en-US" dirty="0"/>
+          </a:p>
+        </p:txBody>
+      </p:sp>
+      <p:sp>
+        <p:nvSpPr>
+          <p:cNvPr id="14" name="TextBox 13"/>
+          <p:cNvSpPr txBox="1"/>
+          <p:nvPr/>
+        </p:nvSpPr>
+        <p:spPr>
+          <a:xfrm>
+            <a:off x="7710166" y="2350087"/>
+            <a:ext cx="820192" cy="369332"/>
+          </a:xfrm>
+          <a:prstGeom prst="rect">
+            <a:avLst/>
+          </a:prstGeom>
+        </p:spPr>
+        <p:style>
+          <a:lnRef idx="2">
+            <a:schemeClr val="accent6"/>
+          </a:lnRef>
+          <a:fillRef idx="1">
+            <a:schemeClr val="lt1"/>
+          </a:fillRef>
+          <a:effectRef idx="0">
+            <a:schemeClr val="accent6"/>
+          </a:effectRef>
+          <a:fontRef idx="minor">
+            <a:schemeClr val="dk1"/>
+          </a:fontRef>
+        </p:style>
+        <p:txBody>
+          <a:bodyPr wrap="square" rtlCol="0">
+            <a:spAutoFit/>
+          </a:bodyPr>
+          <a:lstStyle/>
+          <a:p>
+            <a:pPr algn="ctr"/>
+            <a:r>
+              <a:rPr lang="en-US" altLang="ko-KR" dirty="0" smtClean="0"/>
+              <a:t>null</a:t>
+            </a:r>
+            <a:endParaRPr lang="ko-KR" altLang="en-US" dirty="0"/>
+          </a:p>
+        </p:txBody>
+      </p:sp>
+      <p:cxnSp>
+        <p:nvCxnSpPr>
+          <p:cNvPr id="15" name="직선 연결선 14"/>
+          <p:cNvCxnSpPr/>
+          <p:nvPr/>
+        </p:nvCxnSpPr>
+        <p:spPr>
+          <a:xfrm>
+            <a:off x="5652120" y="4951894"/>
+            <a:ext cx="3096344" cy="0"/>
+          </a:xfrm>
+          <a:prstGeom prst="line">
+            <a:avLst/>
+          </a:prstGeom>
+        </p:spPr>
+        <p:style>
+          <a:lnRef idx="1">
+            <a:schemeClr val="accent2"/>
+          </a:lnRef>
+          <a:fillRef idx="0">
+            <a:schemeClr val="accent2"/>
+          </a:fillRef>
+          <a:effectRef idx="0">
+            <a:schemeClr val="accent2"/>
+          </a:effectRef>
+          <a:fontRef idx="minor">
+            <a:schemeClr val="tx1"/>
+          </a:fontRef>
+        </p:style>
+      </p:cxnSp>
+      <p:sp>
+        <p:nvSpPr>
+          <p:cNvPr id="16" name="직사각형 15"/>
+          <p:cNvSpPr/>
+          <p:nvPr/>
+        </p:nvSpPr>
+        <p:spPr>
+          <a:xfrm>
+            <a:off x="5684994" y="3747510"/>
+            <a:ext cx="2703429" cy="1113145"/>
+          </a:xfrm>
+          <a:prstGeom prst="rect">
+            <a:avLst/>
+          </a:prstGeom>
+        </p:spPr>
+        <p:style>
+          <a:lnRef idx="3">
+            <a:schemeClr val="lt1"/>
+          </a:lnRef>
+          <a:fillRef idx="1">
+            <a:schemeClr val="accent6"/>
+          </a:fillRef>
+          <a:effectRef idx="1">
+            <a:schemeClr val="accent6"/>
+          </a:effectRef>
+          <a:fontRef idx="minor">
+            <a:schemeClr val="lt1"/>
+          </a:fontRef>
+        </p:style>
+        <p:txBody>
+          <a:bodyPr rtlCol="0" anchor="ctr"/>
+          <a:lstStyle/>
+          <a:p>
+            <a:pPr algn="ctr"/>
+            <a:endParaRPr lang="ko-KR" altLang="en-US"/>
+          </a:p>
+        </p:txBody>
+      </p:sp>
+      <p:sp>
+        <p:nvSpPr>
+          <p:cNvPr id="17" name="TextBox 16"/>
+          <p:cNvSpPr txBox="1"/>
+          <p:nvPr/>
+        </p:nvSpPr>
+        <p:spPr>
+          <a:xfrm>
+            <a:off x="6005302" y="3750047"/>
+            <a:ext cx="838691" cy="369332"/>
+          </a:xfrm>
+          <a:prstGeom prst="rect">
+            <a:avLst/>
+          </a:prstGeom>
+          <a:noFill/>
+        </p:spPr>
+        <p:txBody>
+          <a:bodyPr wrap="none" rtlCol="0">
+            <a:spAutoFit/>
+          </a:bodyPr>
+          <a:lstStyle/>
+          <a:p>
+            <a:pPr algn="ctr"/>
+            <a:r>
+              <a:rPr lang="en-US" altLang="ko-KR" dirty="0" smtClean="0"/>
+              <a:t>main()</a:t>
+            </a:r>
+          </a:p>
+        </p:txBody>
+      </p:sp>
+      <p:sp>
+        <p:nvSpPr>
+          <p:cNvPr id="18" name="직사각형 17"/>
+          <p:cNvSpPr/>
+          <p:nvPr/>
+        </p:nvSpPr>
+        <p:spPr>
+          <a:xfrm>
+            <a:off x="5841077" y="4209361"/>
+            <a:ext cx="1080120" cy="576064"/>
+          </a:xfrm>
+          <a:prstGeom prst="rect">
+            <a:avLst/>
+          </a:prstGeom>
+        </p:spPr>
+        <p:style>
+          <a:lnRef idx="3">
+            <a:schemeClr val="lt1"/>
+          </a:lnRef>
+          <a:fillRef idx="1">
+            <a:schemeClr val="accent6"/>
+          </a:fillRef>
+          <a:effectRef idx="1">
+            <a:schemeClr val="accent6"/>
+          </a:effectRef>
+          <a:fontRef idx="minor">
+            <a:schemeClr val="lt1"/>
+          </a:fontRef>
+        </p:style>
+        <p:txBody>
+          <a:bodyPr rtlCol="0" anchor="ctr"/>
+          <a:lstStyle/>
+          <a:p>
+            <a:pPr algn="ctr"/>
+            <a:r>
+              <a:rPr lang="en-US" altLang="ko-KR" sz="1600" dirty="0" err="1" smtClean="0"/>
+              <a:t>personManager</a:t>
+            </a:r>
+            <a:endParaRPr lang="ko-KR" altLang="en-US" sz="1600" dirty="0"/>
+          </a:p>
+        </p:txBody>
+      </p:sp>
+      <p:cxnSp>
+        <p:nvCxnSpPr>
+          <p:cNvPr id="19" name="직선 화살표 연결선 18"/>
+          <p:cNvCxnSpPr>
+            <a:stCxn id="18" idx="2"/>
+          </p:cNvCxnSpPr>
+          <p:nvPr/>
+        </p:nvCxnSpPr>
+        <p:spPr>
+          <a:xfrm>
+            <a:off x="6381137" y="4785425"/>
+            <a:ext cx="81073" cy="652129"/>
+          </a:xfrm>
+          <a:prstGeom prst="straightConnector1">
+            <a:avLst/>
+          </a:prstGeom>
+          <a:ln w="28575">
+            <a:headEnd type="none" w="med" len="med"/>
+            <a:tailEnd type="triangle" w="med" len="med"/>
+          </a:ln>
+        </p:spPr>
+        <p:style>
+          <a:lnRef idx="1">
+            <a:schemeClr val="accent2"/>
+          </a:lnRef>
+          <a:fillRef idx="0">
+            <a:schemeClr val="accent2"/>
+          </a:fillRef>
+          <a:effectRef idx="0">
+            <a:schemeClr val="accent2"/>
+          </a:effectRef>
+          <a:fontRef idx="minor">
+            <a:schemeClr val="tx1"/>
+          </a:fontRef>
+        </p:style>
+      </p:cxnSp>
+      <p:sp>
+        <p:nvSpPr>
+          <p:cNvPr id="23" name="직사각형 22"/>
+          <p:cNvSpPr/>
+          <p:nvPr/>
+        </p:nvSpPr>
+        <p:spPr>
+          <a:xfrm>
+            <a:off x="5693378" y="5437554"/>
+            <a:ext cx="1476164" cy="1080120"/>
+          </a:xfrm>
+          <a:prstGeom prst="rect">
+            <a:avLst/>
+          </a:prstGeom>
+        </p:spPr>
+        <p:style>
+          <a:lnRef idx="2">
+            <a:schemeClr val="accent6">
+              <a:shade val="50000"/>
+            </a:schemeClr>
+          </a:lnRef>
+          <a:fillRef idx="1">
+            <a:schemeClr val="accent6"/>
+          </a:fillRef>
+          <a:effectRef idx="0">
+            <a:schemeClr val="accent6"/>
+          </a:effectRef>
+          <a:fontRef idx="minor">
+            <a:schemeClr val="lt1"/>
+          </a:fontRef>
+        </p:style>
+        <p:txBody>
+          <a:bodyPr rtlCol="0" anchor="ctr"/>
+          <a:lstStyle/>
+          <a:p>
+            <a:pPr algn="ctr"/>
+            <a:r>
+              <a:rPr lang="en-US" altLang="ko-KR" dirty="0" smtClean="0"/>
+              <a:t>new</a:t>
+            </a:r>
+          </a:p>
+          <a:p>
+            <a:pPr algn="ctr"/>
+            <a:r>
+              <a:rPr lang="en-US" altLang="ko-KR" dirty="0" err="1" smtClean="0"/>
+              <a:t>PersionManager</a:t>
+            </a:r>
+            <a:endParaRPr lang="en-US" altLang="ko-KR" dirty="0" smtClean="0"/>
+          </a:p>
+        </p:txBody>
+      </p:sp>
+      <p:sp>
+        <p:nvSpPr>
+          <p:cNvPr id="24" name="직사각형 23"/>
+          <p:cNvSpPr/>
+          <p:nvPr/>
+        </p:nvSpPr>
+        <p:spPr>
+          <a:xfrm>
+            <a:off x="7220903" y="5437554"/>
+            <a:ext cx="1476164" cy="1080120"/>
+          </a:xfrm>
+          <a:prstGeom prst="rect">
+            <a:avLst/>
+          </a:prstGeom>
+        </p:spPr>
+        <p:style>
+          <a:lnRef idx="2">
+            <a:schemeClr val="accent6">
+              <a:shade val="50000"/>
+            </a:schemeClr>
+          </a:lnRef>
+          <a:fillRef idx="1">
+            <a:schemeClr val="accent6"/>
+          </a:fillRef>
+          <a:effectRef idx="0">
+            <a:schemeClr val="accent6"/>
+          </a:effectRef>
+          <a:fontRef idx="minor">
+            <a:schemeClr val="lt1"/>
+          </a:fontRef>
+        </p:style>
+        <p:txBody>
+          <a:bodyPr rtlCol="0" anchor="ctr"/>
+          <a:lstStyle/>
+          <a:p>
+            <a:pPr algn="ctr"/>
+            <a:r>
+              <a:rPr lang="en-US" altLang="ko-KR" dirty="0" smtClean="0"/>
+              <a:t>new</a:t>
+            </a:r>
+          </a:p>
+          <a:p>
+            <a:pPr algn="ctr"/>
+            <a:r>
+              <a:rPr lang="en-US" altLang="ko-KR" dirty="0" smtClean="0"/>
+              <a:t>Person</a:t>
+            </a:r>
+          </a:p>
+          <a:p>
+            <a:pPr algn="ctr"/>
+            <a:r>
+              <a:rPr lang="en-US" altLang="ko-KR" dirty="0" smtClean="0"/>
+              <a:t>name=“</a:t>
+            </a:r>
+            <a:r>
+              <a:rPr lang="ko-KR" altLang="en-US" dirty="0" smtClean="0"/>
+              <a:t>동희</a:t>
+            </a:r>
+            <a:r>
+              <a:rPr lang="en-US" altLang="ko-KR" dirty="0" smtClean="0"/>
+              <a:t>”</a:t>
+            </a:r>
+          </a:p>
+          <a:p>
+            <a:pPr algn="ctr"/>
+            <a:r>
+              <a:rPr lang="en-US" altLang="ko-KR" dirty="0" smtClean="0"/>
+              <a:t>age=99</a:t>
+            </a:r>
+          </a:p>
+        </p:txBody>
+      </p:sp>
+      <p:sp>
+        <p:nvSpPr>
+          <p:cNvPr id="25" name="직사각형 24"/>
+          <p:cNvSpPr/>
+          <p:nvPr/>
+        </p:nvSpPr>
+        <p:spPr>
+          <a:xfrm>
+            <a:off x="7068555" y="4209361"/>
+            <a:ext cx="1080120" cy="576064"/>
+          </a:xfrm>
+          <a:prstGeom prst="rect">
+            <a:avLst/>
+          </a:prstGeom>
+        </p:spPr>
+        <p:style>
+          <a:lnRef idx="3">
+            <a:schemeClr val="lt1"/>
+          </a:lnRef>
+          <a:fillRef idx="1">
+            <a:schemeClr val="accent6"/>
+          </a:fillRef>
+          <a:effectRef idx="1">
+            <a:schemeClr val="accent6"/>
+          </a:effectRef>
+          <a:fontRef idx="minor">
+            <a:schemeClr val="lt1"/>
+          </a:fontRef>
+        </p:style>
+        <p:txBody>
+          <a:bodyPr rtlCol="0" anchor="ctr"/>
+          <a:lstStyle/>
+          <a:p>
+            <a:pPr algn="ctr"/>
+            <a:r>
+              <a:rPr lang="en-US" altLang="ko-KR" sz="1600" dirty="0" smtClean="0"/>
+              <a:t>person</a:t>
+            </a:r>
+            <a:endParaRPr lang="ko-KR" altLang="en-US" sz="1600" dirty="0"/>
+          </a:p>
+        </p:txBody>
+      </p:sp>
+      <p:cxnSp>
+        <p:nvCxnSpPr>
+          <p:cNvPr id="28" name="직선 화살표 연결선 27"/>
+          <p:cNvCxnSpPr>
+            <a:endCxn id="24" idx="0"/>
+          </p:cNvCxnSpPr>
+          <p:nvPr/>
+        </p:nvCxnSpPr>
+        <p:spPr>
+          <a:xfrm>
+            <a:off x="7710166" y="4785425"/>
+            <a:ext cx="248819" cy="652129"/>
+          </a:xfrm>
+          <a:prstGeom prst="straightConnector1">
+            <a:avLst/>
+          </a:prstGeom>
+          <a:ln w="28575">
+            <a:headEnd type="none" w="med" len="med"/>
+            <a:tailEnd type="triangle" w="med" len="med"/>
+          </a:ln>
+        </p:spPr>
+        <p:style>
+          <a:lnRef idx="1">
+            <a:schemeClr val="accent2"/>
+          </a:lnRef>
+          <a:fillRef idx="0">
+            <a:schemeClr val="accent2"/>
+          </a:fillRef>
+          <a:effectRef idx="0">
+            <a:schemeClr val="accent2"/>
+          </a:effectRef>
+          <a:fontRef idx="minor">
+            <a:schemeClr val="tx1"/>
+          </a:fontRef>
+        </p:style>
+      </p:cxnSp>
+    </p:spTree>
+    <p:extLst>
+      <p:ext uri="{BB962C8B-B14F-4D97-AF65-F5344CB8AC3E}">
+        <p14:creationId xmlns:p14="http://schemas.microsoft.com/office/powerpoint/2010/main" val="763135476"/>
+      </p:ext>
+    </p:extLst>
+  </p:cSld>
+  <p:clrMapOvr>
+    <a:masterClrMapping/>
+  </p:clrMapOvr>
+</p:sld>
+</file>
+
+<file path=ppt/slides/slide37.xml><?xml version="1.0" encoding="utf-8"?>
+<p:sld xmlns:a="http://schemas.openxmlformats.org/drawingml/2006/main" xmlns:r="http://schemas.openxmlformats.org/officeDocument/2006/relationships" xmlns:p="http://schemas.openxmlformats.org/presentationml/2006/main">
+  <p:cSld>
+    <p:spTree>
+      <p:nvGrpSpPr>
+        <p:cNvPr id="1" name=""/>
+        <p:cNvGrpSpPr/>
+        <p:nvPr/>
+      </p:nvGrpSpPr>
+      <p:grpSpPr>
+        <a:xfrm>
+          <a:off x="0" y="0"/>
+          <a:ext cx="0" cy="0"/>
+          <a:chOff x="0" y="0"/>
+          <a:chExt cx="0" cy="0"/>
+        </a:xfrm>
+      </p:grpSpPr>
+      <p:sp>
+        <p:nvSpPr>
+          <p:cNvPr id="2" name="제목 1"/>
+          <p:cNvSpPr>
+            <a:spLocks noGrp="1"/>
+          </p:cNvSpPr>
+          <p:nvPr>
+            <p:ph type="title"/>
+          </p:nvPr>
+        </p:nvSpPr>
+        <p:spPr/>
+        <p:txBody>
+          <a:bodyPr>
+            <a:normAutofit fontScale="90000"/>
+          </a:bodyPr>
+          <a:lstStyle/>
+          <a:p>
+            <a:r>
+              <a:rPr lang="ko-KR" altLang="en-US" dirty="0" smtClean="0"/>
+              <a:t>객체</a:t>
+            </a:r>
+            <a:r>
+              <a:rPr lang="en-US" altLang="ko-KR" dirty="0" smtClean="0"/>
+              <a:t>(Object) </a:t>
+            </a:r>
+            <a:r>
+              <a:rPr lang="ko-KR" altLang="en-US" dirty="0" smtClean="0"/>
+              <a:t>메모리 구조</a:t>
+            </a:r>
+            <a:r>
+              <a:rPr lang="en-US" altLang="ko-KR" dirty="0" smtClean="0"/>
+              <a:t/>
+            </a:r>
+            <a:br>
+              <a:rPr lang="en-US" altLang="ko-KR" dirty="0" smtClean="0"/>
+            </a:br>
+            <a:r>
+              <a:rPr lang="en-US" altLang="ko-KR" dirty="0" smtClean="0"/>
+              <a:t>PersonGenerator4</a:t>
+            </a:r>
+            <a:br>
+              <a:rPr lang="en-US" altLang="ko-KR" dirty="0" smtClean="0"/>
+            </a:br>
+            <a:r>
+              <a:rPr lang="en-US" altLang="ko-KR" dirty="0" err="1" smtClean="0"/>
+              <a:t>PersonManager</a:t>
+            </a:r>
+            <a:endParaRPr lang="ko-KR" altLang="en-US" dirty="0"/>
+          </a:p>
+        </p:txBody>
+      </p:sp>
+      <p:sp>
+        <p:nvSpPr>
+          <p:cNvPr id="12" name="직사각형 11"/>
+          <p:cNvSpPr/>
+          <p:nvPr/>
+        </p:nvSpPr>
+        <p:spPr>
+          <a:xfrm>
+            <a:off x="107504" y="1818127"/>
+            <a:ext cx="5394414" cy="5078313"/>
+          </a:xfrm>
+          <a:prstGeom prst="rect">
+            <a:avLst/>
+          </a:prstGeom>
+        </p:spPr>
+        <p:txBody>
+          <a:bodyPr wrap="square">
+            <a:spAutoFit/>
+          </a:bodyPr>
+          <a:lstStyle/>
+          <a:p>
+            <a:r>
+              <a:rPr lang="en-US" altLang="ko-KR" b="1" dirty="0">
+                <a:solidFill>
+                  <a:srgbClr val="000080"/>
+                </a:solidFill>
+              </a:rPr>
+              <a:t>public class </a:t>
+            </a:r>
+            <a:r>
+              <a:rPr lang="en-US" altLang="ko-KR" dirty="0"/>
+              <a:t>PersonGenerator4 {</a:t>
+            </a:r>
+            <a:br>
+              <a:rPr lang="en-US" altLang="ko-KR" dirty="0"/>
+            </a:br>
+            <a:r>
+              <a:rPr lang="en-US" altLang="ko-KR" dirty="0"/>
+              <a:t>    </a:t>
+            </a:r>
+            <a:r>
+              <a:rPr lang="en-US" altLang="ko-KR" b="1" dirty="0">
+                <a:solidFill>
+                  <a:srgbClr val="000080"/>
+                </a:solidFill>
+              </a:rPr>
+              <a:t>public static void </a:t>
+            </a:r>
+            <a:r>
+              <a:rPr lang="en-US" altLang="ko-KR" dirty="0"/>
+              <a:t>main(String[] </a:t>
+            </a:r>
+            <a:r>
+              <a:rPr lang="en-US" altLang="ko-KR" dirty="0" err="1"/>
+              <a:t>args</a:t>
+            </a:r>
+            <a:r>
+              <a:rPr lang="en-US" altLang="ko-KR" dirty="0"/>
+              <a:t>) {</a:t>
+            </a:r>
+            <a:br>
+              <a:rPr lang="en-US" altLang="ko-KR" dirty="0"/>
+            </a:br>
+            <a:r>
+              <a:rPr lang="en-US" altLang="ko-KR" dirty="0"/>
+              <a:t/>
+            </a:r>
+            <a:br>
+              <a:rPr lang="en-US" altLang="ko-KR" dirty="0"/>
+            </a:br>
+            <a:r>
+              <a:rPr lang="en-US" altLang="ko-KR" dirty="0"/>
+              <a:t>        </a:t>
+            </a:r>
+            <a:r>
+              <a:rPr lang="en-US" altLang="ko-KR" dirty="0" err="1"/>
+              <a:t>PersonManager</a:t>
+            </a:r>
+            <a:r>
+              <a:rPr lang="en-US" altLang="ko-KR" dirty="0"/>
+              <a:t> </a:t>
+            </a:r>
+            <a:r>
+              <a:rPr lang="en-US" altLang="ko-KR" dirty="0" err="1"/>
+              <a:t>personManager</a:t>
+            </a:r>
+            <a:r>
+              <a:rPr lang="en-US" altLang="ko-KR" dirty="0"/>
+              <a:t> = </a:t>
+            </a:r>
+            <a:r>
+              <a:rPr lang="en-US" altLang="ko-KR" b="1" dirty="0">
+                <a:solidFill>
+                  <a:srgbClr val="000080"/>
+                </a:solidFill>
+              </a:rPr>
+              <a:t>new </a:t>
+            </a:r>
+            <a:r>
+              <a:rPr lang="en-US" altLang="ko-KR" dirty="0" err="1"/>
+              <a:t>PersonManager</a:t>
+            </a:r>
+            <a:r>
+              <a:rPr lang="en-US" altLang="ko-KR" dirty="0" smtClean="0"/>
+              <a:t>();</a:t>
+            </a:r>
+          </a:p>
+          <a:p>
+            <a:endParaRPr lang="en-US" altLang="ko-KR" dirty="0" smtClean="0"/>
+          </a:p>
+          <a:p>
+            <a:r>
+              <a:rPr lang="en-US" altLang="ko-KR" dirty="0"/>
+              <a:t>	</a:t>
+            </a:r>
+            <a:r>
+              <a:rPr lang="en-US" altLang="ko-KR" dirty="0" err="1" smtClean="0"/>
+              <a:t>personManager.initialize</a:t>
+            </a:r>
+            <a:r>
+              <a:rPr lang="en-US" altLang="ko-KR" dirty="0" smtClean="0"/>
+              <a:t>();</a:t>
+            </a:r>
+          </a:p>
+          <a:p>
+            <a:endParaRPr lang="en-US" altLang="ko-KR" dirty="0"/>
+          </a:p>
+          <a:p>
+            <a:pPr lvl="2"/>
+            <a:r>
+              <a:rPr lang="en-US" altLang="ko-KR" dirty="0"/>
+              <a:t>Person </a:t>
+            </a:r>
+            <a:r>
+              <a:rPr lang="en-US" altLang="ko-KR" dirty="0" err="1"/>
+              <a:t>person</a:t>
+            </a:r>
+            <a:r>
+              <a:rPr lang="en-US" altLang="ko-KR" dirty="0"/>
+              <a:t> = </a:t>
+            </a:r>
+            <a:r>
+              <a:rPr lang="en-US" altLang="ko-KR" dirty="0">
+                <a:solidFill>
+                  <a:srgbClr val="000080"/>
+                </a:solidFill>
+              </a:rPr>
+              <a:t>new </a:t>
+            </a:r>
+            <a:r>
+              <a:rPr lang="en-US" altLang="ko-KR" dirty="0"/>
+              <a:t>Person();</a:t>
+            </a:r>
+            <a:br>
+              <a:rPr lang="en-US" altLang="ko-KR" dirty="0"/>
+            </a:br>
+            <a:r>
+              <a:rPr lang="en-US" altLang="ko-KR" dirty="0"/>
+              <a:t>person.</a:t>
+            </a:r>
+            <a:r>
+              <a:rPr lang="en-US" altLang="ko-KR" dirty="0">
+                <a:solidFill>
+                  <a:srgbClr val="660E7A"/>
+                </a:solidFill>
+              </a:rPr>
+              <a:t>name</a:t>
+            </a:r>
+            <a:r>
+              <a:rPr lang="en-US" altLang="ko-KR" dirty="0"/>
+              <a:t>=</a:t>
+            </a:r>
+            <a:r>
+              <a:rPr lang="en-US" altLang="ko-KR" dirty="0">
+                <a:solidFill>
+                  <a:srgbClr val="008000"/>
+                </a:solidFill>
+              </a:rPr>
+              <a:t>"</a:t>
+            </a:r>
+            <a:r>
+              <a:rPr lang="ko-KR" altLang="en-US" dirty="0">
+                <a:solidFill>
+                  <a:srgbClr val="008000"/>
+                </a:solidFill>
+                <a:latin typeface="굴림체"/>
+              </a:rPr>
+              <a:t>동희</a:t>
+            </a:r>
+            <a:r>
+              <a:rPr lang="en-US" altLang="ko-KR" dirty="0">
+                <a:solidFill>
+                  <a:srgbClr val="008000"/>
+                </a:solidFill>
+              </a:rPr>
+              <a:t>"</a:t>
+            </a:r>
+            <a:r>
+              <a:rPr lang="en-US" altLang="ko-KR" dirty="0"/>
+              <a:t>;</a:t>
+            </a:r>
+            <a:br>
+              <a:rPr lang="en-US" altLang="ko-KR" dirty="0"/>
+            </a:br>
+            <a:r>
+              <a:rPr lang="en-US" altLang="ko-KR" dirty="0" err="1"/>
+              <a:t>person.</a:t>
+            </a:r>
+            <a:r>
+              <a:rPr lang="en-US" altLang="ko-KR" dirty="0" err="1">
+                <a:solidFill>
+                  <a:srgbClr val="660E7A"/>
+                </a:solidFill>
+              </a:rPr>
+              <a:t>age</a:t>
+            </a:r>
+            <a:r>
+              <a:rPr lang="en-US" altLang="ko-KR" dirty="0">
+                <a:solidFill>
+                  <a:srgbClr val="660E7A"/>
+                </a:solidFill>
+              </a:rPr>
+              <a:t> </a:t>
+            </a:r>
+            <a:r>
+              <a:rPr lang="en-US" altLang="ko-KR" dirty="0"/>
+              <a:t>= </a:t>
+            </a:r>
+            <a:r>
+              <a:rPr lang="en-US" altLang="ko-KR" dirty="0">
+                <a:solidFill>
+                  <a:srgbClr val="0000FF"/>
+                </a:solidFill>
+              </a:rPr>
+              <a:t>99</a:t>
+            </a:r>
+            <a:r>
+              <a:rPr lang="en-US" altLang="ko-KR" dirty="0" smtClean="0"/>
+              <a:t>;</a:t>
+            </a:r>
+          </a:p>
+          <a:p>
+            <a:pPr lvl="2"/>
+            <a:endParaRPr lang="en-US" altLang="ko-KR" b="1" dirty="0"/>
+          </a:p>
+          <a:p>
+            <a:pPr lvl="2"/>
+            <a:r>
+              <a:rPr lang="en-US" altLang="ko-KR" b="1" dirty="0" err="1"/>
+              <a:t>personManager.addPerson</a:t>
+            </a:r>
+            <a:r>
+              <a:rPr lang="en-US" altLang="ko-KR" b="1" dirty="0"/>
+              <a:t>(person);</a:t>
+            </a:r>
+            <a:endParaRPr lang="en-US" altLang="ko-KR" b="1" dirty="0" smtClean="0"/>
+          </a:p>
+          <a:p>
+            <a:r>
+              <a:rPr lang="en-US" altLang="ko-KR" b="1" dirty="0"/>
+              <a:t/>
+            </a:r>
+            <a:br>
+              <a:rPr lang="en-US" altLang="ko-KR" b="1" dirty="0"/>
+            </a:br>
+            <a:r>
+              <a:rPr lang="en-US" altLang="ko-KR" dirty="0"/>
+              <a:t/>
+            </a:r>
+            <a:br>
+              <a:rPr lang="en-US" altLang="ko-KR" dirty="0"/>
+            </a:br>
+            <a:r>
+              <a:rPr lang="en-US" altLang="ko-KR" dirty="0"/>
+              <a:t>    }</a:t>
+            </a:r>
+            <a:br>
+              <a:rPr lang="en-US" altLang="ko-KR" dirty="0"/>
+            </a:br>
+            <a:r>
+              <a:rPr lang="en-US" altLang="ko-KR" dirty="0"/>
+              <a:t>}</a:t>
+            </a:r>
+            <a:br>
+              <a:rPr lang="en-US" altLang="ko-KR" dirty="0"/>
+            </a:br>
+            <a:endParaRPr lang="ko-KR" altLang="en-US" dirty="0"/>
+          </a:p>
+        </p:txBody>
+      </p:sp>
+      <p:sp>
+        <p:nvSpPr>
+          <p:cNvPr id="26" name="직사각형 25"/>
+          <p:cNvSpPr/>
+          <p:nvPr/>
+        </p:nvSpPr>
+        <p:spPr>
+          <a:xfrm>
+            <a:off x="5652120" y="1878524"/>
+            <a:ext cx="3960440" cy="4680520"/>
+          </a:xfrm>
+          <a:prstGeom prst="rect">
+            <a:avLst/>
+          </a:prstGeom>
+        </p:spPr>
+        <p:style>
+          <a:lnRef idx="2">
+            <a:schemeClr val="accent1">
+              <a:shade val="50000"/>
+            </a:schemeClr>
+          </a:lnRef>
+          <a:fillRef idx="1">
+            <a:schemeClr val="accent1"/>
+          </a:fillRef>
+          <a:effectRef idx="0">
+            <a:schemeClr val="accent1"/>
+          </a:effectRef>
+          <a:fontRef idx="minor">
+            <a:schemeClr val="lt1"/>
+          </a:fontRef>
+        </p:style>
+        <p:txBody>
+          <a:bodyPr rtlCol="0" anchor="ctr"/>
+          <a:lstStyle/>
+          <a:p>
+            <a:pPr algn="ctr"/>
+            <a:endParaRPr lang="ko-KR" altLang="en-US"/>
+          </a:p>
+        </p:txBody>
+      </p:sp>
+      <p:cxnSp>
+        <p:nvCxnSpPr>
+          <p:cNvPr id="27" name="직선 연결선 26"/>
+          <p:cNvCxnSpPr/>
+          <p:nvPr/>
+        </p:nvCxnSpPr>
+        <p:spPr>
+          <a:xfrm>
+            <a:off x="5652120" y="3151694"/>
+            <a:ext cx="3096344" cy="0"/>
+          </a:xfrm>
+          <a:prstGeom prst="line">
+            <a:avLst/>
+          </a:prstGeom>
+        </p:spPr>
+        <p:style>
+          <a:lnRef idx="1">
+            <a:schemeClr val="accent2"/>
+          </a:lnRef>
+          <a:fillRef idx="0">
+            <a:schemeClr val="accent2"/>
+          </a:fillRef>
+          <a:effectRef idx="0">
+            <a:schemeClr val="accent2"/>
+          </a:effectRef>
+          <a:fontRef idx="minor">
+            <a:schemeClr val="tx1"/>
+          </a:fontRef>
+        </p:style>
+      </p:cxnSp>
+      <p:cxnSp>
+        <p:nvCxnSpPr>
+          <p:cNvPr id="29" name="직선 연결선 28"/>
+          <p:cNvCxnSpPr/>
+          <p:nvPr/>
+        </p:nvCxnSpPr>
+        <p:spPr>
+          <a:xfrm>
+            <a:off x="5652120" y="4951894"/>
+            <a:ext cx="3096344" cy="0"/>
+          </a:xfrm>
+          <a:prstGeom prst="line">
+            <a:avLst/>
+          </a:prstGeom>
+        </p:spPr>
+        <p:style>
+          <a:lnRef idx="1">
+            <a:schemeClr val="accent2"/>
+          </a:lnRef>
+          <a:fillRef idx="0">
+            <a:schemeClr val="accent2"/>
+          </a:fillRef>
+          <a:effectRef idx="0">
+            <a:schemeClr val="accent2"/>
+          </a:effectRef>
+          <a:fontRef idx="minor">
+            <a:schemeClr val="tx1"/>
+          </a:fontRef>
+        </p:style>
+      </p:cxnSp>
+      <p:sp>
+        <p:nvSpPr>
+          <p:cNvPr id="30" name="TextBox 29"/>
+          <p:cNvSpPr txBox="1"/>
+          <p:nvPr/>
+        </p:nvSpPr>
+        <p:spPr>
+          <a:xfrm>
+            <a:off x="5724128" y="1943582"/>
+            <a:ext cx="747320" cy="369332"/>
+          </a:xfrm>
+          <a:prstGeom prst="rect">
+            <a:avLst/>
+          </a:prstGeom>
+          <a:noFill/>
+        </p:spPr>
+        <p:txBody>
+          <a:bodyPr wrap="none" rtlCol="0">
+            <a:spAutoFit/>
+          </a:bodyPr>
+          <a:lstStyle/>
+          <a:p>
+            <a:r>
+              <a:rPr lang="en-US" altLang="ko-KR" dirty="0" smtClean="0"/>
+              <a:t>Static</a:t>
+            </a:r>
+            <a:endParaRPr lang="ko-KR" altLang="en-US" dirty="0"/>
+          </a:p>
+        </p:txBody>
+      </p:sp>
+      <p:sp>
+        <p:nvSpPr>
+          <p:cNvPr id="31" name="TextBox 30"/>
+          <p:cNvSpPr txBox="1"/>
+          <p:nvPr/>
+        </p:nvSpPr>
+        <p:spPr>
+          <a:xfrm>
+            <a:off x="5724128" y="3250948"/>
+            <a:ext cx="728084" cy="369332"/>
+          </a:xfrm>
+          <a:prstGeom prst="rect">
+            <a:avLst/>
+          </a:prstGeom>
+          <a:noFill/>
+        </p:spPr>
+        <p:txBody>
+          <a:bodyPr wrap="none" rtlCol="0">
+            <a:spAutoFit/>
+          </a:bodyPr>
+          <a:lstStyle/>
+          <a:p>
+            <a:r>
+              <a:rPr lang="en-US" altLang="ko-KR" dirty="0" smtClean="0"/>
+              <a:t>Stack</a:t>
+            </a:r>
+            <a:endParaRPr lang="ko-KR" altLang="en-US" dirty="0"/>
+          </a:p>
+        </p:txBody>
+      </p:sp>
+      <p:sp>
+        <p:nvSpPr>
+          <p:cNvPr id="32" name="TextBox 31"/>
+          <p:cNvSpPr txBox="1"/>
+          <p:nvPr/>
+        </p:nvSpPr>
+        <p:spPr>
+          <a:xfrm>
+            <a:off x="5724128" y="5068222"/>
+            <a:ext cx="732893" cy="369332"/>
+          </a:xfrm>
+          <a:prstGeom prst="rect">
+            <a:avLst/>
+          </a:prstGeom>
+          <a:noFill/>
+        </p:spPr>
+        <p:txBody>
+          <a:bodyPr wrap="none" rtlCol="0">
+            <a:spAutoFit/>
+          </a:bodyPr>
+          <a:lstStyle/>
+          <a:p>
+            <a:r>
+              <a:rPr lang="en-US" altLang="ko-KR" dirty="0" smtClean="0"/>
+              <a:t>Heap</a:t>
+            </a:r>
+            <a:endParaRPr lang="ko-KR" altLang="en-US" dirty="0"/>
+          </a:p>
+        </p:txBody>
+      </p:sp>
+      <p:sp>
+        <p:nvSpPr>
+          <p:cNvPr id="11" name="TextBox 10"/>
+          <p:cNvSpPr txBox="1"/>
+          <p:nvPr/>
+        </p:nvSpPr>
+        <p:spPr>
+          <a:xfrm>
+            <a:off x="5848347" y="2426214"/>
+            <a:ext cx="1640384" cy="646331"/>
+          </a:xfrm>
+          <a:prstGeom prst="rect">
+            <a:avLst/>
+          </a:prstGeom>
+        </p:spPr>
+        <p:style>
+          <a:lnRef idx="2">
+            <a:schemeClr val="accent6"/>
+          </a:lnRef>
+          <a:fillRef idx="1">
+            <a:schemeClr val="lt1"/>
+          </a:fillRef>
+          <a:effectRef idx="0">
+            <a:schemeClr val="accent6"/>
+          </a:effectRef>
+          <a:fontRef idx="minor">
+            <a:schemeClr val="dk1"/>
+          </a:fontRef>
+        </p:style>
+        <p:txBody>
+          <a:bodyPr wrap="square" rtlCol="0">
+            <a:spAutoFit/>
+          </a:bodyPr>
+          <a:lstStyle/>
+          <a:p>
+            <a:r>
+              <a:rPr lang="en-US" altLang="ko-KR" dirty="0" smtClean="0"/>
+              <a:t>Class </a:t>
+            </a:r>
+            <a:r>
+              <a:rPr lang="ko-KR" altLang="en-US" dirty="0" smtClean="0"/>
+              <a:t>정보</a:t>
+            </a:r>
+            <a:r>
+              <a:rPr lang="en-US" altLang="ko-KR" dirty="0" smtClean="0"/>
+              <a:t>(code)</a:t>
+            </a:r>
+            <a:endParaRPr lang="ko-KR" altLang="en-US" dirty="0"/>
+          </a:p>
+        </p:txBody>
+      </p:sp>
+      <p:sp>
+        <p:nvSpPr>
+          <p:cNvPr id="13" name="TextBox 12"/>
+          <p:cNvSpPr txBox="1"/>
+          <p:nvPr/>
+        </p:nvSpPr>
+        <p:spPr>
+          <a:xfrm>
+            <a:off x="7056683" y="1943582"/>
+            <a:ext cx="1640384" cy="369332"/>
+          </a:xfrm>
+          <a:prstGeom prst="rect">
+            <a:avLst/>
+          </a:prstGeom>
+        </p:spPr>
+        <p:style>
+          <a:lnRef idx="2">
+            <a:schemeClr val="accent6"/>
+          </a:lnRef>
+          <a:fillRef idx="1">
+            <a:schemeClr val="lt1"/>
+          </a:fillRef>
+          <a:effectRef idx="0">
+            <a:schemeClr val="accent6"/>
+          </a:effectRef>
+          <a:fontRef idx="minor">
+            <a:schemeClr val="dk1"/>
+          </a:fontRef>
+        </p:style>
+        <p:txBody>
+          <a:bodyPr wrap="square" rtlCol="0">
+            <a:spAutoFit/>
+          </a:bodyPr>
+          <a:lstStyle/>
+          <a:p>
+            <a:r>
+              <a:rPr lang="en-US" altLang="ko-KR" dirty="0" smtClean="0"/>
+              <a:t>main method</a:t>
+            </a:r>
+            <a:endParaRPr lang="ko-KR" altLang="en-US" dirty="0"/>
+          </a:p>
+        </p:txBody>
+      </p:sp>
+      <p:sp>
+        <p:nvSpPr>
+          <p:cNvPr id="14" name="TextBox 13"/>
+          <p:cNvSpPr txBox="1"/>
+          <p:nvPr/>
+        </p:nvSpPr>
+        <p:spPr>
+          <a:xfrm>
+            <a:off x="7710166" y="2350087"/>
+            <a:ext cx="820192" cy="369332"/>
+          </a:xfrm>
+          <a:prstGeom prst="rect">
+            <a:avLst/>
+          </a:prstGeom>
+        </p:spPr>
+        <p:style>
+          <a:lnRef idx="2">
+            <a:schemeClr val="accent6"/>
+          </a:lnRef>
+          <a:fillRef idx="1">
+            <a:schemeClr val="lt1"/>
+          </a:fillRef>
+          <a:effectRef idx="0">
+            <a:schemeClr val="accent6"/>
+          </a:effectRef>
+          <a:fontRef idx="minor">
+            <a:schemeClr val="dk1"/>
+          </a:fontRef>
+        </p:style>
+        <p:txBody>
+          <a:bodyPr wrap="square" rtlCol="0">
+            <a:spAutoFit/>
+          </a:bodyPr>
+          <a:lstStyle/>
+          <a:p>
+            <a:pPr algn="ctr"/>
+            <a:r>
+              <a:rPr lang="en-US" altLang="ko-KR" dirty="0" smtClean="0"/>
+              <a:t>null</a:t>
+            </a:r>
+            <a:endParaRPr lang="ko-KR" altLang="en-US" dirty="0"/>
+          </a:p>
+        </p:txBody>
+      </p:sp>
+      <p:cxnSp>
+        <p:nvCxnSpPr>
+          <p:cNvPr id="15" name="직선 연결선 14"/>
+          <p:cNvCxnSpPr/>
+          <p:nvPr/>
+        </p:nvCxnSpPr>
+        <p:spPr>
+          <a:xfrm>
+            <a:off x="5652120" y="4951894"/>
+            <a:ext cx="3096344" cy="0"/>
+          </a:xfrm>
+          <a:prstGeom prst="line">
+            <a:avLst/>
+          </a:prstGeom>
+        </p:spPr>
+        <p:style>
+          <a:lnRef idx="1">
+            <a:schemeClr val="accent2"/>
+          </a:lnRef>
+          <a:fillRef idx="0">
+            <a:schemeClr val="accent2"/>
+          </a:fillRef>
+          <a:effectRef idx="0">
+            <a:schemeClr val="accent2"/>
+          </a:effectRef>
+          <a:fontRef idx="minor">
+            <a:schemeClr val="tx1"/>
+          </a:fontRef>
+        </p:style>
+      </p:cxnSp>
+      <p:sp>
+        <p:nvSpPr>
+          <p:cNvPr id="16" name="직사각형 15"/>
+          <p:cNvSpPr/>
+          <p:nvPr/>
+        </p:nvSpPr>
+        <p:spPr>
+          <a:xfrm>
+            <a:off x="5684995" y="3747510"/>
+            <a:ext cx="2055358" cy="1113145"/>
+          </a:xfrm>
+          <a:prstGeom prst="rect">
+            <a:avLst/>
+          </a:prstGeom>
+        </p:spPr>
+        <p:style>
+          <a:lnRef idx="3">
+            <a:schemeClr val="lt1"/>
+          </a:lnRef>
+          <a:fillRef idx="1">
+            <a:schemeClr val="accent6"/>
+          </a:fillRef>
+          <a:effectRef idx="1">
+            <a:schemeClr val="accent6"/>
+          </a:effectRef>
+          <a:fontRef idx="minor">
+            <a:schemeClr val="lt1"/>
+          </a:fontRef>
+        </p:style>
+        <p:txBody>
+          <a:bodyPr rtlCol="0" anchor="ctr"/>
+          <a:lstStyle/>
+          <a:p>
+            <a:pPr algn="ctr"/>
+            <a:endParaRPr lang="ko-KR" altLang="en-US"/>
+          </a:p>
+        </p:txBody>
+      </p:sp>
+      <p:sp>
+        <p:nvSpPr>
+          <p:cNvPr id="17" name="TextBox 16"/>
+          <p:cNvSpPr txBox="1"/>
+          <p:nvPr/>
+        </p:nvSpPr>
+        <p:spPr>
+          <a:xfrm>
+            <a:off x="6005302" y="3750047"/>
+            <a:ext cx="838691" cy="369332"/>
+          </a:xfrm>
+          <a:prstGeom prst="rect">
+            <a:avLst/>
+          </a:prstGeom>
+          <a:noFill/>
+        </p:spPr>
+        <p:txBody>
+          <a:bodyPr wrap="none" rtlCol="0">
+            <a:spAutoFit/>
+          </a:bodyPr>
+          <a:lstStyle/>
+          <a:p>
+            <a:pPr algn="ctr"/>
+            <a:r>
+              <a:rPr lang="en-US" altLang="ko-KR" dirty="0" smtClean="0"/>
+              <a:t>main()</a:t>
+            </a:r>
+          </a:p>
+        </p:txBody>
+      </p:sp>
+      <p:sp>
+        <p:nvSpPr>
+          <p:cNvPr id="18" name="직사각형 17"/>
+          <p:cNvSpPr/>
+          <p:nvPr/>
+        </p:nvSpPr>
+        <p:spPr>
+          <a:xfrm>
+            <a:off x="5701885" y="4209361"/>
+            <a:ext cx="1080120" cy="576064"/>
+          </a:xfrm>
+          <a:prstGeom prst="rect">
+            <a:avLst/>
+          </a:prstGeom>
+        </p:spPr>
+        <p:style>
+          <a:lnRef idx="3">
+            <a:schemeClr val="lt1"/>
+          </a:lnRef>
+          <a:fillRef idx="1">
+            <a:schemeClr val="accent6"/>
+          </a:fillRef>
+          <a:effectRef idx="1">
+            <a:schemeClr val="accent6"/>
+          </a:effectRef>
+          <a:fontRef idx="minor">
+            <a:schemeClr val="lt1"/>
+          </a:fontRef>
+        </p:style>
+        <p:txBody>
+          <a:bodyPr rtlCol="0" anchor="ctr"/>
+          <a:lstStyle/>
+          <a:p>
+            <a:pPr algn="ctr"/>
+            <a:r>
+              <a:rPr lang="en-US" altLang="ko-KR" sz="1600" dirty="0" err="1" smtClean="0"/>
+              <a:t>personManager</a:t>
+            </a:r>
+            <a:endParaRPr lang="ko-KR" altLang="en-US" sz="1600" dirty="0"/>
+          </a:p>
+        </p:txBody>
+      </p:sp>
+      <p:cxnSp>
+        <p:nvCxnSpPr>
+          <p:cNvPr id="19" name="직선 화살표 연결선 18"/>
+          <p:cNvCxnSpPr>
+            <a:stCxn id="18" idx="2"/>
+          </p:cNvCxnSpPr>
+          <p:nvPr/>
+        </p:nvCxnSpPr>
+        <p:spPr>
+          <a:xfrm>
+            <a:off x="6241945" y="4785425"/>
+            <a:ext cx="81073" cy="652129"/>
+          </a:xfrm>
+          <a:prstGeom prst="straightConnector1">
+            <a:avLst/>
+          </a:prstGeom>
+          <a:ln w="28575">
+            <a:headEnd type="none" w="med" len="med"/>
+            <a:tailEnd type="triangle" w="med" len="med"/>
+          </a:ln>
+        </p:spPr>
+        <p:style>
+          <a:lnRef idx="1">
+            <a:schemeClr val="accent2"/>
+          </a:lnRef>
+          <a:fillRef idx="0">
+            <a:schemeClr val="accent2"/>
+          </a:fillRef>
+          <a:effectRef idx="0">
+            <a:schemeClr val="accent2"/>
+          </a:effectRef>
+          <a:fontRef idx="minor">
+            <a:schemeClr val="tx1"/>
+          </a:fontRef>
+        </p:style>
+      </p:cxnSp>
+      <p:sp>
+        <p:nvSpPr>
+          <p:cNvPr id="23" name="직사각형 22"/>
+          <p:cNvSpPr/>
+          <p:nvPr/>
+        </p:nvSpPr>
+        <p:spPr>
+          <a:xfrm>
+            <a:off x="5693378" y="5437554"/>
+            <a:ext cx="1476164" cy="1080120"/>
+          </a:xfrm>
+          <a:prstGeom prst="rect">
+            <a:avLst/>
+          </a:prstGeom>
+        </p:spPr>
+        <p:style>
+          <a:lnRef idx="2">
+            <a:schemeClr val="accent6">
+              <a:shade val="50000"/>
+            </a:schemeClr>
+          </a:lnRef>
+          <a:fillRef idx="1">
+            <a:schemeClr val="accent6"/>
+          </a:fillRef>
+          <a:effectRef idx="0">
+            <a:schemeClr val="accent6"/>
+          </a:effectRef>
+          <a:fontRef idx="minor">
+            <a:schemeClr val="lt1"/>
+          </a:fontRef>
+        </p:style>
+        <p:txBody>
+          <a:bodyPr rtlCol="0" anchor="ctr"/>
+          <a:lstStyle/>
+          <a:p>
+            <a:pPr algn="ctr"/>
+            <a:r>
+              <a:rPr lang="en-US" altLang="ko-KR" dirty="0" smtClean="0"/>
+              <a:t>new</a:t>
+            </a:r>
+          </a:p>
+          <a:p>
+            <a:pPr algn="ctr"/>
+            <a:r>
+              <a:rPr lang="en-US" altLang="ko-KR" dirty="0" err="1" smtClean="0"/>
+              <a:t>PersionManager</a:t>
+            </a:r>
+            <a:endParaRPr lang="en-US" altLang="ko-KR" dirty="0" smtClean="0"/>
+          </a:p>
+          <a:p>
+            <a:pPr algn="ctr"/>
+            <a:r>
+              <a:rPr lang="en-US" altLang="ko-KR" dirty="0" smtClean="0"/>
+              <a:t>persons</a:t>
+            </a:r>
+            <a:endParaRPr lang="en-US" altLang="ko-KR" dirty="0" smtClean="0"/>
+          </a:p>
+        </p:txBody>
+      </p:sp>
+      <p:sp>
+        <p:nvSpPr>
+          <p:cNvPr id="24" name="직사각형 23"/>
+          <p:cNvSpPr/>
+          <p:nvPr/>
+        </p:nvSpPr>
+        <p:spPr>
+          <a:xfrm>
+            <a:off x="7220903" y="5437554"/>
+            <a:ext cx="1476164" cy="1080120"/>
+          </a:xfrm>
+          <a:prstGeom prst="rect">
+            <a:avLst/>
+          </a:prstGeom>
+        </p:spPr>
+        <p:style>
+          <a:lnRef idx="2">
+            <a:schemeClr val="accent6">
+              <a:shade val="50000"/>
+            </a:schemeClr>
+          </a:lnRef>
+          <a:fillRef idx="1">
+            <a:schemeClr val="accent6"/>
+          </a:fillRef>
+          <a:effectRef idx="0">
+            <a:schemeClr val="accent6"/>
+          </a:effectRef>
+          <a:fontRef idx="minor">
+            <a:schemeClr val="lt1"/>
+          </a:fontRef>
+        </p:style>
+        <p:txBody>
+          <a:bodyPr rtlCol="0" anchor="ctr"/>
+          <a:lstStyle/>
+          <a:p>
+            <a:pPr algn="ctr"/>
+            <a:r>
+              <a:rPr lang="en-US" altLang="ko-KR" dirty="0" smtClean="0"/>
+              <a:t>new</a:t>
+            </a:r>
+          </a:p>
+          <a:p>
+            <a:pPr algn="ctr"/>
+            <a:r>
+              <a:rPr lang="en-US" altLang="ko-KR" dirty="0" smtClean="0"/>
+              <a:t>Person</a:t>
+            </a:r>
+          </a:p>
+          <a:p>
+            <a:pPr algn="ctr"/>
+            <a:r>
+              <a:rPr lang="en-US" altLang="ko-KR" dirty="0" smtClean="0"/>
+              <a:t>name=“</a:t>
+            </a:r>
+            <a:r>
+              <a:rPr lang="ko-KR" altLang="en-US" dirty="0" smtClean="0"/>
+              <a:t>동희</a:t>
+            </a:r>
+            <a:r>
+              <a:rPr lang="en-US" altLang="ko-KR" dirty="0" smtClean="0"/>
+              <a:t>”</a:t>
+            </a:r>
+          </a:p>
+          <a:p>
+            <a:pPr algn="ctr"/>
+            <a:r>
+              <a:rPr lang="en-US" altLang="ko-KR" dirty="0" smtClean="0"/>
+              <a:t>age=99</a:t>
+            </a:r>
+          </a:p>
+        </p:txBody>
+      </p:sp>
+      <p:sp>
+        <p:nvSpPr>
+          <p:cNvPr id="25" name="직사각형 24"/>
+          <p:cNvSpPr/>
+          <p:nvPr/>
+        </p:nvSpPr>
+        <p:spPr>
+          <a:xfrm>
+            <a:off x="6921197" y="4209361"/>
+            <a:ext cx="766020" cy="576064"/>
+          </a:xfrm>
+          <a:prstGeom prst="rect">
+            <a:avLst/>
+          </a:prstGeom>
+        </p:spPr>
+        <p:style>
+          <a:lnRef idx="3">
+            <a:schemeClr val="lt1"/>
+          </a:lnRef>
+          <a:fillRef idx="1">
+            <a:schemeClr val="accent6"/>
+          </a:fillRef>
+          <a:effectRef idx="1">
+            <a:schemeClr val="accent6"/>
+          </a:effectRef>
+          <a:fontRef idx="minor">
+            <a:schemeClr val="lt1"/>
+          </a:fontRef>
+        </p:style>
+        <p:txBody>
+          <a:bodyPr rtlCol="0" anchor="ctr"/>
+          <a:lstStyle/>
+          <a:p>
+            <a:pPr algn="ctr"/>
+            <a:r>
+              <a:rPr lang="en-US" altLang="ko-KR" sz="1600" dirty="0" smtClean="0"/>
+              <a:t>person</a:t>
+            </a:r>
+            <a:endParaRPr lang="ko-KR" altLang="en-US" sz="1600" dirty="0"/>
+          </a:p>
+        </p:txBody>
+      </p:sp>
+      <p:cxnSp>
+        <p:nvCxnSpPr>
+          <p:cNvPr id="28" name="직선 화살표 연결선 27"/>
+          <p:cNvCxnSpPr>
+            <a:stCxn id="25" idx="2"/>
+            <a:endCxn id="24" idx="0"/>
+          </p:cNvCxnSpPr>
+          <p:nvPr/>
+        </p:nvCxnSpPr>
+        <p:spPr>
+          <a:xfrm>
+            <a:off x="7304207" y="4785425"/>
+            <a:ext cx="654778" cy="652129"/>
+          </a:xfrm>
+          <a:prstGeom prst="straightConnector1">
+            <a:avLst/>
+          </a:prstGeom>
+          <a:ln w="28575">
+            <a:headEnd type="none" w="med" len="med"/>
+            <a:tailEnd type="triangle" w="med" len="med"/>
+          </a:ln>
+        </p:spPr>
+        <p:style>
+          <a:lnRef idx="1">
+            <a:schemeClr val="accent2"/>
+          </a:lnRef>
+          <a:fillRef idx="0">
+            <a:schemeClr val="accent2"/>
+          </a:fillRef>
+          <a:effectRef idx="0">
+            <a:schemeClr val="accent2"/>
+          </a:effectRef>
+          <a:fontRef idx="minor">
+            <a:schemeClr val="tx1"/>
+          </a:fontRef>
+        </p:style>
+      </p:cxnSp>
+      <p:sp>
+        <p:nvSpPr>
+          <p:cNvPr id="33" name="직사각형 32"/>
+          <p:cNvSpPr/>
+          <p:nvPr/>
+        </p:nvSpPr>
+        <p:spPr>
+          <a:xfrm>
+            <a:off x="7876875" y="3435614"/>
+            <a:ext cx="1371688" cy="1425041"/>
+          </a:xfrm>
+          <a:prstGeom prst="rect">
+            <a:avLst/>
+          </a:prstGeom>
+        </p:spPr>
+        <p:style>
+          <a:lnRef idx="3">
+            <a:schemeClr val="lt1"/>
+          </a:lnRef>
+          <a:fillRef idx="1">
+            <a:schemeClr val="accent6"/>
+          </a:fillRef>
+          <a:effectRef idx="1">
+            <a:schemeClr val="accent6"/>
+          </a:effectRef>
+          <a:fontRef idx="minor">
+            <a:schemeClr val="lt1"/>
+          </a:fontRef>
+        </p:style>
+        <p:txBody>
+          <a:bodyPr rtlCol="0" anchor="ctr"/>
+          <a:lstStyle/>
+          <a:p>
+            <a:pPr algn="ctr"/>
+            <a:endParaRPr lang="ko-KR" altLang="en-US"/>
+          </a:p>
+        </p:txBody>
+      </p:sp>
+      <p:sp>
+        <p:nvSpPr>
+          <p:cNvPr id="34" name="TextBox 33"/>
+          <p:cNvSpPr txBox="1"/>
+          <p:nvPr/>
+        </p:nvSpPr>
+        <p:spPr>
+          <a:xfrm>
+            <a:off x="7850607" y="3435614"/>
+            <a:ext cx="1424237" cy="369332"/>
+          </a:xfrm>
+          <a:prstGeom prst="rect">
+            <a:avLst/>
+          </a:prstGeom>
+          <a:noFill/>
+        </p:spPr>
+        <p:txBody>
+          <a:bodyPr wrap="none" rtlCol="0">
+            <a:spAutoFit/>
+          </a:bodyPr>
+          <a:lstStyle/>
+          <a:p>
+            <a:pPr algn="ctr"/>
+            <a:r>
+              <a:rPr lang="en-US" altLang="ko-KR" dirty="0" err="1" smtClean="0"/>
+              <a:t>addPerson</a:t>
+            </a:r>
+            <a:r>
+              <a:rPr lang="en-US" altLang="ko-KR" dirty="0" smtClean="0"/>
+              <a:t>()</a:t>
+            </a:r>
+            <a:endParaRPr lang="en-US" altLang="ko-KR" dirty="0" smtClean="0"/>
+          </a:p>
+        </p:txBody>
+      </p:sp>
+      <p:sp>
+        <p:nvSpPr>
+          <p:cNvPr id="35" name="직사각형 34"/>
+          <p:cNvSpPr/>
+          <p:nvPr/>
+        </p:nvSpPr>
+        <p:spPr>
+          <a:xfrm>
+            <a:off x="7982444" y="3860102"/>
+            <a:ext cx="766020" cy="576064"/>
+          </a:xfrm>
+          <a:prstGeom prst="rect">
+            <a:avLst/>
+          </a:prstGeom>
+        </p:spPr>
+        <p:style>
+          <a:lnRef idx="3">
+            <a:schemeClr val="lt1"/>
+          </a:lnRef>
+          <a:fillRef idx="1">
+            <a:schemeClr val="accent6"/>
+          </a:fillRef>
+          <a:effectRef idx="1">
+            <a:schemeClr val="accent6"/>
+          </a:effectRef>
+          <a:fontRef idx="minor">
+            <a:schemeClr val="lt1"/>
+          </a:fontRef>
+        </p:style>
+        <p:txBody>
+          <a:bodyPr rtlCol="0" anchor="ctr"/>
+          <a:lstStyle/>
+          <a:p>
+            <a:pPr algn="ctr"/>
+            <a:r>
+              <a:rPr lang="en-US" altLang="ko-KR" sz="1400" dirty="0" smtClean="0"/>
+              <a:t>person</a:t>
+            </a:r>
+            <a:endParaRPr lang="ko-KR" altLang="en-US" sz="1400" dirty="0"/>
+          </a:p>
+        </p:txBody>
+      </p:sp>
+      <p:cxnSp>
+        <p:nvCxnSpPr>
+          <p:cNvPr id="36" name="직선 화살표 연결선 35"/>
+          <p:cNvCxnSpPr>
+            <a:stCxn id="35" idx="2"/>
+            <a:endCxn id="24" idx="0"/>
+          </p:cNvCxnSpPr>
+          <p:nvPr/>
+        </p:nvCxnSpPr>
+        <p:spPr>
+          <a:xfrm flipH="1">
+            <a:off x="7958985" y="4436166"/>
+            <a:ext cx="406469" cy="1001388"/>
+          </a:xfrm>
+          <a:prstGeom prst="straightConnector1">
+            <a:avLst/>
+          </a:prstGeom>
+          <a:ln w="28575">
+            <a:headEnd type="none" w="med" len="med"/>
+            <a:tailEnd type="triangle" w="med" len="med"/>
+          </a:ln>
+        </p:spPr>
+        <p:style>
+          <a:lnRef idx="1">
+            <a:schemeClr val="accent2"/>
+          </a:lnRef>
+          <a:fillRef idx="0">
+            <a:schemeClr val="accent2"/>
+          </a:fillRef>
+          <a:effectRef idx="0">
+            <a:schemeClr val="accent2"/>
+          </a:effectRef>
+          <a:fontRef idx="minor">
+            <a:schemeClr val="tx1"/>
+          </a:fontRef>
+        </p:style>
+      </p:cxnSp>
+    </p:spTree>
+    <p:extLst>
+      <p:ext uri="{BB962C8B-B14F-4D97-AF65-F5344CB8AC3E}">
+        <p14:creationId xmlns:p14="http://schemas.microsoft.com/office/powerpoint/2010/main" val="3753547928"/>
+      </p:ext>
+    </p:extLst>
+  </p:cSld>
+  <p:clrMapOvr>
+    <a:masterClrMapping/>
+  </p:clrMapOvr>
+</p:sld>
+</file>
+
+<file path=ppt/slides/slide38.xml><?xml version="1.0" encoding="utf-8"?>
+<p:sld xmlns:a="http://schemas.openxmlformats.org/drawingml/2006/main" xmlns:r="http://schemas.openxmlformats.org/officeDocument/2006/relationships" xmlns:p="http://schemas.openxmlformats.org/presentationml/2006/main">
+  <p:cSld>
+    <p:spTree>
+      <p:nvGrpSpPr>
+        <p:cNvPr id="1" name=""/>
+        <p:cNvGrpSpPr/>
+        <p:nvPr/>
+      </p:nvGrpSpPr>
+      <p:grpSpPr>
+        <a:xfrm>
+          <a:off x="0" y="0"/>
+          <a:ext cx="0" cy="0"/>
+          <a:chOff x="0" y="0"/>
+          <a:chExt cx="0" cy="0"/>
+        </a:xfrm>
+      </p:grpSpPr>
+      <p:sp>
+        <p:nvSpPr>
+          <p:cNvPr id="2" name="제목 1"/>
+          <p:cNvSpPr>
+            <a:spLocks noGrp="1"/>
+          </p:cNvSpPr>
+          <p:nvPr>
+            <p:ph type="title"/>
+          </p:nvPr>
+        </p:nvSpPr>
+        <p:spPr/>
+        <p:txBody>
+          <a:bodyPr>
+            <a:normAutofit fontScale="90000"/>
+          </a:bodyPr>
+          <a:lstStyle/>
+          <a:p>
+            <a:r>
+              <a:rPr lang="ko-KR" altLang="en-US" dirty="0" smtClean="0"/>
+              <a:t>객체</a:t>
+            </a:r>
+            <a:r>
+              <a:rPr lang="en-US" altLang="ko-KR" dirty="0" smtClean="0"/>
+              <a:t>(Object) </a:t>
+            </a:r>
+            <a:r>
+              <a:rPr lang="ko-KR" altLang="en-US" dirty="0" smtClean="0"/>
+              <a:t>메모리 구조</a:t>
+            </a:r>
+            <a:r>
+              <a:rPr lang="en-US" altLang="ko-KR" dirty="0" smtClean="0"/>
+              <a:t/>
+            </a:r>
+            <a:br>
+              <a:rPr lang="en-US" altLang="ko-KR" dirty="0" smtClean="0"/>
+            </a:br>
+            <a:r>
+              <a:rPr lang="en-US" altLang="ko-KR" dirty="0" smtClean="0"/>
+              <a:t>PersonGenerator4</a:t>
+            </a:r>
+            <a:br>
+              <a:rPr lang="en-US" altLang="ko-KR" dirty="0" smtClean="0"/>
+            </a:br>
+            <a:r>
+              <a:rPr lang="en-US" altLang="ko-KR" dirty="0" err="1" smtClean="0"/>
+              <a:t>PersonManager</a:t>
+            </a:r>
+            <a:endParaRPr lang="ko-KR" altLang="en-US" dirty="0"/>
+          </a:p>
+        </p:txBody>
+      </p:sp>
+      <p:sp>
+        <p:nvSpPr>
+          <p:cNvPr id="12" name="직사각형 11"/>
+          <p:cNvSpPr/>
+          <p:nvPr/>
+        </p:nvSpPr>
+        <p:spPr>
+          <a:xfrm>
+            <a:off x="107504" y="1818127"/>
+            <a:ext cx="5394414" cy="1754326"/>
+          </a:xfrm>
+          <a:prstGeom prst="rect">
+            <a:avLst/>
+          </a:prstGeom>
+        </p:spPr>
+        <p:txBody>
+          <a:bodyPr wrap="square">
+            <a:spAutoFit/>
+          </a:bodyPr>
+          <a:lstStyle/>
+          <a:p>
+            <a:r>
+              <a:rPr lang="en-US" altLang="ko-KR" b="1" dirty="0">
+                <a:solidFill>
+                  <a:srgbClr val="000080"/>
+                </a:solidFill>
+              </a:rPr>
+              <a:t>public void </a:t>
+            </a:r>
+            <a:r>
+              <a:rPr lang="en-US" altLang="ko-KR" dirty="0" err="1"/>
+              <a:t>addPerson</a:t>
+            </a:r>
+            <a:r>
+              <a:rPr lang="en-US" altLang="ko-KR" dirty="0"/>
+              <a:t>(Person person){</a:t>
+            </a:r>
+            <a:br>
+              <a:rPr lang="en-US" altLang="ko-KR" dirty="0"/>
+            </a:br>
+            <a:r>
+              <a:rPr lang="en-US" altLang="ko-KR" dirty="0"/>
+              <a:t>    </a:t>
+            </a:r>
+            <a:r>
+              <a:rPr lang="en-US" altLang="ko-KR" b="1" dirty="0">
+                <a:solidFill>
+                  <a:srgbClr val="660E7A"/>
+                </a:solidFill>
+              </a:rPr>
+              <a:t>persons</a:t>
+            </a:r>
+            <a:r>
+              <a:rPr lang="en-US" altLang="ko-KR" b="1" dirty="0"/>
+              <a:t>[</a:t>
+            </a:r>
+            <a:r>
+              <a:rPr lang="en-US" altLang="ko-KR" b="1" dirty="0">
+                <a:solidFill>
+                  <a:srgbClr val="660E7A"/>
+                </a:solidFill>
+              </a:rPr>
+              <a:t>index</a:t>
+            </a:r>
+            <a:r>
+              <a:rPr lang="en-US" altLang="ko-KR" b="1" dirty="0"/>
+              <a:t>++] = person;</a:t>
+            </a:r>
+            <a:br>
+              <a:rPr lang="en-US" altLang="ko-KR" b="1" dirty="0"/>
+            </a:br>
+            <a:r>
+              <a:rPr lang="en-US" altLang="ko-KR" dirty="0"/>
+              <a:t>    </a:t>
+            </a:r>
+            <a:r>
+              <a:rPr lang="en-US" altLang="ko-KR" dirty="0" err="1"/>
+              <a:t>System.</a:t>
+            </a:r>
+            <a:r>
+              <a:rPr lang="en-US" altLang="ko-KR" b="1" i="1" dirty="0" err="1">
+                <a:solidFill>
+                  <a:srgbClr val="660E7A"/>
+                </a:solidFill>
+              </a:rPr>
+              <a:t>out</a:t>
+            </a:r>
+            <a:r>
+              <a:rPr lang="en-US" altLang="ko-KR" dirty="0" err="1"/>
+              <a:t>.println</a:t>
+            </a:r>
+            <a:r>
+              <a:rPr lang="en-US" altLang="ko-KR" dirty="0"/>
+              <a:t>(</a:t>
+            </a:r>
+            <a:r>
+              <a:rPr lang="en-US" altLang="ko-KR" b="1" dirty="0">
+                <a:solidFill>
+                  <a:srgbClr val="660E7A"/>
+                </a:solidFill>
+              </a:rPr>
+              <a:t>index </a:t>
+            </a:r>
+            <a:r>
+              <a:rPr lang="en-US" altLang="ko-KR" dirty="0"/>
+              <a:t>+ </a:t>
+            </a:r>
+            <a:r>
+              <a:rPr lang="en-US" altLang="ko-KR" b="1" dirty="0">
+                <a:solidFill>
+                  <a:srgbClr val="008000"/>
+                </a:solidFill>
+              </a:rPr>
+              <a:t>"</a:t>
+            </a:r>
+            <a:r>
+              <a:rPr lang="ko-KR" altLang="en-US" b="1" dirty="0">
+                <a:solidFill>
+                  <a:srgbClr val="008000"/>
+                </a:solidFill>
+                <a:latin typeface="굴림체"/>
+              </a:rPr>
+              <a:t>번째</a:t>
+            </a:r>
+            <a:r>
+              <a:rPr lang="ko-KR" altLang="en-US" b="1" dirty="0">
+                <a:solidFill>
+                  <a:srgbClr val="008000"/>
+                </a:solidFill>
+              </a:rPr>
+              <a:t> </a:t>
+            </a:r>
+            <a:r>
+              <a:rPr lang="en-US" altLang="ko-KR" b="1" dirty="0">
+                <a:solidFill>
+                  <a:srgbClr val="008000"/>
+                </a:solidFill>
+              </a:rPr>
+              <a:t>person</a:t>
+            </a:r>
+            <a:r>
+              <a:rPr lang="ko-KR" altLang="en-US" b="1" dirty="0">
+                <a:solidFill>
+                  <a:srgbClr val="008000"/>
+                </a:solidFill>
+                <a:latin typeface="굴림체"/>
+              </a:rPr>
+              <a:t>이 등록되었습니다</a:t>
+            </a:r>
+            <a:r>
+              <a:rPr lang="en-US" altLang="ko-KR" b="1" dirty="0">
+                <a:solidFill>
+                  <a:srgbClr val="008000"/>
+                </a:solidFill>
+              </a:rPr>
+              <a:t>."</a:t>
+            </a:r>
+            <a:r>
+              <a:rPr lang="en-US" altLang="ko-KR" dirty="0"/>
+              <a:t>);</a:t>
+            </a:r>
+            <a:br>
+              <a:rPr lang="en-US" altLang="ko-KR" dirty="0"/>
+            </a:br>
+            <a:r>
+              <a:rPr lang="en-US" altLang="ko-KR" dirty="0"/>
+              <a:t>}</a:t>
+            </a:r>
+            <a:r>
+              <a:rPr lang="en-US" altLang="ko-KR" dirty="0"/>
+              <a:t/>
+            </a:r>
+            <a:br>
+              <a:rPr lang="en-US" altLang="ko-KR" dirty="0"/>
+            </a:br>
+            <a:endParaRPr lang="ko-KR" altLang="en-US" dirty="0"/>
+          </a:p>
+        </p:txBody>
+      </p:sp>
+      <p:sp>
+        <p:nvSpPr>
+          <p:cNvPr id="26" name="직사각형 25"/>
+          <p:cNvSpPr/>
+          <p:nvPr/>
+        </p:nvSpPr>
+        <p:spPr>
+          <a:xfrm>
+            <a:off x="5652120" y="1878524"/>
+            <a:ext cx="3960440" cy="4680520"/>
+          </a:xfrm>
+          <a:prstGeom prst="rect">
+            <a:avLst/>
+          </a:prstGeom>
+        </p:spPr>
+        <p:style>
+          <a:lnRef idx="2">
+            <a:schemeClr val="accent1">
+              <a:shade val="50000"/>
+            </a:schemeClr>
+          </a:lnRef>
+          <a:fillRef idx="1">
+            <a:schemeClr val="accent1"/>
+          </a:fillRef>
+          <a:effectRef idx="0">
+            <a:schemeClr val="accent1"/>
+          </a:effectRef>
+          <a:fontRef idx="minor">
+            <a:schemeClr val="lt1"/>
+          </a:fontRef>
+        </p:style>
+        <p:txBody>
+          <a:bodyPr rtlCol="0" anchor="ctr"/>
+          <a:lstStyle/>
+          <a:p>
+            <a:pPr algn="ctr"/>
+            <a:endParaRPr lang="ko-KR" altLang="en-US"/>
+          </a:p>
+        </p:txBody>
+      </p:sp>
+      <p:cxnSp>
+        <p:nvCxnSpPr>
+          <p:cNvPr id="27" name="직선 연결선 26"/>
+          <p:cNvCxnSpPr/>
+          <p:nvPr/>
+        </p:nvCxnSpPr>
+        <p:spPr>
+          <a:xfrm>
+            <a:off x="5652120" y="3151694"/>
+            <a:ext cx="3096344" cy="0"/>
+          </a:xfrm>
+          <a:prstGeom prst="line">
+            <a:avLst/>
+          </a:prstGeom>
+        </p:spPr>
+        <p:style>
+          <a:lnRef idx="1">
+            <a:schemeClr val="accent2"/>
+          </a:lnRef>
+          <a:fillRef idx="0">
+            <a:schemeClr val="accent2"/>
+          </a:fillRef>
+          <a:effectRef idx="0">
+            <a:schemeClr val="accent2"/>
+          </a:effectRef>
+          <a:fontRef idx="minor">
+            <a:schemeClr val="tx1"/>
+          </a:fontRef>
+        </p:style>
+      </p:cxnSp>
+      <p:cxnSp>
+        <p:nvCxnSpPr>
+          <p:cNvPr id="29" name="직선 연결선 28"/>
+          <p:cNvCxnSpPr/>
+          <p:nvPr/>
+        </p:nvCxnSpPr>
+        <p:spPr>
+          <a:xfrm>
+            <a:off x="5652120" y="4951894"/>
+            <a:ext cx="3096344" cy="0"/>
+          </a:xfrm>
+          <a:prstGeom prst="line">
+            <a:avLst/>
+          </a:prstGeom>
+        </p:spPr>
+        <p:style>
+          <a:lnRef idx="1">
+            <a:schemeClr val="accent2"/>
+          </a:lnRef>
+          <a:fillRef idx="0">
+            <a:schemeClr val="accent2"/>
+          </a:fillRef>
+          <a:effectRef idx="0">
+            <a:schemeClr val="accent2"/>
+          </a:effectRef>
+          <a:fontRef idx="minor">
+            <a:schemeClr val="tx1"/>
+          </a:fontRef>
+        </p:style>
+      </p:cxnSp>
+      <p:sp>
+        <p:nvSpPr>
+          <p:cNvPr id="30" name="TextBox 29"/>
+          <p:cNvSpPr txBox="1"/>
+          <p:nvPr/>
+        </p:nvSpPr>
+        <p:spPr>
+          <a:xfrm>
+            <a:off x="5724128" y="1943582"/>
+            <a:ext cx="747320" cy="369332"/>
+          </a:xfrm>
+          <a:prstGeom prst="rect">
+            <a:avLst/>
+          </a:prstGeom>
+          <a:noFill/>
+        </p:spPr>
+        <p:txBody>
+          <a:bodyPr wrap="none" rtlCol="0">
+            <a:spAutoFit/>
+          </a:bodyPr>
+          <a:lstStyle/>
+          <a:p>
+            <a:r>
+              <a:rPr lang="en-US" altLang="ko-KR" dirty="0" smtClean="0"/>
+              <a:t>Static</a:t>
+            </a:r>
+            <a:endParaRPr lang="ko-KR" altLang="en-US" dirty="0"/>
+          </a:p>
+        </p:txBody>
+      </p:sp>
+      <p:sp>
+        <p:nvSpPr>
+          <p:cNvPr id="31" name="TextBox 30"/>
+          <p:cNvSpPr txBox="1"/>
+          <p:nvPr/>
+        </p:nvSpPr>
+        <p:spPr>
+          <a:xfrm>
+            <a:off x="5724128" y="3250948"/>
+            <a:ext cx="728084" cy="369332"/>
+          </a:xfrm>
+          <a:prstGeom prst="rect">
+            <a:avLst/>
+          </a:prstGeom>
+          <a:noFill/>
+        </p:spPr>
+        <p:txBody>
+          <a:bodyPr wrap="none" rtlCol="0">
+            <a:spAutoFit/>
+          </a:bodyPr>
+          <a:lstStyle/>
+          <a:p>
+            <a:r>
+              <a:rPr lang="en-US" altLang="ko-KR" dirty="0" smtClean="0"/>
+              <a:t>Stack</a:t>
+            </a:r>
+            <a:endParaRPr lang="ko-KR" altLang="en-US" dirty="0"/>
+          </a:p>
+        </p:txBody>
+      </p:sp>
+      <p:sp>
+        <p:nvSpPr>
+          <p:cNvPr id="11" name="TextBox 10"/>
+          <p:cNvSpPr txBox="1"/>
+          <p:nvPr/>
+        </p:nvSpPr>
+        <p:spPr>
+          <a:xfrm>
+            <a:off x="5848347" y="2426214"/>
+            <a:ext cx="1640384" cy="646331"/>
+          </a:xfrm>
+          <a:prstGeom prst="rect">
+            <a:avLst/>
+          </a:prstGeom>
+        </p:spPr>
+        <p:style>
+          <a:lnRef idx="2">
+            <a:schemeClr val="accent6"/>
+          </a:lnRef>
+          <a:fillRef idx="1">
+            <a:schemeClr val="lt1"/>
+          </a:fillRef>
+          <a:effectRef idx="0">
+            <a:schemeClr val="accent6"/>
+          </a:effectRef>
+          <a:fontRef idx="minor">
+            <a:schemeClr val="dk1"/>
+          </a:fontRef>
+        </p:style>
+        <p:txBody>
+          <a:bodyPr wrap="square" rtlCol="0">
+            <a:spAutoFit/>
+          </a:bodyPr>
+          <a:lstStyle/>
+          <a:p>
+            <a:r>
+              <a:rPr lang="en-US" altLang="ko-KR" dirty="0" smtClean="0"/>
+              <a:t>Class </a:t>
+            </a:r>
+            <a:r>
+              <a:rPr lang="ko-KR" altLang="en-US" dirty="0" smtClean="0"/>
+              <a:t>정보</a:t>
+            </a:r>
+            <a:r>
+              <a:rPr lang="en-US" altLang="ko-KR" dirty="0" smtClean="0"/>
+              <a:t>(code)</a:t>
+            </a:r>
+            <a:endParaRPr lang="ko-KR" altLang="en-US" dirty="0"/>
+          </a:p>
+        </p:txBody>
+      </p:sp>
+      <p:sp>
+        <p:nvSpPr>
+          <p:cNvPr id="13" name="TextBox 12"/>
+          <p:cNvSpPr txBox="1"/>
+          <p:nvPr/>
+        </p:nvSpPr>
+        <p:spPr>
+          <a:xfrm>
+            <a:off x="7056683" y="1943582"/>
+            <a:ext cx="1640384" cy="369332"/>
+          </a:xfrm>
+          <a:prstGeom prst="rect">
+            <a:avLst/>
+          </a:prstGeom>
+        </p:spPr>
+        <p:style>
+          <a:lnRef idx="2">
+            <a:schemeClr val="accent6"/>
+          </a:lnRef>
+          <a:fillRef idx="1">
+            <a:schemeClr val="lt1"/>
+          </a:fillRef>
+          <a:effectRef idx="0">
+            <a:schemeClr val="accent6"/>
+          </a:effectRef>
+          <a:fontRef idx="minor">
+            <a:schemeClr val="dk1"/>
+          </a:fontRef>
+        </p:style>
+        <p:txBody>
+          <a:bodyPr wrap="square" rtlCol="0">
+            <a:spAutoFit/>
+          </a:bodyPr>
+          <a:lstStyle/>
+          <a:p>
+            <a:r>
+              <a:rPr lang="en-US" altLang="ko-KR" dirty="0" smtClean="0"/>
+              <a:t>main method</a:t>
+            </a:r>
+            <a:endParaRPr lang="ko-KR" altLang="en-US" dirty="0"/>
+          </a:p>
+        </p:txBody>
+      </p:sp>
+      <p:sp>
+        <p:nvSpPr>
+          <p:cNvPr id="14" name="TextBox 13"/>
+          <p:cNvSpPr txBox="1"/>
+          <p:nvPr/>
+        </p:nvSpPr>
+        <p:spPr>
+          <a:xfrm>
+            <a:off x="7710166" y="2350087"/>
+            <a:ext cx="820192" cy="369332"/>
+          </a:xfrm>
+          <a:prstGeom prst="rect">
+            <a:avLst/>
+          </a:prstGeom>
+        </p:spPr>
+        <p:style>
+          <a:lnRef idx="2">
+            <a:schemeClr val="accent6"/>
+          </a:lnRef>
+          <a:fillRef idx="1">
+            <a:schemeClr val="lt1"/>
+          </a:fillRef>
+          <a:effectRef idx="0">
+            <a:schemeClr val="accent6"/>
+          </a:effectRef>
+          <a:fontRef idx="minor">
+            <a:schemeClr val="dk1"/>
+          </a:fontRef>
+        </p:style>
+        <p:txBody>
+          <a:bodyPr wrap="square" rtlCol="0">
+            <a:spAutoFit/>
+          </a:bodyPr>
+          <a:lstStyle/>
+          <a:p>
+            <a:pPr algn="ctr"/>
+            <a:r>
+              <a:rPr lang="en-US" altLang="ko-KR" dirty="0" smtClean="0"/>
+              <a:t>null</a:t>
+            </a:r>
+            <a:endParaRPr lang="ko-KR" altLang="en-US" dirty="0"/>
+          </a:p>
+        </p:txBody>
+      </p:sp>
+      <p:cxnSp>
+        <p:nvCxnSpPr>
+          <p:cNvPr id="15" name="직선 연결선 14"/>
+          <p:cNvCxnSpPr/>
+          <p:nvPr/>
+        </p:nvCxnSpPr>
+        <p:spPr>
+          <a:xfrm>
+            <a:off x="5652120" y="4951894"/>
+            <a:ext cx="3096344" cy="0"/>
+          </a:xfrm>
+          <a:prstGeom prst="line">
+            <a:avLst/>
+          </a:prstGeom>
+        </p:spPr>
+        <p:style>
+          <a:lnRef idx="1">
+            <a:schemeClr val="accent2"/>
+          </a:lnRef>
+          <a:fillRef idx="0">
+            <a:schemeClr val="accent2"/>
+          </a:fillRef>
+          <a:effectRef idx="0">
+            <a:schemeClr val="accent2"/>
+          </a:effectRef>
+          <a:fontRef idx="minor">
+            <a:schemeClr val="tx1"/>
+          </a:fontRef>
+        </p:style>
+      </p:cxnSp>
+      <p:sp>
+        <p:nvSpPr>
+          <p:cNvPr id="24" name="직사각형 23"/>
+          <p:cNvSpPr/>
+          <p:nvPr/>
+        </p:nvSpPr>
+        <p:spPr>
+          <a:xfrm>
+            <a:off x="5848347" y="5418851"/>
+            <a:ext cx="1476164" cy="1080120"/>
+          </a:xfrm>
+          <a:prstGeom prst="rect">
+            <a:avLst/>
+          </a:prstGeom>
+        </p:spPr>
+        <p:style>
+          <a:lnRef idx="2">
+            <a:schemeClr val="accent6">
+              <a:shade val="50000"/>
+            </a:schemeClr>
+          </a:lnRef>
+          <a:fillRef idx="1">
+            <a:schemeClr val="accent6"/>
+          </a:fillRef>
+          <a:effectRef idx="0">
+            <a:schemeClr val="accent6"/>
+          </a:effectRef>
+          <a:fontRef idx="minor">
+            <a:schemeClr val="lt1"/>
+          </a:fontRef>
+        </p:style>
+        <p:txBody>
+          <a:bodyPr rtlCol="0" anchor="ctr"/>
+          <a:lstStyle/>
+          <a:p>
+            <a:pPr algn="ctr"/>
+            <a:r>
+              <a:rPr lang="en-US" altLang="ko-KR" dirty="0" smtClean="0"/>
+              <a:t>new</a:t>
+            </a:r>
+          </a:p>
+          <a:p>
+            <a:pPr algn="ctr"/>
+            <a:r>
+              <a:rPr lang="en-US" altLang="ko-KR" dirty="0" smtClean="0"/>
+              <a:t>Person</a:t>
+            </a:r>
+          </a:p>
+          <a:p>
+            <a:pPr algn="ctr"/>
+            <a:r>
+              <a:rPr lang="en-US" altLang="ko-KR" dirty="0" smtClean="0"/>
+              <a:t>name=“</a:t>
+            </a:r>
+            <a:r>
+              <a:rPr lang="ko-KR" altLang="en-US" dirty="0" smtClean="0"/>
+              <a:t>동희</a:t>
+            </a:r>
+            <a:r>
+              <a:rPr lang="en-US" altLang="ko-KR" dirty="0" smtClean="0"/>
+              <a:t>”</a:t>
+            </a:r>
+          </a:p>
+          <a:p>
+            <a:pPr algn="ctr"/>
+            <a:r>
+              <a:rPr lang="en-US" altLang="ko-KR" dirty="0" smtClean="0"/>
+              <a:t>age=99</a:t>
+            </a:r>
+          </a:p>
+        </p:txBody>
+      </p:sp>
+      <p:sp>
+        <p:nvSpPr>
+          <p:cNvPr id="22" name="직사각형 21"/>
+          <p:cNvSpPr/>
+          <p:nvPr/>
+        </p:nvSpPr>
+        <p:spPr>
+          <a:xfrm>
+            <a:off x="5828604" y="3646027"/>
+            <a:ext cx="1371688" cy="1145514"/>
+          </a:xfrm>
+          <a:prstGeom prst="rect">
+            <a:avLst/>
+          </a:prstGeom>
+        </p:spPr>
+        <p:style>
+          <a:lnRef idx="3">
+            <a:schemeClr val="lt1"/>
+          </a:lnRef>
+          <a:fillRef idx="1">
+            <a:schemeClr val="accent6"/>
+          </a:fillRef>
+          <a:effectRef idx="1">
+            <a:schemeClr val="accent6"/>
+          </a:effectRef>
+          <a:fontRef idx="minor">
+            <a:schemeClr val="lt1"/>
+          </a:fontRef>
+        </p:style>
+        <p:txBody>
+          <a:bodyPr rtlCol="0" anchor="ctr"/>
+          <a:lstStyle/>
+          <a:p>
+            <a:pPr algn="ctr"/>
+            <a:endParaRPr lang="ko-KR" altLang="en-US"/>
+          </a:p>
+        </p:txBody>
+      </p:sp>
+      <p:sp>
+        <p:nvSpPr>
+          <p:cNvPr id="33" name="TextBox 32"/>
+          <p:cNvSpPr txBox="1"/>
+          <p:nvPr/>
+        </p:nvSpPr>
+        <p:spPr>
+          <a:xfrm>
+            <a:off x="5802336" y="3646026"/>
+            <a:ext cx="1424237" cy="369332"/>
+          </a:xfrm>
+          <a:prstGeom prst="rect">
+            <a:avLst/>
+          </a:prstGeom>
+          <a:noFill/>
+        </p:spPr>
+        <p:txBody>
+          <a:bodyPr wrap="none" rtlCol="0">
+            <a:spAutoFit/>
+          </a:bodyPr>
+          <a:lstStyle/>
+          <a:p>
+            <a:pPr algn="ctr"/>
+            <a:r>
+              <a:rPr lang="en-US" altLang="ko-KR" dirty="0" err="1" smtClean="0"/>
+              <a:t>addPerson</a:t>
+            </a:r>
+            <a:r>
+              <a:rPr lang="en-US" altLang="ko-KR" dirty="0" smtClean="0"/>
+              <a:t>()</a:t>
+            </a:r>
+            <a:endParaRPr lang="en-US" altLang="ko-KR" dirty="0" smtClean="0"/>
+          </a:p>
+        </p:txBody>
+      </p:sp>
+      <p:sp>
+        <p:nvSpPr>
+          <p:cNvPr id="34" name="직사각형 33"/>
+          <p:cNvSpPr/>
+          <p:nvPr/>
+        </p:nvSpPr>
+        <p:spPr>
+          <a:xfrm>
+            <a:off x="5934173" y="4070514"/>
+            <a:ext cx="766020" cy="576064"/>
+          </a:xfrm>
+          <a:prstGeom prst="rect">
+            <a:avLst/>
+          </a:prstGeom>
+        </p:spPr>
+        <p:style>
+          <a:lnRef idx="3">
+            <a:schemeClr val="lt1"/>
+          </a:lnRef>
+          <a:fillRef idx="1">
+            <a:schemeClr val="accent6"/>
+          </a:fillRef>
+          <a:effectRef idx="1">
+            <a:schemeClr val="accent6"/>
+          </a:effectRef>
+          <a:fontRef idx="minor">
+            <a:schemeClr val="lt1"/>
+          </a:fontRef>
+        </p:style>
+        <p:txBody>
+          <a:bodyPr rtlCol="0" anchor="ctr"/>
+          <a:lstStyle/>
+          <a:p>
+            <a:pPr algn="ctr"/>
+            <a:r>
+              <a:rPr lang="en-US" altLang="ko-KR" sz="1400" dirty="0" smtClean="0"/>
+              <a:t>person</a:t>
+            </a:r>
+            <a:endParaRPr lang="ko-KR" altLang="en-US" sz="1400" dirty="0"/>
+          </a:p>
+        </p:txBody>
+      </p:sp>
+      <p:cxnSp>
+        <p:nvCxnSpPr>
+          <p:cNvPr id="35" name="직선 화살표 연결선 34"/>
+          <p:cNvCxnSpPr>
+            <a:stCxn id="34" idx="2"/>
+            <a:endCxn id="24" idx="0"/>
+          </p:cNvCxnSpPr>
+          <p:nvPr/>
+        </p:nvCxnSpPr>
+        <p:spPr>
+          <a:xfrm>
+            <a:off x="6317183" y="4646578"/>
+            <a:ext cx="269246" cy="772273"/>
+          </a:xfrm>
+          <a:prstGeom prst="straightConnector1">
+            <a:avLst/>
+          </a:prstGeom>
+          <a:ln w="28575">
+            <a:headEnd type="none" w="med" len="med"/>
+            <a:tailEnd type="triangle" w="med" len="med"/>
+          </a:ln>
+        </p:spPr>
+        <p:style>
+          <a:lnRef idx="1">
+            <a:schemeClr val="accent2"/>
+          </a:lnRef>
+          <a:fillRef idx="0">
+            <a:schemeClr val="accent2"/>
+          </a:fillRef>
+          <a:effectRef idx="0">
+            <a:schemeClr val="accent2"/>
+          </a:effectRef>
+          <a:fontRef idx="minor">
+            <a:schemeClr val="tx1"/>
+          </a:fontRef>
+        </p:style>
+      </p:cxnSp>
+      <p:sp>
+        <p:nvSpPr>
+          <p:cNvPr id="36" name="직사각형 35"/>
+          <p:cNvSpPr/>
+          <p:nvPr/>
+        </p:nvSpPr>
+        <p:spPr>
+          <a:xfrm>
+            <a:off x="7382180" y="4941148"/>
+            <a:ext cx="2950460" cy="2016244"/>
+          </a:xfrm>
+          <a:prstGeom prst="rect">
+            <a:avLst/>
+          </a:prstGeom>
+        </p:spPr>
+        <p:style>
+          <a:lnRef idx="2">
+            <a:schemeClr val="accent6">
+              <a:shade val="50000"/>
+            </a:schemeClr>
+          </a:lnRef>
+          <a:fillRef idx="1">
+            <a:schemeClr val="accent6"/>
+          </a:fillRef>
+          <a:effectRef idx="0">
+            <a:schemeClr val="accent6"/>
+          </a:effectRef>
+          <a:fontRef idx="minor">
+            <a:schemeClr val="lt1"/>
+          </a:fontRef>
+        </p:style>
+        <p:txBody>
+          <a:bodyPr rtlCol="0" anchor="ctr"/>
+          <a:lstStyle/>
+          <a:p>
+            <a:pPr algn="ctr"/>
+            <a:r>
+              <a:rPr lang="en-US" altLang="ko-KR" dirty="0" smtClean="0"/>
+              <a:t>new</a:t>
+            </a:r>
+          </a:p>
+          <a:p>
+            <a:pPr algn="ctr"/>
+            <a:r>
+              <a:rPr lang="en-US" altLang="ko-KR" dirty="0" err="1" smtClean="0"/>
+              <a:t>PersionManager</a:t>
+            </a:r>
+            <a:endParaRPr lang="en-US" altLang="ko-KR" dirty="0" smtClean="0"/>
+          </a:p>
+          <a:p>
+            <a:pPr algn="ctr"/>
+            <a:endParaRPr lang="en-US" altLang="ko-KR" dirty="0" smtClean="0"/>
+          </a:p>
+        </p:txBody>
+      </p:sp>
+      <p:pic>
+        <p:nvPicPr>
+          <p:cNvPr id="37" name="Picture 2" descr="C:\Users\Administrator\AppData\Local\Microsoft\Windows\Temporary Internet Files\Content.IE5\0LFUVII4\box-308680_960_720[1].png"/>
+          <p:cNvPicPr>
+            <a:picLocks noChangeAspect="1" noChangeArrowheads="1"/>
+          </p:cNvPicPr>
+          <p:nvPr/>
+        </p:nvPicPr>
+        <p:blipFill>
+          <a:blip r:embed="rId2" cstate="print">
+            <a:extLst>
+              <a:ext uri="{28A0092B-C50C-407E-A947-70E740481C1C}">
+                <a14:useLocalDpi xmlns:a14="http://schemas.microsoft.com/office/drawing/2010/main" val="0"/>
+              </a:ext>
+            </a:extLst>
+          </a:blip>
+          <a:srcRect/>
+          <a:stretch>
+            <a:fillRect/>
+          </a:stretch>
+        </p:blipFill>
+        <p:spPr bwMode="auto">
+          <a:xfrm>
+            <a:off x="7298342" y="6237312"/>
+            <a:ext cx="970486" cy="817251"/>
+          </a:xfrm>
+          <a:prstGeom prst="rect">
+            <a:avLst/>
+          </a:prstGeom>
+          <a:noFill/>
+          <a:extLst>
+            <a:ext uri="{909E8E84-426E-40DD-AFC4-6F175D3DCCD1}">
+              <a14:hiddenFill xmlns:a14="http://schemas.microsoft.com/office/drawing/2010/main">
+                <a:solidFill>
+                  <a:srgbClr val="FFFFFF"/>
+                </a:solidFill>
+              </a14:hiddenFill>
+            </a:ext>
+          </a:extLst>
+        </p:spPr>
+      </p:pic>
+      <p:sp>
+        <p:nvSpPr>
+          <p:cNvPr id="38" name="TextBox 37"/>
+          <p:cNvSpPr txBox="1"/>
+          <p:nvPr/>
+        </p:nvSpPr>
+        <p:spPr>
+          <a:xfrm>
+            <a:off x="8689377" y="7038684"/>
+            <a:ext cx="1046825" cy="369332"/>
+          </a:xfrm>
+          <a:prstGeom prst="rect">
+            <a:avLst/>
+          </a:prstGeom>
+          <a:noFill/>
+        </p:spPr>
+        <p:txBody>
+          <a:bodyPr wrap="none" rtlCol="0">
+            <a:spAutoFit/>
+          </a:bodyPr>
+          <a:lstStyle/>
+          <a:p>
+            <a:r>
+              <a:rPr lang="en-US" altLang="ko-KR" b="1" dirty="0" smtClean="0">
+                <a:ln w="17780" cmpd="sng">
+                  <a:noFill/>
+                  <a:prstDash val="solid"/>
+                  <a:miter lim="800000"/>
+                </a:ln>
+                <a:gradFill rotWithShape="1">
+                  <a:gsLst>
+                    <a:gs pos="0">
+                      <a:srgbClr val="000000">
+                        <a:tint val="92000"/>
+                        <a:shade val="100000"/>
+                        <a:satMod val="150000"/>
+                      </a:srgbClr>
+                    </a:gs>
+                    <a:gs pos="49000">
+                      <a:srgbClr val="000000">
+                        <a:tint val="89000"/>
+                        <a:shade val="90000"/>
+                        <a:satMod val="150000"/>
+                      </a:srgbClr>
+                    </a:gs>
+                    <a:gs pos="50000">
+                      <a:srgbClr val="000000">
+                        <a:tint val="100000"/>
+                        <a:shade val="75000"/>
+                        <a:satMod val="150000"/>
+                      </a:srgbClr>
+                    </a:gs>
+                    <a:gs pos="95000">
+                      <a:srgbClr val="000000">
+                        <a:shade val="47000"/>
+                        <a:satMod val="150000"/>
+                      </a:srgbClr>
+                    </a:gs>
+                    <a:gs pos="100000">
+                      <a:srgbClr val="000000">
+                        <a:shade val="39000"/>
+                        <a:satMod val="150000"/>
+                      </a:srgbClr>
+                    </a:gs>
+                  </a:gsLst>
+                  <a:lin ang="5400000"/>
+                </a:gradFill>
+                <a:effectLst>
+                  <a:outerShdw blurRad="50800" algn="tl" rotWithShape="0">
+                    <a:srgbClr val="000000"/>
+                  </a:outerShdw>
+                </a:effectLst>
+              </a:rPr>
+              <a:t>persons</a:t>
+            </a:r>
+            <a:endParaRPr lang="ko-KR" altLang="en-US" b="1" dirty="0">
+              <a:ln w="17780" cmpd="sng">
+                <a:noFill/>
+                <a:prstDash val="solid"/>
+                <a:miter lim="800000"/>
+              </a:ln>
+              <a:gradFill rotWithShape="1">
+                <a:gsLst>
+                  <a:gs pos="0">
+                    <a:srgbClr val="000000">
+                      <a:tint val="92000"/>
+                      <a:shade val="100000"/>
+                      <a:satMod val="150000"/>
+                    </a:srgbClr>
+                  </a:gs>
+                  <a:gs pos="49000">
+                    <a:srgbClr val="000000">
+                      <a:tint val="89000"/>
+                      <a:shade val="90000"/>
+                      <a:satMod val="150000"/>
+                    </a:srgbClr>
+                  </a:gs>
+                  <a:gs pos="50000">
+                    <a:srgbClr val="000000">
+                      <a:tint val="100000"/>
+                      <a:shade val="75000"/>
+                      <a:satMod val="150000"/>
+                    </a:srgbClr>
+                  </a:gs>
+                  <a:gs pos="95000">
+                    <a:srgbClr val="000000">
+                      <a:shade val="47000"/>
+                      <a:satMod val="150000"/>
+                    </a:srgbClr>
+                  </a:gs>
+                  <a:gs pos="100000">
+                    <a:srgbClr val="000000">
+                      <a:shade val="39000"/>
+                      <a:satMod val="150000"/>
+                    </a:srgbClr>
+                  </a:gs>
+                </a:gsLst>
+                <a:lin ang="5400000"/>
+              </a:gradFill>
+              <a:effectLst>
+                <a:outerShdw blurRad="50800" algn="tl" rotWithShape="0">
+                  <a:srgbClr val="000000"/>
+                </a:outerShdw>
+              </a:effectLst>
+            </a:endParaRPr>
+          </a:p>
+        </p:txBody>
+      </p:sp>
+      <p:pic>
+        <p:nvPicPr>
+          <p:cNvPr id="39" name="Picture 2" descr="C:\Users\Administrator\AppData\Local\Microsoft\Windows\Temporary Internet Files\Content.IE5\0LFUVII4\box-308680_960_720[1].png"/>
+          <p:cNvPicPr>
+            <a:picLocks noChangeAspect="1" noChangeArrowheads="1"/>
+          </p:cNvPicPr>
+          <p:nvPr/>
+        </p:nvPicPr>
+        <p:blipFill>
+          <a:blip r:embed="rId2" cstate="print">
+            <a:extLst>
+              <a:ext uri="{28A0092B-C50C-407E-A947-70E740481C1C}">
+                <a14:useLocalDpi xmlns:a14="http://schemas.microsoft.com/office/drawing/2010/main" val="0"/>
+              </a:ext>
+            </a:extLst>
+          </a:blip>
+          <a:srcRect/>
+          <a:stretch>
+            <a:fillRect/>
+          </a:stretch>
+        </p:blipFill>
+        <p:spPr bwMode="auto">
+          <a:xfrm>
+            <a:off x="7818088" y="6237312"/>
+            <a:ext cx="970486" cy="817251"/>
+          </a:xfrm>
+          <a:prstGeom prst="rect">
+            <a:avLst/>
+          </a:prstGeom>
+          <a:noFill/>
+          <a:extLst>
+            <a:ext uri="{909E8E84-426E-40DD-AFC4-6F175D3DCCD1}">
+              <a14:hiddenFill xmlns:a14="http://schemas.microsoft.com/office/drawing/2010/main">
+                <a:solidFill>
+                  <a:srgbClr val="FFFFFF"/>
+                </a:solidFill>
+              </a14:hiddenFill>
+            </a:ext>
+          </a:extLst>
+        </p:spPr>
+      </p:pic>
+      <p:pic>
+        <p:nvPicPr>
+          <p:cNvPr id="40" name="Picture 2" descr="C:\Users\Administrator\AppData\Local\Microsoft\Windows\Temporary Internet Files\Content.IE5\0LFUVII4\box-308680_960_720[1].png"/>
+          <p:cNvPicPr>
+            <a:picLocks noChangeAspect="1" noChangeArrowheads="1"/>
+          </p:cNvPicPr>
+          <p:nvPr/>
+        </p:nvPicPr>
+        <p:blipFill>
+          <a:blip r:embed="rId2" cstate="print">
+            <a:extLst>
+              <a:ext uri="{28A0092B-C50C-407E-A947-70E740481C1C}">
+                <a14:useLocalDpi xmlns:a14="http://schemas.microsoft.com/office/drawing/2010/main" val="0"/>
+              </a:ext>
+            </a:extLst>
+          </a:blip>
+          <a:srcRect/>
+          <a:stretch>
+            <a:fillRect/>
+          </a:stretch>
+        </p:blipFill>
+        <p:spPr bwMode="auto">
+          <a:xfrm>
+            <a:off x="8475776" y="6237312"/>
+            <a:ext cx="970486" cy="817251"/>
+          </a:xfrm>
+          <a:prstGeom prst="rect">
+            <a:avLst/>
+          </a:prstGeom>
+          <a:noFill/>
+          <a:extLst>
+            <a:ext uri="{909E8E84-426E-40DD-AFC4-6F175D3DCCD1}">
+              <a14:hiddenFill xmlns:a14="http://schemas.microsoft.com/office/drawing/2010/main">
+                <a:solidFill>
+                  <a:srgbClr val="FFFFFF"/>
+                </a:solidFill>
+              </a14:hiddenFill>
+            </a:ext>
+          </a:extLst>
+        </p:spPr>
+      </p:pic>
+      <p:pic>
+        <p:nvPicPr>
+          <p:cNvPr id="41" name="Picture 2" descr="C:\Users\Administrator\AppData\Local\Microsoft\Windows\Temporary Internet Files\Content.IE5\0LFUVII4\box-308680_960_720[1].png"/>
+          <p:cNvPicPr>
+            <a:picLocks noChangeAspect="1" noChangeArrowheads="1"/>
+          </p:cNvPicPr>
+          <p:nvPr/>
+        </p:nvPicPr>
+        <p:blipFill>
+          <a:blip r:embed="rId2" cstate="print">
+            <a:extLst>
+              <a:ext uri="{28A0092B-C50C-407E-A947-70E740481C1C}">
+                <a14:useLocalDpi xmlns:a14="http://schemas.microsoft.com/office/drawing/2010/main" val="0"/>
+              </a:ext>
+            </a:extLst>
+          </a:blip>
+          <a:srcRect/>
+          <a:stretch>
+            <a:fillRect/>
+          </a:stretch>
+        </p:blipFill>
+        <p:spPr bwMode="auto">
+          <a:xfrm>
+            <a:off x="9166024" y="6237312"/>
+            <a:ext cx="970486" cy="817251"/>
+          </a:xfrm>
+          <a:prstGeom prst="rect">
+            <a:avLst/>
+          </a:prstGeom>
+          <a:noFill/>
+          <a:extLst>
+            <a:ext uri="{909E8E84-426E-40DD-AFC4-6F175D3DCCD1}">
+              <a14:hiddenFill xmlns:a14="http://schemas.microsoft.com/office/drawing/2010/main">
+                <a:solidFill>
+                  <a:srgbClr val="FFFFFF"/>
+                </a:solidFill>
+              </a14:hiddenFill>
+            </a:ext>
+          </a:extLst>
+        </p:spPr>
+      </p:pic>
+      <p:pic>
+        <p:nvPicPr>
+          <p:cNvPr id="42" name="Picture 2" descr="C:\Users\Administrator\AppData\Local\Microsoft\Windows\Temporary Internet Files\Content.IE5\0LFUVII4\box-308680_960_720[1].png"/>
+          <p:cNvPicPr>
+            <a:picLocks noChangeAspect="1" noChangeArrowheads="1"/>
+          </p:cNvPicPr>
+          <p:nvPr/>
+        </p:nvPicPr>
+        <p:blipFill>
+          <a:blip r:embed="rId2" cstate="print">
+            <a:extLst>
+              <a:ext uri="{28A0092B-C50C-407E-A947-70E740481C1C}">
+                <a14:useLocalDpi xmlns:a14="http://schemas.microsoft.com/office/drawing/2010/main" val="0"/>
+              </a:ext>
+            </a:extLst>
+          </a:blip>
+          <a:srcRect/>
+          <a:stretch>
+            <a:fillRect/>
+          </a:stretch>
+        </p:blipFill>
+        <p:spPr bwMode="auto">
+          <a:xfrm>
+            <a:off x="9834312" y="6237312"/>
+            <a:ext cx="970486" cy="817251"/>
+          </a:xfrm>
+          <a:prstGeom prst="rect">
+            <a:avLst/>
+          </a:prstGeom>
+          <a:noFill/>
+          <a:extLst>
+            <a:ext uri="{909E8E84-426E-40DD-AFC4-6F175D3DCCD1}">
+              <a14:hiddenFill xmlns:a14="http://schemas.microsoft.com/office/drawing/2010/main">
+                <a:solidFill>
+                  <a:srgbClr val="FFFFFF"/>
+                </a:solidFill>
+              </a14:hiddenFill>
+            </a:ext>
+          </a:extLst>
+        </p:spPr>
+      </p:pic>
+      <p:sp>
+        <p:nvSpPr>
+          <p:cNvPr id="43" name="TextBox 42"/>
+          <p:cNvSpPr txBox="1"/>
+          <p:nvPr/>
+        </p:nvSpPr>
+        <p:spPr>
+          <a:xfrm>
+            <a:off x="7555831" y="6684673"/>
+            <a:ext cx="324128" cy="369332"/>
+          </a:xfrm>
+          <a:prstGeom prst="rect">
+            <a:avLst/>
+          </a:prstGeom>
+          <a:noFill/>
+        </p:spPr>
+        <p:txBody>
+          <a:bodyPr wrap="none" rtlCol="0">
+            <a:spAutoFit/>
+            <a:scene3d>
+              <a:camera prst="orthographicFront"/>
+              <a:lightRig rig="soft" dir="tl">
+                <a:rot lat="0" lon="0" rev="0"/>
+              </a:lightRig>
+            </a:scene3d>
+            <a:sp3d contourW="25400" prstMaterial="matte">
+              <a:bevelT w="25400" h="55880" prst="artDeco"/>
+              <a:contourClr>
+                <a:schemeClr val="accent2">
+                  <a:tint val="20000"/>
+                </a:schemeClr>
+              </a:contourClr>
+            </a:sp3d>
+          </a:bodyPr>
+          <a:lstStyle/>
+          <a:p>
+            <a:pPr algn="ctr"/>
+            <a:r>
+              <a:rPr lang="en-US" altLang="ko-KR" b="1" spc="50" dirty="0">
+                <a:ln w="11430"/>
+                <a:gradFill>
+                  <a:gsLst>
+                    <a:gs pos="25000">
+                      <a:schemeClr val="accent2">
+                        <a:satMod val="155000"/>
+                      </a:schemeClr>
+                    </a:gs>
+                    <a:gs pos="100000">
+                      <a:schemeClr val="accent2">
+                        <a:shade val="45000"/>
+                        <a:satMod val="165000"/>
+                      </a:schemeClr>
+                    </a:gs>
+                  </a:gsLst>
+                  <a:lin ang="5400000"/>
+                </a:gradFill>
+                <a:effectLst>
+                  <a:outerShdw blurRad="76200" dist="50800" dir="5400000" algn="tl" rotWithShape="0">
+                    <a:srgbClr val="000000">
+                      <a:alpha val="65000"/>
+                    </a:srgbClr>
+                  </a:outerShdw>
+                </a:effectLst>
+              </a:rPr>
+              <a:t>0</a:t>
+            </a:r>
+            <a:endParaRPr lang="ko-KR" altLang="en-US" b="1" spc="50" dirty="0">
+              <a:ln w="11430"/>
+              <a:gradFill>
+                <a:gsLst>
+                  <a:gs pos="25000">
+                    <a:schemeClr val="accent2">
+                      <a:satMod val="155000"/>
+                    </a:schemeClr>
+                  </a:gs>
+                  <a:gs pos="100000">
+                    <a:schemeClr val="accent2">
+                      <a:shade val="45000"/>
+                      <a:satMod val="165000"/>
+                    </a:schemeClr>
+                  </a:gs>
+                </a:gsLst>
+                <a:lin ang="5400000"/>
+              </a:gradFill>
+              <a:effectLst>
+                <a:outerShdw blurRad="76200" dist="50800" dir="5400000" algn="tl" rotWithShape="0">
+                  <a:srgbClr val="000000">
+                    <a:alpha val="65000"/>
+                  </a:srgbClr>
+                </a:outerShdw>
+              </a:effectLst>
+            </a:endParaRPr>
+          </a:p>
+        </p:txBody>
+      </p:sp>
+      <p:sp>
+        <p:nvSpPr>
+          <p:cNvPr id="44" name="TextBox 43"/>
+          <p:cNvSpPr txBox="1"/>
+          <p:nvPr/>
+        </p:nvSpPr>
+        <p:spPr>
+          <a:xfrm>
+            <a:off x="8141267" y="6684673"/>
+            <a:ext cx="324128" cy="369332"/>
+          </a:xfrm>
+          <a:prstGeom prst="rect">
+            <a:avLst/>
+          </a:prstGeom>
+          <a:noFill/>
+        </p:spPr>
+        <p:txBody>
+          <a:bodyPr wrap="none" rtlCol="0">
+            <a:spAutoFit/>
+            <a:scene3d>
+              <a:camera prst="orthographicFront"/>
+              <a:lightRig rig="soft" dir="tl">
+                <a:rot lat="0" lon="0" rev="0"/>
+              </a:lightRig>
+            </a:scene3d>
+            <a:sp3d contourW="25400" prstMaterial="matte">
+              <a:bevelT w="25400" h="55880" prst="artDeco"/>
+              <a:contourClr>
+                <a:schemeClr val="accent2">
+                  <a:tint val="20000"/>
+                </a:schemeClr>
+              </a:contourClr>
+            </a:sp3d>
+          </a:bodyPr>
+          <a:lstStyle/>
+          <a:p>
+            <a:pPr algn="ctr"/>
+            <a:r>
+              <a:rPr lang="en-US" altLang="ko-KR" b="1" spc="50" dirty="0">
+                <a:ln w="11430"/>
+                <a:gradFill>
+                  <a:gsLst>
+                    <a:gs pos="25000">
+                      <a:schemeClr val="accent2">
+                        <a:satMod val="155000"/>
+                      </a:schemeClr>
+                    </a:gs>
+                    <a:gs pos="100000">
+                      <a:schemeClr val="accent2">
+                        <a:shade val="45000"/>
+                        <a:satMod val="165000"/>
+                      </a:schemeClr>
+                    </a:gs>
+                  </a:gsLst>
+                  <a:lin ang="5400000"/>
+                </a:gradFill>
+                <a:effectLst>
+                  <a:outerShdw blurRad="76200" dist="50800" dir="5400000" algn="tl" rotWithShape="0">
+                    <a:srgbClr val="000000">
+                      <a:alpha val="65000"/>
+                    </a:srgbClr>
+                  </a:outerShdw>
+                </a:effectLst>
+              </a:rPr>
+              <a:t>1</a:t>
+            </a:r>
+            <a:endParaRPr lang="ko-KR" altLang="en-US" b="1" spc="50" dirty="0">
+              <a:ln w="11430"/>
+              <a:gradFill>
+                <a:gsLst>
+                  <a:gs pos="25000">
+                    <a:schemeClr val="accent2">
+                      <a:satMod val="155000"/>
+                    </a:schemeClr>
+                  </a:gs>
+                  <a:gs pos="100000">
+                    <a:schemeClr val="accent2">
+                      <a:shade val="45000"/>
+                      <a:satMod val="165000"/>
+                    </a:schemeClr>
+                  </a:gs>
+                </a:gsLst>
+                <a:lin ang="5400000"/>
+              </a:gradFill>
+              <a:effectLst>
+                <a:outerShdw blurRad="76200" dist="50800" dir="5400000" algn="tl" rotWithShape="0">
+                  <a:srgbClr val="000000">
+                    <a:alpha val="65000"/>
+                  </a:srgbClr>
+                </a:outerShdw>
+              </a:effectLst>
+            </a:endParaRPr>
+          </a:p>
+        </p:txBody>
+      </p:sp>
+      <p:sp>
+        <p:nvSpPr>
+          <p:cNvPr id="45" name="TextBox 44"/>
+          <p:cNvSpPr txBox="1"/>
+          <p:nvPr/>
+        </p:nvSpPr>
+        <p:spPr>
+          <a:xfrm>
+            <a:off x="8798955" y="6684673"/>
+            <a:ext cx="324128" cy="369332"/>
+          </a:xfrm>
+          <a:prstGeom prst="rect">
+            <a:avLst/>
+          </a:prstGeom>
+          <a:noFill/>
+        </p:spPr>
+        <p:txBody>
+          <a:bodyPr wrap="none" rtlCol="0">
+            <a:spAutoFit/>
+            <a:scene3d>
+              <a:camera prst="orthographicFront"/>
+              <a:lightRig rig="soft" dir="tl">
+                <a:rot lat="0" lon="0" rev="0"/>
+              </a:lightRig>
+            </a:scene3d>
+            <a:sp3d contourW="25400" prstMaterial="matte">
+              <a:bevelT w="25400" h="55880" prst="artDeco"/>
+              <a:contourClr>
+                <a:schemeClr val="accent2">
+                  <a:tint val="20000"/>
+                </a:schemeClr>
+              </a:contourClr>
+            </a:sp3d>
+          </a:bodyPr>
+          <a:lstStyle/>
+          <a:p>
+            <a:pPr algn="ctr"/>
+            <a:r>
+              <a:rPr lang="en-US" altLang="ko-KR" b="1" spc="50" dirty="0" smtClean="0">
+                <a:ln w="11430"/>
+                <a:gradFill>
+                  <a:gsLst>
+                    <a:gs pos="25000">
+                      <a:schemeClr val="accent2">
+                        <a:satMod val="155000"/>
+                      </a:schemeClr>
+                    </a:gs>
+                    <a:gs pos="100000">
+                      <a:schemeClr val="accent2">
+                        <a:shade val="45000"/>
+                        <a:satMod val="165000"/>
+                      </a:schemeClr>
+                    </a:gs>
+                  </a:gsLst>
+                  <a:lin ang="5400000"/>
+                </a:gradFill>
+                <a:effectLst>
+                  <a:outerShdw blurRad="76200" dist="50800" dir="5400000" algn="tl" rotWithShape="0">
+                    <a:srgbClr val="000000">
+                      <a:alpha val="65000"/>
+                    </a:srgbClr>
+                  </a:outerShdw>
+                </a:effectLst>
+              </a:rPr>
+              <a:t>2</a:t>
+            </a:r>
+            <a:endParaRPr lang="ko-KR" altLang="en-US" b="1" spc="50" dirty="0">
+              <a:ln w="11430"/>
+              <a:gradFill>
+                <a:gsLst>
+                  <a:gs pos="25000">
+                    <a:schemeClr val="accent2">
+                      <a:satMod val="155000"/>
+                    </a:schemeClr>
+                  </a:gs>
+                  <a:gs pos="100000">
+                    <a:schemeClr val="accent2">
+                      <a:shade val="45000"/>
+                      <a:satMod val="165000"/>
+                    </a:schemeClr>
+                  </a:gs>
+                </a:gsLst>
+                <a:lin ang="5400000"/>
+              </a:gradFill>
+              <a:effectLst>
+                <a:outerShdw blurRad="76200" dist="50800" dir="5400000" algn="tl" rotWithShape="0">
+                  <a:srgbClr val="000000">
+                    <a:alpha val="65000"/>
+                  </a:srgbClr>
+                </a:outerShdw>
+              </a:effectLst>
+            </a:endParaRPr>
+          </a:p>
+        </p:txBody>
+      </p:sp>
+      <p:sp>
+        <p:nvSpPr>
+          <p:cNvPr id="46" name="TextBox 45"/>
+          <p:cNvSpPr txBox="1"/>
+          <p:nvPr/>
+        </p:nvSpPr>
+        <p:spPr>
+          <a:xfrm>
+            <a:off x="9489203" y="6684673"/>
+            <a:ext cx="324128" cy="369332"/>
+          </a:xfrm>
+          <a:prstGeom prst="rect">
+            <a:avLst/>
+          </a:prstGeom>
+          <a:noFill/>
+        </p:spPr>
+        <p:txBody>
+          <a:bodyPr wrap="none" rtlCol="0">
+            <a:spAutoFit/>
+            <a:scene3d>
+              <a:camera prst="orthographicFront"/>
+              <a:lightRig rig="soft" dir="tl">
+                <a:rot lat="0" lon="0" rev="0"/>
+              </a:lightRig>
+            </a:scene3d>
+            <a:sp3d contourW="25400" prstMaterial="matte">
+              <a:bevelT w="25400" h="55880" prst="artDeco"/>
+              <a:contourClr>
+                <a:schemeClr val="accent2">
+                  <a:tint val="20000"/>
+                </a:schemeClr>
+              </a:contourClr>
+            </a:sp3d>
+          </a:bodyPr>
+          <a:lstStyle/>
+          <a:p>
+            <a:pPr algn="ctr"/>
+            <a:r>
+              <a:rPr lang="en-US" altLang="ko-KR" b="1" spc="50" dirty="0" smtClean="0">
+                <a:ln w="11430"/>
+                <a:gradFill>
+                  <a:gsLst>
+                    <a:gs pos="25000">
+                      <a:schemeClr val="accent2">
+                        <a:satMod val="155000"/>
+                      </a:schemeClr>
+                    </a:gs>
+                    <a:gs pos="100000">
+                      <a:schemeClr val="accent2">
+                        <a:shade val="45000"/>
+                        <a:satMod val="165000"/>
+                      </a:schemeClr>
+                    </a:gs>
+                  </a:gsLst>
+                  <a:lin ang="5400000"/>
+                </a:gradFill>
+                <a:effectLst>
+                  <a:outerShdw blurRad="76200" dist="50800" dir="5400000" algn="tl" rotWithShape="0">
+                    <a:srgbClr val="000000">
+                      <a:alpha val="65000"/>
+                    </a:srgbClr>
+                  </a:outerShdw>
+                </a:effectLst>
+              </a:rPr>
+              <a:t>3</a:t>
+            </a:r>
+            <a:endParaRPr lang="ko-KR" altLang="en-US" b="1" spc="50" dirty="0">
+              <a:ln w="11430"/>
+              <a:gradFill>
+                <a:gsLst>
+                  <a:gs pos="25000">
+                    <a:schemeClr val="accent2">
+                      <a:satMod val="155000"/>
+                    </a:schemeClr>
+                  </a:gs>
+                  <a:gs pos="100000">
+                    <a:schemeClr val="accent2">
+                      <a:shade val="45000"/>
+                      <a:satMod val="165000"/>
+                    </a:schemeClr>
+                  </a:gs>
+                </a:gsLst>
+                <a:lin ang="5400000"/>
+              </a:gradFill>
+              <a:effectLst>
+                <a:outerShdw blurRad="76200" dist="50800" dir="5400000" algn="tl" rotWithShape="0">
+                  <a:srgbClr val="000000">
+                    <a:alpha val="65000"/>
+                  </a:srgbClr>
+                </a:outerShdw>
+              </a:effectLst>
+            </a:endParaRPr>
+          </a:p>
+        </p:txBody>
+      </p:sp>
+      <p:sp>
+        <p:nvSpPr>
+          <p:cNvPr id="47" name="TextBox 46"/>
+          <p:cNvSpPr txBox="1"/>
+          <p:nvPr/>
+        </p:nvSpPr>
+        <p:spPr>
+          <a:xfrm>
+            <a:off x="10157491" y="6684673"/>
+            <a:ext cx="324128" cy="369332"/>
+          </a:xfrm>
+          <a:prstGeom prst="rect">
+            <a:avLst/>
+          </a:prstGeom>
+          <a:noFill/>
+        </p:spPr>
+        <p:txBody>
+          <a:bodyPr wrap="none" rtlCol="0">
+            <a:spAutoFit/>
+            <a:scene3d>
+              <a:camera prst="orthographicFront"/>
+              <a:lightRig rig="soft" dir="tl">
+                <a:rot lat="0" lon="0" rev="0"/>
+              </a:lightRig>
+            </a:scene3d>
+            <a:sp3d contourW="25400" prstMaterial="matte">
+              <a:bevelT w="25400" h="55880" prst="artDeco"/>
+              <a:contourClr>
+                <a:schemeClr val="accent2">
+                  <a:tint val="20000"/>
+                </a:schemeClr>
+              </a:contourClr>
+            </a:sp3d>
+          </a:bodyPr>
+          <a:lstStyle/>
+          <a:p>
+            <a:pPr algn="ctr"/>
+            <a:r>
+              <a:rPr lang="en-US" altLang="ko-KR" b="1" spc="50" dirty="0" smtClean="0">
+                <a:ln w="11430"/>
+                <a:gradFill>
+                  <a:gsLst>
+                    <a:gs pos="25000">
+                      <a:schemeClr val="accent2">
+                        <a:satMod val="155000"/>
+                      </a:schemeClr>
+                    </a:gs>
+                    <a:gs pos="100000">
+                      <a:schemeClr val="accent2">
+                        <a:shade val="45000"/>
+                        <a:satMod val="165000"/>
+                      </a:schemeClr>
+                    </a:gs>
+                  </a:gsLst>
+                  <a:lin ang="5400000"/>
+                </a:gradFill>
+                <a:effectLst>
+                  <a:outerShdw blurRad="76200" dist="50800" dir="5400000" algn="tl" rotWithShape="0">
+                    <a:srgbClr val="000000">
+                      <a:alpha val="65000"/>
+                    </a:srgbClr>
+                  </a:outerShdw>
+                </a:effectLst>
+              </a:rPr>
+              <a:t>4</a:t>
+            </a:r>
+            <a:endParaRPr lang="ko-KR" altLang="en-US" b="1" spc="50" dirty="0">
+              <a:ln w="11430"/>
+              <a:gradFill>
+                <a:gsLst>
+                  <a:gs pos="25000">
+                    <a:schemeClr val="accent2">
+                      <a:satMod val="155000"/>
+                    </a:schemeClr>
+                  </a:gs>
+                  <a:gs pos="100000">
+                    <a:schemeClr val="accent2">
+                      <a:shade val="45000"/>
+                      <a:satMod val="165000"/>
+                    </a:schemeClr>
+                  </a:gs>
+                </a:gsLst>
+                <a:lin ang="5400000"/>
+              </a:gradFill>
+              <a:effectLst>
+                <a:outerShdw blurRad="76200" dist="50800" dir="5400000" algn="tl" rotWithShape="0">
+                  <a:srgbClr val="000000">
+                    <a:alpha val="65000"/>
+                  </a:srgbClr>
+                </a:outerShdw>
+              </a:effectLst>
+            </a:endParaRPr>
+          </a:p>
+        </p:txBody>
+      </p:sp>
+      <p:sp>
+        <p:nvSpPr>
+          <p:cNvPr id="53" name="직사각형 52"/>
+          <p:cNvSpPr/>
+          <p:nvPr/>
+        </p:nvSpPr>
+        <p:spPr>
+          <a:xfrm>
+            <a:off x="7382180" y="6193659"/>
+            <a:ext cx="630225" cy="473943"/>
+          </a:xfrm>
+          <a:prstGeom prst="rect">
+            <a:avLst/>
+          </a:prstGeom>
+        </p:spPr>
+        <p:style>
+          <a:lnRef idx="3">
+            <a:schemeClr val="lt1"/>
+          </a:lnRef>
+          <a:fillRef idx="1">
+            <a:schemeClr val="accent6"/>
+          </a:fillRef>
+          <a:effectRef idx="1">
+            <a:schemeClr val="accent6"/>
+          </a:effectRef>
+          <a:fontRef idx="minor">
+            <a:schemeClr val="lt1"/>
+          </a:fontRef>
+        </p:style>
+        <p:txBody>
+          <a:bodyPr rtlCol="0" anchor="ctr"/>
+          <a:lstStyle/>
+          <a:p>
+            <a:pPr algn="ctr"/>
+            <a:r>
+              <a:rPr lang="en-US" altLang="ko-KR" sz="1400" dirty="0" smtClean="0"/>
+              <a:t>person</a:t>
+            </a:r>
+            <a:endParaRPr lang="ko-KR" altLang="en-US" sz="1400" dirty="0"/>
+          </a:p>
+        </p:txBody>
+      </p:sp>
+      <p:cxnSp>
+        <p:nvCxnSpPr>
+          <p:cNvPr id="54" name="직선 화살표 연결선 53"/>
+          <p:cNvCxnSpPr>
+            <a:stCxn id="53" idx="1"/>
+          </p:cNvCxnSpPr>
+          <p:nvPr/>
+        </p:nvCxnSpPr>
+        <p:spPr>
+          <a:xfrm flipH="1" flipV="1">
+            <a:off x="7125380" y="6309320"/>
+            <a:ext cx="256800" cy="121311"/>
+          </a:xfrm>
+          <a:prstGeom prst="straightConnector1">
+            <a:avLst/>
+          </a:prstGeom>
+          <a:ln w="28575">
+            <a:headEnd type="none" w="med" len="med"/>
+            <a:tailEnd type="triangle" w="med" len="med"/>
+          </a:ln>
+        </p:spPr>
+        <p:style>
+          <a:lnRef idx="1">
+            <a:schemeClr val="accent2"/>
+          </a:lnRef>
+          <a:fillRef idx="0">
+            <a:schemeClr val="accent2"/>
+          </a:fillRef>
+          <a:effectRef idx="0">
+            <a:schemeClr val="accent2"/>
+          </a:effectRef>
+          <a:fontRef idx="minor">
+            <a:schemeClr val="tx1"/>
+          </a:fontRef>
+        </p:style>
+      </p:cxnSp>
+    </p:spTree>
+    <p:extLst>
+      <p:ext uri="{BB962C8B-B14F-4D97-AF65-F5344CB8AC3E}">
+        <p14:creationId xmlns:p14="http://schemas.microsoft.com/office/powerpoint/2010/main" val="3834194334"/>
+      </p:ext>
+    </p:extLst>
+  </p:cSld>
+  <p:clrMapOvr>
+    <a:masterClrMapping/>
+  </p:clrMapOvr>
+</p:sld>
+</file>
+
+<file path=ppt/slides/slide39.xml><?xml version="1.0" encoding="utf-8"?>
+<p:sld xmlns:a="http://schemas.openxmlformats.org/drawingml/2006/main" xmlns:r="http://schemas.openxmlformats.org/officeDocument/2006/relationships" xmlns:p="http://schemas.openxmlformats.org/presentationml/2006/main">
+  <p:cSld>
+    <p:spTree>
+      <p:nvGrpSpPr>
+        <p:cNvPr id="1" name=""/>
+        <p:cNvGrpSpPr/>
+        <p:nvPr/>
+      </p:nvGrpSpPr>
+      <p:grpSpPr>
+        <a:xfrm>
+          <a:off x="0" y="0"/>
+          <a:ext cx="0" cy="0"/>
+          <a:chOff x="0" y="0"/>
+          <a:chExt cx="0" cy="0"/>
+        </a:xfrm>
+      </p:grpSpPr>
+      <p:sp>
+        <p:nvSpPr>
+          <p:cNvPr id="2" name="제목 1"/>
+          <p:cNvSpPr>
+            <a:spLocks noGrp="1"/>
+          </p:cNvSpPr>
+          <p:nvPr>
+            <p:ph type="title"/>
+          </p:nvPr>
+        </p:nvSpPr>
+        <p:spPr/>
+        <p:txBody>
+          <a:bodyPr>
+            <a:normAutofit fontScale="90000"/>
+          </a:bodyPr>
+          <a:lstStyle/>
+          <a:p>
+            <a:r>
+              <a:rPr lang="ko-KR" altLang="en-US" dirty="0" smtClean="0"/>
+              <a:t>객체</a:t>
+            </a:r>
+            <a:r>
+              <a:rPr lang="en-US" altLang="ko-KR" dirty="0" smtClean="0"/>
+              <a:t>(Object) </a:t>
+            </a:r>
+            <a:r>
+              <a:rPr lang="ko-KR" altLang="en-US" dirty="0" smtClean="0"/>
+              <a:t>메모리 구조</a:t>
+            </a:r>
+            <a:r>
+              <a:rPr lang="en-US" altLang="ko-KR" dirty="0" smtClean="0"/>
+              <a:t/>
+            </a:r>
+            <a:br>
+              <a:rPr lang="en-US" altLang="ko-KR" dirty="0" smtClean="0"/>
+            </a:br>
+            <a:r>
+              <a:rPr lang="en-US" altLang="ko-KR" dirty="0" smtClean="0"/>
+              <a:t>PersonGenerator4</a:t>
+            </a:r>
+            <a:br>
+              <a:rPr lang="en-US" altLang="ko-KR" dirty="0" smtClean="0"/>
+            </a:br>
+            <a:r>
+              <a:rPr lang="en-US" altLang="ko-KR" dirty="0" err="1" smtClean="0"/>
+              <a:t>PersonManager</a:t>
+            </a:r>
+            <a:endParaRPr lang="ko-KR" altLang="en-US" dirty="0"/>
+          </a:p>
+        </p:txBody>
+      </p:sp>
+      <p:sp>
+        <p:nvSpPr>
+          <p:cNvPr id="12" name="직사각형 11"/>
+          <p:cNvSpPr/>
+          <p:nvPr/>
+        </p:nvSpPr>
+        <p:spPr>
+          <a:xfrm>
+            <a:off x="107504" y="1818127"/>
+            <a:ext cx="5394414" cy="1754326"/>
+          </a:xfrm>
+          <a:prstGeom prst="rect">
+            <a:avLst/>
+          </a:prstGeom>
+        </p:spPr>
+        <p:txBody>
+          <a:bodyPr wrap="square">
+            <a:spAutoFit/>
+          </a:bodyPr>
+          <a:lstStyle/>
+          <a:p>
+            <a:r>
+              <a:rPr lang="en-US" altLang="ko-KR" b="1" dirty="0">
+                <a:solidFill>
+                  <a:srgbClr val="000080"/>
+                </a:solidFill>
+              </a:rPr>
+              <a:t>public void </a:t>
+            </a:r>
+            <a:r>
+              <a:rPr lang="en-US" altLang="ko-KR" dirty="0" err="1"/>
+              <a:t>addPerson</a:t>
+            </a:r>
+            <a:r>
+              <a:rPr lang="en-US" altLang="ko-KR" dirty="0"/>
+              <a:t>(Person person){</a:t>
+            </a:r>
+            <a:br>
+              <a:rPr lang="en-US" altLang="ko-KR" dirty="0"/>
+            </a:br>
+            <a:r>
+              <a:rPr lang="en-US" altLang="ko-KR" dirty="0"/>
+              <a:t>    </a:t>
+            </a:r>
+            <a:r>
+              <a:rPr lang="en-US" altLang="ko-KR" b="1" dirty="0">
+                <a:solidFill>
+                  <a:srgbClr val="660E7A"/>
+                </a:solidFill>
+              </a:rPr>
+              <a:t>persons</a:t>
+            </a:r>
+            <a:r>
+              <a:rPr lang="en-US" altLang="ko-KR" b="1" dirty="0"/>
+              <a:t>[</a:t>
+            </a:r>
+            <a:r>
+              <a:rPr lang="en-US" altLang="ko-KR" b="1" dirty="0">
+                <a:solidFill>
+                  <a:srgbClr val="660E7A"/>
+                </a:solidFill>
+              </a:rPr>
+              <a:t>index</a:t>
+            </a:r>
+            <a:r>
+              <a:rPr lang="en-US" altLang="ko-KR" b="1" dirty="0"/>
+              <a:t>++] = person;</a:t>
+            </a:r>
+            <a:br>
+              <a:rPr lang="en-US" altLang="ko-KR" b="1" dirty="0"/>
+            </a:br>
+            <a:r>
+              <a:rPr lang="en-US" altLang="ko-KR" dirty="0"/>
+              <a:t>    </a:t>
+            </a:r>
+            <a:r>
+              <a:rPr lang="en-US" altLang="ko-KR" dirty="0" err="1"/>
+              <a:t>System.</a:t>
+            </a:r>
+            <a:r>
+              <a:rPr lang="en-US" altLang="ko-KR" b="1" i="1" dirty="0" err="1">
+                <a:solidFill>
+                  <a:srgbClr val="660E7A"/>
+                </a:solidFill>
+              </a:rPr>
+              <a:t>out</a:t>
+            </a:r>
+            <a:r>
+              <a:rPr lang="en-US" altLang="ko-KR" dirty="0" err="1"/>
+              <a:t>.println</a:t>
+            </a:r>
+            <a:r>
+              <a:rPr lang="en-US" altLang="ko-KR" dirty="0"/>
+              <a:t>(</a:t>
+            </a:r>
+            <a:r>
+              <a:rPr lang="en-US" altLang="ko-KR" b="1" dirty="0">
+                <a:solidFill>
+                  <a:srgbClr val="660E7A"/>
+                </a:solidFill>
+              </a:rPr>
+              <a:t>index </a:t>
+            </a:r>
+            <a:r>
+              <a:rPr lang="en-US" altLang="ko-KR" dirty="0"/>
+              <a:t>+ </a:t>
+            </a:r>
+            <a:r>
+              <a:rPr lang="en-US" altLang="ko-KR" b="1" dirty="0">
+                <a:solidFill>
+                  <a:srgbClr val="008000"/>
+                </a:solidFill>
+              </a:rPr>
+              <a:t>"</a:t>
+            </a:r>
+            <a:r>
+              <a:rPr lang="ko-KR" altLang="en-US" b="1" dirty="0">
+                <a:solidFill>
+                  <a:srgbClr val="008000"/>
+                </a:solidFill>
+                <a:latin typeface="굴림체"/>
+              </a:rPr>
+              <a:t>번째</a:t>
+            </a:r>
+            <a:r>
+              <a:rPr lang="ko-KR" altLang="en-US" b="1" dirty="0">
+                <a:solidFill>
+                  <a:srgbClr val="008000"/>
+                </a:solidFill>
+              </a:rPr>
+              <a:t> </a:t>
+            </a:r>
+            <a:r>
+              <a:rPr lang="en-US" altLang="ko-KR" b="1" dirty="0">
+                <a:solidFill>
+                  <a:srgbClr val="008000"/>
+                </a:solidFill>
+              </a:rPr>
+              <a:t>person</a:t>
+            </a:r>
+            <a:r>
+              <a:rPr lang="ko-KR" altLang="en-US" b="1" dirty="0">
+                <a:solidFill>
+                  <a:srgbClr val="008000"/>
+                </a:solidFill>
+                <a:latin typeface="굴림체"/>
+              </a:rPr>
+              <a:t>이 등록되었습니다</a:t>
+            </a:r>
+            <a:r>
+              <a:rPr lang="en-US" altLang="ko-KR" b="1" dirty="0">
+                <a:solidFill>
+                  <a:srgbClr val="008000"/>
+                </a:solidFill>
+              </a:rPr>
+              <a:t>."</a:t>
+            </a:r>
+            <a:r>
+              <a:rPr lang="en-US" altLang="ko-KR" dirty="0"/>
+              <a:t>);</a:t>
+            </a:r>
+            <a:br>
+              <a:rPr lang="en-US" altLang="ko-KR" dirty="0"/>
+            </a:br>
+            <a:r>
+              <a:rPr lang="en-US" altLang="ko-KR" dirty="0"/>
+              <a:t>}</a:t>
+            </a:r>
+            <a:r>
+              <a:rPr lang="en-US" altLang="ko-KR" dirty="0"/>
+              <a:t/>
+            </a:r>
+            <a:br>
+              <a:rPr lang="en-US" altLang="ko-KR" dirty="0"/>
+            </a:br>
+            <a:endParaRPr lang="ko-KR" altLang="en-US" dirty="0"/>
+          </a:p>
+        </p:txBody>
+      </p:sp>
+      <p:sp>
+        <p:nvSpPr>
+          <p:cNvPr id="26" name="직사각형 25"/>
+          <p:cNvSpPr/>
+          <p:nvPr/>
+        </p:nvSpPr>
+        <p:spPr>
+          <a:xfrm>
+            <a:off x="5652120" y="1878524"/>
+            <a:ext cx="3960440" cy="4680520"/>
+          </a:xfrm>
+          <a:prstGeom prst="rect">
+            <a:avLst/>
+          </a:prstGeom>
+        </p:spPr>
+        <p:style>
+          <a:lnRef idx="2">
+            <a:schemeClr val="accent1">
+              <a:shade val="50000"/>
+            </a:schemeClr>
+          </a:lnRef>
+          <a:fillRef idx="1">
+            <a:schemeClr val="accent1"/>
+          </a:fillRef>
+          <a:effectRef idx="0">
+            <a:schemeClr val="accent1"/>
+          </a:effectRef>
+          <a:fontRef idx="minor">
+            <a:schemeClr val="lt1"/>
+          </a:fontRef>
+        </p:style>
+        <p:txBody>
+          <a:bodyPr rtlCol="0" anchor="ctr"/>
+          <a:lstStyle/>
+          <a:p>
+            <a:pPr algn="ctr"/>
+            <a:endParaRPr lang="ko-KR" altLang="en-US"/>
+          </a:p>
+        </p:txBody>
+      </p:sp>
+      <p:cxnSp>
+        <p:nvCxnSpPr>
+          <p:cNvPr id="27" name="직선 연결선 26"/>
+          <p:cNvCxnSpPr/>
+          <p:nvPr/>
+        </p:nvCxnSpPr>
+        <p:spPr>
+          <a:xfrm>
+            <a:off x="5652120" y="3151694"/>
+            <a:ext cx="3096344" cy="0"/>
+          </a:xfrm>
+          <a:prstGeom prst="line">
+            <a:avLst/>
+          </a:prstGeom>
+        </p:spPr>
+        <p:style>
+          <a:lnRef idx="1">
+            <a:schemeClr val="accent2"/>
+          </a:lnRef>
+          <a:fillRef idx="0">
+            <a:schemeClr val="accent2"/>
+          </a:fillRef>
+          <a:effectRef idx="0">
+            <a:schemeClr val="accent2"/>
+          </a:effectRef>
+          <a:fontRef idx="minor">
+            <a:schemeClr val="tx1"/>
+          </a:fontRef>
+        </p:style>
+      </p:cxnSp>
+      <p:cxnSp>
+        <p:nvCxnSpPr>
+          <p:cNvPr id="29" name="직선 연결선 28"/>
+          <p:cNvCxnSpPr/>
+          <p:nvPr/>
+        </p:nvCxnSpPr>
+        <p:spPr>
+          <a:xfrm>
+            <a:off x="5652120" y="4951894"/>
+            <a:ext cx="3096344" cy="0"/>
+          </a:xfrm>
+          <a:prstGeom prst="line">
+            <a:avLst/>
+          </a:prstGeom>
+        </p:spPr>
+        <p:style>
+          <a:lnRef idx="1">
+            <a:schemeClr val="accent2"/>
+          </a:lnRef>
+          <a:fillRef idx="0">
+            <a:schemeClr val="accent2"/>
+          </a:fillRef>
+          <a:effectRef idx="0">
+            <a:schemeClr val="accent2"/>
+          </a:effectRef>
+          <a:fontRef idx="minor">
+            <a:schemeClr val="tx1"/>
+          </a:fontRef>
+        </p:style>
+      </p:cxnSp>
+      <p:sp>
+        <p:nvSpPr>
+          <p:cNvPr id="30" name="TextBox 29"/>
+          <p:cNvSpPr txBox="1"/>
+          <p:nvPr/>
+        </p:nvSpPr>
+        <p:spPr>
+          <a:xfrm>
+            <a:off x="5724128" y="1943582"/>
+            <a:ext cx="747320" cy="369332"/>
+          </a:xfrm>
+          <a:prstGeom prst="rect">
+            <a:avLst/>
+          </a:prstGeom>
+          <a:noFill/>
+        </p:spPr>
+        <p:txBody>
+          <a:bodyPr wrap="none" rtlCol="0">
+            <a:spAutoFit/>
+          </a:bodyPr>
+          <a:lstStyle/>
+          <a:p>
+            <a:r>
+              <a:rPr lang="en-US" altLang="ko-KR" dirty="0" smtClean="0"/>
+              <a:t>Static</a:t>
+            </a:r>
+            <a:endParaRPr lang="ko-KR" altLang="en-US" dirty="0"/>
+          </a:p>
+        </p:txBody>
+      </p:sp>
+      <p:sp>
+        <p:nvSpPr>
+          <p:cNvPr id="31" name="TextBox 30"/>
+          <p:cNvSpPr txBox="1"/>
+          <p:nvPr/>
+        </p:nvSpPr>
+        <p:spPr>
+          <a:xfrm>
+            <a:off x="5724128" y="3250948"/>
+            <a:ext cx="728084" cy="369332"/>
+          </a:xfrm>
+          <a:prstGeom prst="rect">
+            <a:avLst/>
+          </a:prstGeom>
+          <a:noFill/>
+        </p:spPr>
+        <p:txBody>
+          <a:bodyPr wrap="none" rtlCol="0">
+            <a:spAutoFit/>
+          </a:bodyPr>
+          <a:lstStyle/>
+          <a:p>
+            <a:r>
+              <a:rPr lang="en-US" altLang="ko-KR" dirty="0" smtClean="0"/>
+              <a:t>Stack</a:t>
+            </a:r>
+            <a:endParaRPr lang="ko-KR" altLang="en-US" dirty="0"/>
+          </a:p>
+        </p:txBody>
+      </p:sp>
+      <p:sp>
+        <p:nvSpPr>
+          <p:cNvPr id="11" name="TextBox 10"/>
+          <p:cNvSpPr txBox="1"/>
+          <p:nvPr/>
+        </p:nvSpPr>
+        <p:spPr>
+          <a:xfrm>
+            <a:off x="5848347" y="2426214"/>
+            <a:ext cx="1640384" cy="646331"/>
+          </a:xfrm>
+          <a:prstGeom prst="rect">
+            <a:avLst/>
+          </a:prstGeom>
+        </p:spPr>
+        <p:style>
+          <a:lnRef idx="2">
+            <a:schemeClr val="accent6"/>
+          </a:lnRef>
+          <a:fillRef idx="1">
+            <a:schemeClr val="lt1"/>
+          </a:fillRef>
+          <a:effectRef idx="0">
+            <a:schemeClr val="accent6"/>
+          </a:effectRef>
+          <a:fontRef idx="minor">
+            <a:schemeClr val="dk1"/>
+          </a:fontRef>
+        </p:style>
+        <p:txBody>
+          <a:bodyPr wrap="square" rtlCol="0">
+            <a:spAutoFit/>
+          </a:bodyPr>
+          <a:lstStyle/>
+          <a:p>
+            <a:r>
+              <a:rPr lang="en-US" altLang="ko-KR" dirty="0" smtClean="0"/>
+              <a:t>Class </a:t>
+            </a:r>
+            <a:r>
+              <a:rPr lang="ko-KR" altLang="en-US" dirty="0" smtClean="0"/>
+              <a:t>정보</a:t>
+            </a:r>
+            <a:r>
+              <a:rPr lang="en-US" altLang="ko-KR" dirty="0" smtClean="0"/>
+              <a:t>(code)</a:t>
+            </a:r>
+            <a:endParaRPr lang="ko-KR" altLang="en-US" dirty="0"/>
+          </a:p>
+        </p:txBody>
+      </p:sp>
+      <p:sp>
+        <p:nvSpPr>
+          <p:cNvPr id="13" name="TextBox 12"/>
+          <p:cNvSpPr txBox="1"/>
+          <p:nvPr/>
+        </p:nvSpPr>
+        <p:spPr>
+          <a:xfrm>
+            <a:off x="7056683" y="1943582"/>
+            <a:ext cx="1640384" cy="369332"/>
+          </a:xfrm>
+          <a:prstGeom prst="rect">
+            <a:avLst/>
+          </a:prstGeom>
+        </p:spPr>
+        <p:style>
+          <a:lnRef idx="2">
+            <a:schemeClr val="accent6"/>
+          </a:lnRef>
+          <a:fillRef idx="1">
+            <a:schemeClr val="lt1"/>
+          </a:fillRef>
+          <a:effectRef idx="0">
+            <a:schemeClr val="accent6"/>
+          </a:effectRef>
+          <a:fontRef idx="minor">
+            <a:schemeClr val="dk1"/>
+          </a:fontRef>
+        </p:style>
+        <p:txBody>
+          <a:bodyPr wrap="square" rtlCol="0">
+            <a:spAutoFit/>
+          </a:bodyPr>
+          <a:lstStyle/>
+          <a:p>
+            <a:r>
+              <a:rPr lang="en-US" altLang="ko-KR" dirty="0" smtClean="0"/>
+              <a:t>main method</a:t>
+            </a:r>
+            <a:endParaRPr lang="ko-KR" altLang="en-US" dirty="0"/>
+          </a:p>
+        </p:txBody>
+      </p:sp>
+      <p:sp>
+        <p:nvSpPr>
+          <p:cNvPr id="14" name="TextBox 13"/>
+          <p:cNvSpPr txBox="1"/>
+          <p:nvPr/>
+        </p:nvSpPr>
+        <p:spPr>
+          <a:xfrm>
+            <a:off x="7710166" y="2350087"/>
+            <a:ext cx="820192" cy="369332"/>
+          </a:xfrm>
+          <a:prstGeom prst="rect">
+            <a:avLst/>
+          </a:prstGeom>
+        </p:spPr>
+        <p:style>
+          <a:lnRef idx="2">
+            <a:schemeClr val="accent6"/>
+          </a:lnRef>
+          <a:fillRef idx="1">
+            <a:schemeClr val="lt1"/>
+          </a:fillRef>
+          <a:effectRef idx="0">
+            <a:schemeClr val="accent6"/>
+          </a:effectRef>
+          <a:fontRef idx="minor">
+            <a:schemeClr val="dk1"/>
+          </a:fontRef>
+        </p:style>
+        <p:txBody>
+          <a:bodyPr wrap="square" rtlCol="0">
+            <a:spAutoFit/>
+          </a:bodyPr>
+          <a:lstStyle/>
+          <a:p>
+            <a:pPr algn="ctr"/>
+            <a:r>
+              <a:rPr lang="en-US" altLang="ko-KR" dirty="0" smtClean="0"/>
+              <a:t>null</a:t>
+            </a:r>
+            <a:endParaRPr lang="ko-KR" altLang="en-US" dirty="0"/>
+          </a:p>
+        </p:txBody>
+      </p:sp>
+      <p:cxnSp>
+        <p:nvCxnSpPr>
+          <p:cNvPr id="15" name="직선 연결선 14"/>
+          <p:cNvCxnSpPr/>
+          <p:nvPr/>
+        </p:nvCxnSpPr>
+        <p:spPr>
+          <a:xfrm>
+            <a:off x="5652120" y="4951894"/>
+            <a:ext cx="3096344" cy="0"/>
+          </a:xfrm>
+          <a:prstGeom prst="line">
+            <a:avLst/>
+          </a:prstGeom>
+        </p:spPr>
+        <p:style>
+          <a:lnRef idx="1">
+            <a:schemeClr val="accent2"/>
+          </a:lnRef>
+          <a:fillRef idx="0">
+            <a:schemeClr val="accent2"/>
+          </a:fillRef>
+          <a:effectRef idx="0">
+            <a:schemeClr val="accent2"/>
+          </a:effectRef>
+          <a:fontRef idx="minor">
+            <a:schemeClr val="tx1"/>
+          </a:fontRef>
+        </p:style>
+      </p:cxnSp>
+      <p:sp>
+        <p:nvSpPr>
+          <p:cNvPr id="24" name="직사각형 23"/>
+          <p:cNvSpPr/>
+          <p:nvPr/>
+        </p:nvSpPr>
+        <p:spPr>
+          <a:xfrm>
+            <a:off x="5848347" y="5418851"/>
+            <a:ext cx="1476164" cy="1080120"/>
+          </a:xfrm>
+          <a:prstGeom prst="rect">
+            <a:avLst/>
+          </a:prstGeom>
+        </p:spPr>
+        <p:style>
+          <a:lnRef idx="2">
+            <a:schemeClr val="accent6">
+              <a:shade val="50000"/>
+            </a:schemeClr>
+          </a:lnRef>
+          <a:fillRef idx="1">
+            <a:schemeClr val="accent6"/>
+          </a:fillRef>
+          <a:effectRef idx="0">
+            <a:schemeClr val="accent6"/>
+          </a:effectRef>
+          <a:fontRef idx="minor">
+            <a:schemeClr val="lt1"/>
+          </a:fontRef>
+        </p:style>
+        <p:txBody>
+          <a:bodyPr rtlCol="0" anchor="ctr"/>
+          <a:lstStyle/>
+          <a:p>
+            <a:pPr algn="ctr"/>
+            <a:r>
+              <a:rPr lang="en-US" altLang="ko-KR" dirty="0" smtClean="0"/>
+              <a:t>new</a:t>
+            </a:r>
+          </a:p>
+          <a:p>
+            <a:pPr algn="ctr"/>
+            <a:r>
+              <a:rPr lang="en-US" altLang="ko-KR" dirty="0" smtClean="0"/>
+              <a:t>Person</a:t>
+            </a:r>
+          </a:p>
+          <a:p>
+            <a:pPr algn="ctr"/>
+            <a:r>
+              <a:rPr lang="en-US" altLang="ko-KR" dirty="0" smtClean="0"/>
+              <a:t>name=“</a:t>
+            </a:r>
+            <a:r>
+              <a:rPr lang="ko-KR" altLang="en-US" dirty="0" smtClean="0"/>
+              <a:t>동희</a:t>
+            </a:r>
+            <a:r>
+              <a:rPr lang="en-US" altLang="ko-KR" dirty="0" smtClean="0"/>
+              <a:t>”</a:t>
+            </a:r>
+          </a:p>
+          <a:p>
+            <a:pPr algn="ctr"/>
+            <a:r>
+              <a:rPr lang="en-US" altLang="ko-KR" dirty="0" smtClean="0"/>
+              <a:t>age=99</a:t>
+            </a:r>
+          </a:p>
+        </p:txBody>
+      </p:sp>
+      <p:sp>
+        <p:nvSpPr>
+          <p:cNvPr id="36" name="직사각형 35"/>
+          <p:cNvSpPr/>
+          <p:nvPr/>
+        </p:nvSpPr>
+        <p:spPr>
+          <a:xfrm>
+            <a:off x="7382180" y="4941148"/>
+            <a:ext cx="2950460" cy="2016244"/>
+          </a:xfrm>
+          <a:prstGeom prst="rect">
+            <a:avLst/>
+          </a:prstGeom>
+        </p:spPr>
+        <p:style>
+          <a:lnRef idx="2">
+            <a:schemeClr val="accent6">
+              <a:shade val="50000"/>
+            </a:schemeClr>
+          </a:lnRef>
+          <a:fillRef idx="1">
+            <a:schemeClr val="accent6"/>
+          </a:fillRef>
+          <a:effectRef idx="0">
+            <a:schemeClr val="accent6"/>
+          </a:effectRef>
+          <a:fontRef idx="minor">
+            <a:schemeClr val="lt1"/>
+          </a:fontRef>
+        </p:style>
+        <p:txBody>
+          <a:bodyPr rtlCol="0" anchor="ctr"/>
+          <a:lstStyle/>
+          <a:p>
+            <a:pPr algn="ctr"/>
+            <a:r>
+              <a:rPr lang="en-US" altLang="ko-KR" dirty="0" smtClean="0"/>
+              <a:t>new</a:t>
+            </a:r>
+          </a:p>
+          <a:p>
+            <a:pPr algn="ctr"/>
+            <a:r>
+              <a:rPr lang="en-US" altLang="ko-KR" dirty="0" err="1" smtClean="0"/>
+              <a:t>PersionManager</a:t>
+            </a:r>
+            <a:endParaRPr lang="en-US" altLang="ko-KR" dirty="0" smtClean="0"/>
+          </a:p>
+          <a:p>
+            <a:pPr algn="ctr"/>
+            <a:endParaRPr lang="en-US" altLang="ko-KR" dirty="0" smtClean="0"/>
+          </a:p>
+        </p:txBody>
+      </p:sp>
+      <p:pic>
+        <p:nvPicPr>
+          <p:cNvPr id="37" name="Picture 2" descr="C:\Users\Administrator\AppData\Local\Microsoft\Windows\Temporary Internet Files\Content.IE5\0LFUVII4\box-308680_960_720[1].png"/>
+          <p:cNvPicPr>
+            <a:picLocks noChangeAspect="1" noChangeArrowheads="1"/>
+          </p:cNvPicPr>
+          <p:nvPr/>
+        </p:nvPicPr>
+        <p:blipFill>
+          <a:blip r:embed="rId2" cstate="print">
+            <a:extLst>
+              <a:ext uri="{28A0092B-C50C-407E-A947-70E740481C1C}">
+                <a14:useLocalDpi xmlns:a14="http://schemas.microsoft.com/office/drawing/2010/main" val="0"/>
+              </a:ext>
+            </a:extLst>
+          </a:blip>
+          <a:srcRect/>
+          <a:stretch>
+            <a:fillRect/>
+          </a:stretch>
+        </p:blipFill>
+        <p:spPr bwMode="auto">
+          <a:xfrm>
+            <a:off x="7298342" y="6237312"/>
+            <a:ext cx="970486" cy="817251"/>
+          </a:xfrm>
+          <a:prstGeom prst="rect">
+            <a:avLst/>
+          </a:prstGeom>
+          <a:noFill/>
+          <a:extLst>
+            <a:ext uri="{909E8E84-426E-40DD-AFC4-6F175D3DCCD1}">
+              <a14:hiddenFill xmlns:a14="http://schemas.microsoft.com/office/drawing/2010/main">
+                <a:solidFill>
+                  <a:srgbClr val="FFFFFF"/>
+                </a:solidFill>
+              </a14:hiddenFill>
+            </a:ext>
+          </a:extLst>
+        </p:spPr>
+      </p:pic>
+      <p:sp>
+        <p:nvSpPr>
+          <p:cNvPr id="38" name="TextBox 37"/>
+          <p:cNvSpPr txBox="1"/>
+          <p:nvPr/>
+        </p:nvSpPr>
+        <p:spPr>
+          <a:xfrm>
+            <a:off x="8689377" y="7038684"/>
+            <a:ext cx="1046825" cy="369332"/>
+          </a:xfrm>
+          <a:prstGeom prst="rect">
+            <a:avLst/>
+          </a:prstGeom>
+          <a:noFill/>
+        </p:spPr>
+        <p:txBody>
+          <a:bodyPr wrap="none" rtlCol="0">
+            <a:spAutoFit/>
+          </a:bodyPr>
+          <a:lstStyle/>
+          <a:p>
+            <a:r>
+              <a:rPr lang="en-US" altLang="ko-KR" b="1" dirty="0" smtClean="0">
+                <a:ln w="17780" cmpd="sng">
+                  <a:noFill/>
+                  <a:prstDash val="solid"/>
+                  <a:miter lim="800000"/>
+                </a:ln>
+                <a:gradFill rotWithShape="1">
+                  <a:gsLst>
+                    <a:gs pos="0">
+                      <a:srgbClr val="000000">
+                        <a:tint val="92000"/>
+                        <a:shade val="100000"/>
+                        <a:satMod val="150000"/>
+                      </a:srgbClr>
+                    </a:gs>
+                    <a:gs pos="49000">
+                      <a:srgbClr val="000000">
+                        <a:tint val="89000"/>
+                        <a:shade val="90000"/>
+                        <a:satMod val="150000"/>
+                      </a:srgbClr>
+                    </a:gs>
+                    <a:gs pos="50000">
+                      <a:srgbClr val="000000">
+                        <a:tint val="100000"/>
+                        <a:shade val="75000"/>
+                        <a:satMod val="150000"/>
+                      </a:srgbClr>
+                    </a:gs>
+                    <a:gs pos="95000">
+                      <a:srgbClr val="000000">
+                        <a:shade val="47000"/>
+                        <a:satMod val="150000"/>
+                      </a:srgbClr>
+                    </a:gs>
+                    <a:gs pos="100000">
+                      <a:srgbClr val="000000">
+                        <a:shade val="39000"/>
+                        <a:satMod val="150000"/>
+                      </a:srgbClr>
+                    </a:gs>
+                  </a:gsLst>
+                  <a:lin ang="5400000"/>
+                </a:gradFill>
+                <a:effectLst>
+                  <a:outerShdw blurRad="50800" algn="tl" rotWithShape="0">
+                    <a:srgbClr val="000000"/>
+                  </a:outerShdw>
+                </a:effectLst>
+              </a:rPr>
+              <a:t>persons</a:t>
+            </a:r>
+            <a:endParaRPr lang="ko-KR" altLang="en-US" b="1" dirty="0">
+              <a:ln w="17780" cmpd="sng">
+                <a:noFill/>
+                <a:prstDash val="solid"/>
+                <a:miter lim="800000"/>
+              </a:ln>
+              <a:gradFill rotWithShape="1">
+                <a:gsLst>
+                  <a:gs pos="0">
+                    <a:srgbClr val="000000">
+                      <a:tint val="92000"/>
+                      <a:shade val="100000"/>
+                      <a:satMod val="150000"/>
+                    </a:srgbClr>
+                  </a:gs>
+                  <a:gs pos="49000">
+                    <a:srgbClr val="000000">
+                      <a:tint val="89000"/>
+                      <a:shade val="90000"/>
+                      <a:satMod val="150000"/>
+                    </a:srgbClr>
+                  </a:gs>
+                  <a:gs pos="50000">
+                    <a:srgbClr val="000000">
+                      <a:tint val="100000"/>
+                      <a:shade val="75000"/>
+                      <a:satMod val="150000"/>
+                    </a:srgbClr>
+                  </a:gs>
+                  <a:gs pos="95000">
+                    <a:srgbClr val="000000">
+                      <a:shade val="47000"/>
+                      <a:satMod val="150000"/>
+                    </a:srgbClr>
+                  </a:gs>
+                  <a:gs pos="100000">
+                    <a:srgbClr val="000000">
+                      <a:shade val="39000"/>
+                      <a:satMod val="150000"/>
+                    </a:srgbClr>
+                  </a:gs>
+                </a:gsLst>
+                <a:lin ang="5400000"/>
+              </a:gradFill>
+              <a:effectLst>
+                <a:outerShdw blurRad="50800" algn="tl" rotWithShape="0">
+                  <a:srgbClr val="000000"/>
+                </a:outerShdw>
+              </a:effectLst>
+            </a:endParaRPr>
+          </a:p>
+        </p:txBody>
+      </p:sp>
+      <p:pic>
+        <p:nvPicPr>
+          <p:cNvPr id="39" name="Picture 2" descr="C:\Users\Administrator\AppData\Local\Microsoft\Windows\Temporary Internet Files\Content.IE5\0LFUVII4\box-308680_960_720[1].png"/>
+          <p:cNvPicPr>
+            <a:picLocks noChangeAspect="1" noChangeArrowheads="1"/>
+          </p:cNvPicPr>
+          <p:nvPr/>
+        </p:nvPicPr>
+        <p:blipFill>
+          <a:blip r:embed="rId2" cstate="print">
+            <a:extLst>
+              <a:ext uri="{28A0092B-C50C-407E-A947-70E740481C1C}">
+                <a14:useLocalDpi xmlns:a14="http://schemas.microsoft.com/office/drawing/2010/main" val="0"/>
+              </a:ext>
+            </a:extLst>
+          </a:blip>
+          <a:srcRect/>
+          <a:stretch>
+            <a:fillRect/>
+          </a:stretch>
+        </p:blipFill>
+        <p:spPr bwMode="auto">
+          <a:xfrm>
+            <a:off x="7818088" y="6237312"/>
+            <a:ext cx="970486" cy="817251"/>
+          </a:xfrm>
+          <a:prstGeom prst="rect">
+            <a:avLst/>
+          </a:prstGeom>
+          <a:noFill/>
+          <a:extLst>
+            <a:ext uri="{909E8E84-426E-40DD-AFC4-6F175D3DCCD1}">
+              <a14:hiddenFill xmlns:a14="http://schemas.microsoft.com/office/drawing/2010/main">
+                <a:solidFill>
+                  <a:srgbClr val="FFFFFF"/>
+                </a:solidFill>
+              </a14:hiddenFill>
+            </a:ext>
+          </a:extLst>
+        </p:spPr>
+      </p:pic>
+      <p:pic>
+        <p:nvPicPr>
+          <p:cNvPr id="40" name="Picture 2" descr="C:\Users\Administrator\AppData\Local\Microsoft\Windows\Temporary Internet Files\Content.IE5\0LFUVII4\box-308680_960_720[1].png"/>
+          <p:cNvPicPr>
+            <a:picLocks noChangeAspect="1" noChangeArrowheads="1"/>
+          </p:cNvPicPr>
+          <p:nvPr/>
+        </p:nvPicPr>
+        <p:blipFill>
+          <a:blip r:embed="rId2" cstate="print">
+            <a:extLst>
+              <a:ext uri="{28A0092B-C50C-407E-A947-70E740481C1C}">
+                <a14:useLocalDpi xmlns:a14="http://schemas.microsoft.com/office/drawing/2010/main" val="0"/>
+              </a:ext>
+            </a:extLst>
+          </a:blip>
+          <a:srcRect/>
+          <a:stretch>
+            <a:fillRect/>
+          </a:stretch>
+        </p:blipFill>
+        <p:spPr bwMode="auto">
+          <a:xfrm>
+            <a:off x="8475776" y="6237312"/>
+            <a:ext cx="970486" cy="817251"/>
+          </a:xfrm>
+          <a:prstGeom prst="rect">
+            <a:avLst/>
+          </a:prstGeom>
+          <a:noFill/>
+          <a:extLst>
+            <a:ext uri="{909E8E84-426E-40DD-AFC4-6F175D3DCCD1}">
+              <a14:hiddenFill xmlns:a14="http://schemas.microsoft.com/office/drawing/2010/main">
+                <a:solidFill>
+                  <a:srgbClr val="FFFFFF"/>
+                </a:solidFill>
+              </a14:hiddenFill>
+            </a:ext>
+          </a:extLst>
+        </p:spPr>
+      </p:pic>
+      <p:pic>
+        <p:nvPicPr>
+          <p:cNvPr id="41" name="Picture 2" descr="C:\Users\Administrator\AppData\Local\Microsoft\Windows\Temporary Internet Files\Content.IE5\0LFUVII4\box-308680_960_720[1].png"/>
+          <p:cNvPicPr>
+            <a:picLocks noChangeAspect="1" noChangeArrowheads="1"/>
+          </p:cNvPicPr>
+          <p:nvPr/>
+        </p:nvPicPr>
+        <p:blipFill>
+          <a:blip r:embed="rId2" cstate="print">
+            <a:extLst>
+              <a:ext uri="{28A0092B-C50C-407E-A947-70E740481C1C}">
+                <a14:useLocalDpi xmlns:a14="http://schemas.microsoft.com/office/drawing/2010/main" val="0"/>
+              </a:ext>
+            </a:extLst>
+          </a:blip>
+          <a:srcRect/>
+          <a:stretch>
+            <a:fillRect/>
+          </a:stretch>
+        </p:blipFill>
+        <p:spPr bwMode="auto">
+          <a:xfrm>
+            <a:off x="9166024" y="6237312"/>
+            <a:ext cx="970486" cy="817251"/>
+          </a:xfrm>
+          <a:prstGeom prst="rect">
+            <a:avLst/>
+          </a:prstGeom>
+          <a:noFill/>
+          <a:extLst>
+            <a:ext uri="{909E8E84-426E-40DD-AFC4-6F175D3DCCD1}">
+              <a14:hiddenFill xmlns:a14="http://schemas.microsoft.com/office/drawing/2010/main">
+                <a:solidFill>
+                  <a:srgbClr val="FFFFFF"/>
+                </a:solidFill>
+              </a14:hiddenFill>
+            </a:ext>
+          </a:extLst>
+        </p:spPr>
+      </p:pic>
+      <p:pic>
+        <p:nvPicPr>
+          <p:cNvPr id="42" name="Picture 2" descr="C:\Users\Administrator\AppData\Local\Microsoft\Windows\Temporary Internet Files\Content.IE5\0LFUVII4\box-308680_960_720[1].png"/>
+          <p:cNvPicPr>
+            <a:picLocks noChangeAspect="1" noChangeArrowheads="1"/>
+          </p:cNvPicPr>
+          <p:nvPr/>
+        </p:nvPicPr>
+        <p:blipFill>
+          <a:blip r:embed="rId2" cstate="print">
+            <a:extLst>
+              <a:ext uri="{28A0092B-C50C-407E-A947-70E740481C1C}">
+                <a14:useLocalDpi xmlns:a14="http://schemas.microsoft.com/office/drawing/2010/main" val="0"/>
+              </a:ext>
+            </a:extLst>
+          </a:blip>
+          <a:srcRect/>
+          <a:stretch>
+            <a:fillRect/>
+          </a:stretch>
+        </p:blipFill>
+        <p:spPr bwMode="auto">
+          <a:xfrm>
+            <a:off x="9834312" y="6237312"/>
+            <a:ext cx="970486" cy="817251"/>
+          </a:xfrm>
+          <a:prstGeom prst="rect">
+            <a:avLst/>
+          </a:prstGeom>
+          <a:noFill/>
+          <a:extLst>
+            <a:ext uri="{909E8E84-426E-40DD-AFC4-6F175D3DCCD1}">
+              <a14:hiddenFill xmlns:a14="http://schemas.microsoft.com/office/drawing/2010/main">
+                <a:solidFill>
+                  <a:srgbClr val="FFFFFF"/>
+                </a:solidFill>
+              </a14:hiddenFill>
+            </a:ext>
+          </a:extLst>
+        </p:spPr>
+      </p:pic>
+      <p:sp>
+        <p:nvSpPr>
+          <p:cNvPr id="43" name="TextBox 42"/>
+          <p:cNvSpPr txBox="1"/>
+          <p:nvPr/>
+        </p:nvSpPr>
+        <p:spPr>
+          <a:xfrm>
+            <a:off x="7555831" y="6684673"/>
+            <a:ext cx="324128" cy="369332"/>
+          </a:xfrm>
+          <a:prstGeom prst="rect">
+            <a:avLst/>
+          </a:prstGeom>
+          <a:noFill/>
+        </p:spPr>
+        <p:txBody>
+          <a:bodyPr wrap="none" rtlCol="0">
+            <a:spAutoFit/>
+            <a:scene3d>
+              <a:camera prst="orthographicFront"/>
+              <a:lightRig rig="soft" dir="tl">
+                <a:rot lat="0" lon="0" rev="0"/>
+              </a:lightRig>
+            </a:scene3d>
+            <a:sp3d contourW="25400" prstMaterial="matte">
+              <a:bevelT w="25400" h="55880" prst="artDeco"/>
+              <a:contourClr>
+                <a:schemeClr val="accent2">
+                  <a:tint val="20000"/>
+                </a:schemeClr>
+              </a:contourClr>
+            </a:sp3d>
+          </a:bodyPr>
+          <a:lstStyle/>
+          <a:p>
+            <a:pPr algn="ctr"/>
+            <a:r>
+              <a:rPr lang="en-US" altLang="ko-KR" b="1" spc="50" dirty="0">
+                <a:ln w="11430"/>
+                <a:gradFill>
+                  <a:gsLst>
+                    <a:gs pos="25000">
+                      <a:schemeClr val="accent2">
+                        <a:satMod val="155000"/>
+                      </a:schemeClr>
+                    </a:gs>
+                    <a:gs pos="100000">
+                      <a:schemeClr val="accent2">
+                        <a:shade val="45000"/>
+                        <a:satMod val="165000"/>
+                      </a:schemeClr>
+                    </a:gs>
+                  </a:gsLst>
+                  <a:lin ang="5400000"/>
+                </a:gradFill>
+                <a:effectLst>
+                  <a:outerShdw blurRad="76200" dist="50800" dir="5400000" algn="tl" rotWithShape="0">
+                    <a:srgbClr val="000000">
+                      <a:alpha val="65000"/>
+                    </a:srgbClr>
+                  </a:outerShdw>
+                </a:effectLst>
+              </a:rPr>
+              <a:t>0</a:t>
+            </a:r>
+            <a:endParaRPr lang="ko-KR" altLang="en-US" b="1" spc="50" dirty="0">
+              <a:ln w="11430"/>
+              <a:gradFill>
+                <a:gsLst>
+                  <a:gs pos="25000">
+                    <a:schemeClr val="accent2">
+                      <a:satMod val="155000"/>
+                    </a:schemeClr>
+                  </a:gs>
+                  <a:gs pos="100000">
+                    <a:schemeClr val="accent2">
+                      <a:shade val="45000"/>
+                      <a:satMod val="165000"/>
+                    </a:schemeClr>
+                  </a:gs>
+                </a:gsLst>
+                <a:lin ang="5400000"/>
+              </a:gradFill>
+              <a:effectLst>
+                <a:outerShdw blurRad="76200" dist="50800" dir="5400000" algn="tl" rotWithShape="0">
+                  <a:srgbClr val="000000">
+                    <a:alpha val="65000"/>
+                  </a:srgbClr>
+                </a:outerShdw>
+              </a:effectLst>
+            </a:endParaRPr>
+          </a:p>
+        </p:txBody>
+      </p:sp>
+      <p:sp>
+        <p:nvSpPr>
+          <p:cNvPr id="44" name="TextBox 43"/>
+          <p:cNvSpPr txBox="1"/>
+          <p:nvPr/>
+        </p:nvSpPr>
+        <p:spPr>
+          <a:xfrm>
+            <a:off x="8141267" y="6684673"/>
+            <a:ext cx="324128" cy="369332"/>
+          </a:xfrm>
+          <a:prstGeom prst="rect">
+            <a:avLst/>
+          </a:prstGeom>
+          <a:noFill/>
+        </p:spPr>
+        <p:txBody>
+          <a:bodyPr wrap="none" rtlCol="0">
+            <a:spAutoFit/>
+            <a:scene3d>
+              <a:camera prst="orthographicFront"/>
+              <a:lightRig rig="soft" dir="tl">
+                <a:rot lat="0" lon="0" rev="0"/>
+              </a:lightRig>
+            </a:scene3d>
+            <a:sp3d contourW="25400" prstMaterial="matte">
+              <a:bevelT w="25400" h="55880" prst="artDeco"/>
+              <a:contourClr>
+                <a:schemeClr val="accent2">
+                  <a:tint val="20000"/>
+                </a:schemeClr>
+              </a:contourClr>
+            </a:sp3d>
+          </a:bodyPr>
+          <a:lstStyle/>
+          <a:p>
+            <a:pPr algn="ctr"/>
+            <a:r>
+              <a:rPr lang="en-US" altLang="ko-KR" b="1" spc="50" dirty="0">
+                <a:ln w="11430"/>
+                <a:gradFill>
+                  <a:gsLst>
+                    <a:gs pos="25000">
+                      <a:schemeClr val="accent2">
+                        <a:satMod val="155000"/>
+                      </a:schemeClr>
+                    </a:gs>
+                    <a:gs pos="100000">
+                      <a:schemeClr val="accent2">
+                        <a:shade val="45000"/>
+                        <a:satMod val="165000"/>
+                      </a:schemeClr>
+                    </a:gs>
+                  </a:gsLst>
+                  <a:lin ang="5400000"/>
+                </a:gradFill>
+                <a:effectLst>
+                  <a:outerShdw blurRad="76200" dist="50800" dir="5400000" algn="tl" rotWithShape="0">
+                    <a:srgbClr val="000000">
+                      <a:alpha val="65000"/>
+                    </a:srgbClr>
+                  </a:outerShdw>
+                </a:effectLst>
+              </a:rPr>
+              <a:t>1</a:t>
+            </a:r>
+            <a:endParaRPr lang="ko-KR" altLang="en-US" b="1" spc="50" dirty="0">
+              <a:ln w="11430"/>
+              <a:gradFill>
+                <a:gsLst>
+                  <a:gs pos="25000">
+                    <a:schemeClr val="accent2">
+                      <a:satMod val="155000"/>
+                    </a:schemeClr>
+                  </a:gs>
+                  <a:gs pos="100000">
+                    <a:schemeClr val="accent2">
+                      <a:shade val="45000"/>
+                      <a:satMod val="165000"/>
+                    </a:schemeClr>
+                  </a:gs>
+                </a:gsLst>
+                <a:lin ang="5400000"/>
+              </a:gradFill>
+              <a:effectLst>
+                <a:outerShdw blurRad="76200" dist="50800" dir="5400000" algn="tl" rotWithShape="0">
+                  <a:srgbClr val="000000">
+                    <a:alpha val="65000"/>
+                  </a:srgbClr>
+                </a:outerShdw>
+              </a:effectLst>
+            </a:endParaRPr>
+          </a:p>
+        </p:txBody>
+      </p:sp>
+      <p:sp>
+        <p:nvSpPr>
+          <p:cNvPr id="45" name="TextBox 44"/>
+          <p:cNvSpPr txBox="1"/>
+          <p:nvPr/>
+        </p:nvSpPr>
+        <p:spPr>
+          <a:xfrm>
+            <a:off x="8798955" y="6684673"/>
+            <a:ext cx="324128" cy="369332"/>
+          </a:xfrm>
+          <a:prstGeom prst="rect">
+            <a:avLst/>
+          </a:prstGeom>
+          <a:noFill/>
+        </p:spPr>
+        <p:txBody>
+          <a:bodyPr wrap="none" rtlCol="0">
+            <a:spAutoFit/>
+            <a:scene3d>
+              <a:camera prst="orthographicFront"/>
+              <a:lightRig rig="soft" dir="tl">
+                <a:rot lat="0" lon="0" rev="0"/>
+              </a:lightRig>
+            </a:scene3d>
+            <a:sp3d contourW="25400" prstMaterial="matte">
+              <a:bevelT w="25400" h="55880" prst="artDeco"/>
+              <a:contourClr>
+                <a:schemeClr val="accent2">
+                  <a:tint val="20000"/>
+                </a:schemeClr>
+              </a:contourClr>
+            </a:sp3d>
+          </a:bodyPr>
+          <a:lstStyle/>
+          <a:p>
+            <a:pPr algn="ctr"/>
+            <a:r>
+              <a:rPr lang="en-US" altLang="ko-KR" b="1" spc="50" dirty="0" smtClean="0">
+                <a:ln w="11430"/>
+                <a:gradFill>
+                  <a:gsLst>
+                    <a:gs pos="25000">
+                      <a:schemeClr val="accent2">
+                        <a:satMod val="155000"/>
+                      </a:schemeClr>
+                    </a:gs>
+                    <a:gs pos="100000">
+                      <a:schemeClr val="accent2">
+                        <a:shade val="45000"/>
+                        <a:satMod val="165000"/>
+                      </a:schemeClr>
+                    </a:gs>
+                  </a:gsLst>
+                  <a:lin ang="5400000"/>
+                </a:gradFill>
+                <a:effectLst>
+                  <a:outerShdw blurRad="76200" dist="50800" dir="5400000" algn="tl" rotWithShape="0">
+                    <a:srgbClr val="000000">
+                      <a:alpha val="65000"/>
+                    </a:srgbClr>
+                  </a:outerShdw>
+                </a:effectLst>
+              </a:rPr>
+              <a:t>2</a:t>
+            </a:r>
+            <a:endParaRPr lang="ko-KR" altLang="en-US" b="1" spc="50" dirty="0">
+              <a:ln w="11430"/>
+              <a:gradFill>
+                <a:gsLst>
+                  <a:gs pos="25000">
+                    <a:schemeClr val="accent2">
+                      <a:satMod val="155000"/>
+                    </a:schemeClr>
+                  </a:gs>
+                  <a:gs pos="100000">
+                    <a:schemeClr val="accent2">
+                      <a:shade val="45000"/>
+                      <a:satMod val="165000"/>
+                    </a:schemeClr>
+                  </a:gs>
+                </a:gsLst>
+                <a:lin ang="5400000"/>
+              </a:gradFill>
+              <a:effectLst>
+                <a:outerShdw blurRad="76200" dist="50800" dir="5400000" algn="tl" rotWithShape="0">
+                  <a:srgbClr val="000000">
+                    <a:alpha val="65000"/>
+                  </a:srgbClr>
+                </a:outerShdw>
+              </a:effectLst>
+            </a:endParaRPr>
+          </a:p>
+        </p:txBody>
+      </p:sp>
+      <p:sp>
+        <p:nvSpPr>
+          <p:cNvPr id="46" name="TextBox 45"/>
+          <p:cNvSpPr txBox="1"/>
+          <p:nvPr/>
+        </p:nvSpPr>
+        <p:spPr>
+          <a:xfrm>
+            <a:off x="9489203" y="6684673"/>
+            <a:ext cx="324128" cy="369332"/>
+          </a:xfrm>
+          <a:prstGeom prst="rect">
+            <a:avLst/>
+          </a:prstGeom>
+          <a:noFill/>
+        </p:spPr>
+        <p:txBody>
+          <a:bodyPr wrap="none" rtlCol="0">
+            <a:spAutoFit/>
+            <a:scene3d>
+              <a:camera prst="orthographicFront"/>
+              <a:lightRig rig="soft" dir="tl">
+                <a:rot lat="0" lon="0" rev="0"/>
+              </a:lightRig>
+            </a:scene3d>
+            <a:sp3d contourW="25400" prstMaterial="matte">
+              <a:bevelT w="25400" h="55880" prst="artDeco"/>
+              <a:contourClr>
+                <a:schemeClr val="accent2">
+                  <a:tint val="20000"/>
+                </a:schemeClr>
+              </a:contourClr>
+            </a:sp3d>
+          </a:bodyPr>
+          <a:lstStyle/>
+          <a:p>
+            <a:pPr algn="ctr"/>
+            <a:r>
+              <a:rPr lang="en-US" altLang="ko-KR" b="1" spc="50" dirty="0" smtClean="0">
+                <a:ln w="11430"/>
+                <a:gradFill>
+                  <a:gsLst>
+                    <a:gs pos="25000">
+                      <a:schemeClr val="accent2">
+                        <a:satMod val="155000"/>
+                      </a:schemeClr>
+                    </a:gs>
+                    <a:gs pos="100000">
+                      <a:schemeClr val="accent2">
+                        <a:shade val="45000"/>
+                        <a:satMod val="165000"/>
+                      </a:schemeClr>
+                    </a:gs>
+                  </a:gsLst>
+                  <a:lin ang="5400000"/>
+                </a:gradFill>
+                <a:effectLst>
+                  <a:outerShdw blurRad="76200" dist="50800" dir="5400000" algn="tl" rotWithShape="0">
+                    <a:srgbClr val="000000">
+                      <a:alpha val="65000"/>
+                    </a:srgbClr>
+                  </a:outerShdw>
+                </a:effectLst>
+              </a:rPr>
+              <a:t>3</a:t>
+            </a:r>
+            <a:endParaRPr lang="ko-KR" altLang="en-US" b="1" spc="50" dirty="0">
+              <a:ln w="11430"/>
+              <a:gradFill>
+                <a:gsLst>
+                  <a:gs pos="25000">
+                    <a:schemeClr val="accent2">
+                      <a:satMod val="155000"/>
+                    </a:schemeClr>
+                  </a:gs>
+                  <a:gs pos="100000">
+                    <a:schemeClr val="accent2">
+                      <a:shade val="45000"/>
+                      <a:satMod val="165000"/>
+                    </a:schemeClr>
+                  </a:gs>
+                </a:gsLst>
+                <a:lin ang="5400000"/>
+              </a:gradFill>
+              <a:effectLst>
+                <a:outerShdw blurRad="76200" dist="50800" dir="5400000" algn="tl" rotWithShape="0">
+                  <a:srgbClr val="000000">
+                    <a:alpha val="65000"/>
+                  </a:srgbClr>
+                </a:outerShdw>
+              </a:effectLst>
+            </a:endParaRPr>
+          </a:p>
+        </p:txBody>
+      </p:sp>
+      <p:sp>
+        <p:nvSpPr>
+          <p:cNvPr id="47" name="TextBox 46"/>
+          <p:cNvSpPr txBox="1"/>
+          <p:nvPr/>
+        </p:nvSpPr>
+        <p:spPr>
+          <a:xfrm>
+            <a:off x="10157491" y="6684673"/>
+            <a:ext cx="324128" cy="369332"/>
+          </a:xfrm>
+          <a:prstGeom prst="rect">
+            <a:avLst/>
+          </a:prstGeom>
+          <a:noFill/>
+        </p:spPr>
+        <p:txBody>
+          <a:bodyPr wrap="none" rtlCol="0">
+            <a:spAutoFit/>
+            <a:scene3d>
+              <a:camera prst="orthographicFront"/>
+              <a:lightRig rig="soft" dir="tl">
+                <a:rot lat="0" lon="0" rev="0"/>
+              </a:lightRig>
+            </a:scene3d>
+            <a:sp3d contourW="25400" prstMaterial="matte">
+              <a:bevelT w="25400" h="55880" prst="artDeco"/>
+              <a:contourClr>
+                <a:schemeClr val="accent2">
+                  <a:tint val="20000"/>
+                </a:schemeClr>
+              </a:contourClr>
+            </a:sp3d>
+          </a:bodyPr>
+          <a:lstStyle/>
+          <a:p>
+            <a:pPr algn="ctr"/>
+            <a:r>
+              <a:rPr lang="en-US" altLang="ko-KR" b="1" spc="50" dirty="0" smtClean="0">
+                <a:ln w="11430"/>
+                <a:gradFill>
+                  <a:gsLst>
+                    <a:gs pos="25000">
+                      <a:schemeClr val="accent2">
+                        <a:satMod val="155000"/>
+                      </a:schemeClr>
+                    </a:gs>
+                    <a:gs pos="100000">
+                      <a:schemeClr val="accent2">
+                        <a:shade val="45000"/>
+                        <a:satMod val="165000"/>
+                      </a:schemeClr>
+                    </a:gs>
+                  </a:gsLst>
+                  <a:lin ang="5400000"/>
+                </a:gradFill>
+                <a:effectLst>
+                  <a:outerShdw blurRad="76200" dist="50800" dir="5400000" algn="tl" rotWithShape="0">
+                    <a:srgbClr val="000000">
+                      <a:alpha val="65000"/>
+                    </a:srgbClr>
+                  </a:outerShdw>
+                </a:effectLst>
+              </a:rPr>
+              <a:t>4</a:t>
+            </a:r>
+            <a:endParaRPr lang="ko-KR" altLang="en-US" b="1" spc="50" dirty="0">
+              <a:ln w="11430"/>
+              <a:gradFill>
+                <a:gsLst>
+                  <a:gs pos="25000">
+                    <a:schemeClr val="accent2">
+                      <a:satMod val="155000"/>
+                    </a:schemeClr>
+                  </a:gs>
+                  <a:gs pos="100000">
+                    <a:schemeClr val="accent2">
+                      <a:shade val="45000"/>
+                      <a:satMod val="165000"/>
+                    </a:schemeClr>
+                  </a:gs>
+                </a:gsLst>
+                <a:lin ang="5400000"/>
+              </a:gradFill>
+              <a:effectLst>
+                <a:outerShdw blurRad="76200" dist="50800" dir="5400000" algn="tl" rotWithShape="0">
+                  <a:srgbClr val="000000">
+                    <a:alpha val="65000"/>
+                  </a:srgbClr>
+                </a:outerShdw>
+              </a:effectLst>
+            </a:endParaRPr>
+          </a:p>
+        </p:txBody>
+      </p:sp>
+      <p:sp>
+        <p:nvSpPr>
+          <p:cNvPr id="53" name="직사각형 52"/>
+          <p:cNvSpPr/>
+          <p:nvPr/>
+        </p:nvSpPr>
+        <p:spPr>
+          <a:xfrm>
+            <a:off x="7382180" y="6193659"/>
+            <a:ext cx="630225" cy="473943"/>
+          </a:xfrm>
+          <a:prstGeom prst="rect">
+            <a:avLst/>
+          </a:prstGeom>
+        </p:spPr>
+        <p:style>
+          <a:lnRef idx="3">
+            <a:schemeClr val="lt1"/>
+          </a:lnRef>
+          <a:fillRef idx="1">
+            <a:schemeClr val="accent6"/>
+          </a:fillRef>
+          <a:effectRef idx="1">
+            <a:schemeClr val="accent6"/>
+          </a:effectRef>
+          <a:fontRef idx="minor">
+            <a:schemeClr val="lt1"/>
+          </a:fontRef>
+        </p:style>
+        <p:txBody>
+          <a:bodyPr rtlCol="0" anchor="ctr"/>
+          <a:lstStyle/>
+          <a:p>
+            <a:pPr algn="ctr"/>
+            <a:r>
+              <a:rPr lang="en-US" altLang="ko-KR" sz="1400" dirty="0" smtClean="0"/>
+              <a:t>person</a:t>
+            </a:r>
+            <a:endParaRPr lang="ko-KR" altLang="en-US" sz="1400" dirty="0"/>
+          </a:p>
+        </p:txBody>
+      </p:sp>
+      <p:cxnSp>
+        <p:nvCxnSpPr>
+          <p:cNvPr id="54" name="직선 화살표 연결선 53"/>
+          <p:cNvCxnSpPr>
+            <a:stCxn id="53" idx="1"/>
+          </p:cNvCxnSpPr>
+          <p:nvPr/>
+        </p:nvCxnSpPr>
+        <p:spPr>
+          <a:xfrm flipH="1" flipV="1">
+            <a:off x="7125380" y="6309320"/>
+            <a:ext cx="256800" cy="121311"/>
+          </a:xfrm>
+          <a:prstGeom prst="straightConnector1">
+            <a:avLst/>
+          </a:prstGeom>
+          <a:ln w="28575">
+            <a:headEnd type="none" w="med" len="med"/>
+            <a:tailEnd type="triangle" w="med" len="med"/>
+          </a:ln>
+        </p:spPr>
+        <p:style>
+          <a:lnRef idx="1">
+            <a:schemeClr val="accent2"/>
+          </a:lnRef>
+          <a:fillRef idx="0">
+            <a:schemeClr val="accent2"/>
+          </a:fillRef>
+          <a:effectRef idx="0">
+            <a:schemeClr val="accent2"/>
+          </a:effectRef>
+          <a:fontRef idx="minor">
+            <a:schemeClr val="tx1"/>
+          </a:fontRef>
+        </p:style>
+      </p:cxnSp>
+    </p:spTree>
+    <p:extLst>
+      <p:ext uri="{BB962C8B-B14F-4D97-AF65-F5344CB8AC3E}">
+        <p14:creationId xmlns:p14="http://schemas.microsoft.com/office/powerpoint/2010/main" val="778611445"/>
       </p:ext>
     </p:extLst>
   </p:cSld>
@@ -25967,6 +31679,1183 @@
     <p:extLst>
       <p:ext uri="{BB962C8B-B14F-4D97-AF65-F5344CB8AC3E}">
         <p14:creationId xmlns:p14="http://schemas.microsoft.com/office/powerpoint/2010/main" val="2971334198"/>
+      </p:ext>
+    </p:extLst>
+  </p:cSld>
+  <p:clrMapOvr>
+    <a:masterClrMapping/>
+  </p:clrMapOvr>
+</p:sld>
+</file>
+
+<file path=ppt/slides/slide40.xml><?xml version="1.0" encoding="utf-8"?>
+<p:sld xmlns:a="http://schemas.openxmlformats.org/drawingml/2006/main" xmlns:r="http://schemas.openxmlformats.org/officeDocument/2006/relationships" xmlns:p="http://schemas.openxmlformats.org/presentationml/2006/main">
+  <p:cSld>
+    <p:spTree>
+      <p:nvGrpSpPr>
+        <p:cNvPr id="1" name=""/>
+        <p:cNvGrpSpPr/>
+        <p:nvPr/>
+      </p:nvGrpSpPr>
+      <p:grpSpPr>
+        <a:xfrm>
+          <a:off x="0" y="0"/>
+          <a:ext cx="0" cy="0"/>
+          <a:chOff x="0" y="0"/>
+          <a:chExt cx="0" cy="0"/>
+        </a:xfrm>
+      </p:grpSpPr>
+      <p:sp>
+        <p:nvSpPr>
+          <p:cNvPr id="2" name="제목 1"/>
+          <p:cNvSpPr>
+            <a:spLocks noGrp="1"/>
+          </p:cNvSpPr>
+          <p:nvPr>
+            <p:ph type="title"/>
+          </p:nvPr>
+        </p:nvSpPr>
+        <p:spPr/>
+        <p:txBody>
+          <a:bodyPr>
+            <a:normAutofit fontScale="90000"/>
+          </a:bodyPr>
+          <a:lstStyle/>
+          <a:p>
+            <a:r>
+              <a:rPr lang="ko-KR" altLang="en-US" dirty="0" smtClean="0"/>
+              <a:t>객체</a:t>
+            </a:r>
+            <a:r>
+              <a:rPr lang="en-US" altLang="ko-KR" dirty="0" smtClean="0"/>
+              <a:t>(Object) </a:t>
+            </a:r>
+            <a:r>
+              <a:rPr lang="ko-KR" altLang="en-US" dirty="0" smtClean="0"/>
+              <a:t>메모리 구조</a:t>
+            </a:r>
+            <a:r>
+              <a:rPr lang="en-US" altLang="ko-KR" dirty="0" smtClean="0"/>
+              <a:t/>
+            </a:r>
+            <a:br>
+              <a:rPr lang="en-US" altLang="ko-KR" dirty="0" smtClean="0"/>
+            </a:br>
+            <a:r>
+              <a:rPr lang="en-US" altLang="ko-KR" dirty="0" smtClean="0"/>
+              <a:t>PersonGenerator4</a:t>
+            </a:r>
+            <a:br>
+              <a:rPr lang="en-US" altLang="ko-KR" dirty="0" smtClean="0"/>
+            </a:br>
+            <a:r>
+              <a:rPr lang="en-US" altLang="ko-KR" dirty="0" err="1" smtClean="0"/>
+              <a:t>PersonManager</a:t>
+            </a:r>
+            <a:endParaRPr lang="ko-KR" altLang="en-US" dirty="0"/>
+          </a:p>
+        </p:txBody>
+      </p:sp>
+      <p:sp>
+        <p:nvSpPr>
+          <p:cNvPr id="12" name="직사각형 11"/>
+          <p:cNvSpPr/>
+          <p:nvPr/>
+        </p:nvSpPr>
+        <p:spPr>
+          <a:xfrm>
+            <a:off x="107504" y="1818127"/>
+            <a:ext cx="5394414" cy="5632311"/>
+          </a:xfrm>
+          <a:prstGeom prst="rect">
+            <a:avLst/>
+          </a:prstGeom>
+        </p:spPr>
+        <p:txBody>
+          <a:bodyPr wrap="square">
+            <a:spAutoFit/>
+          </a:bodyPr>
+          <a:lstStyle/>
+          <a:p>
+            <a:r>
+              <a:rPr lang="en-US" altLang="ko-KR" b="1" dirty="0">
+                <a:solidFill>
+                  <a:srgbClr val="000080"/>
+                </a:solidFill>
+              </a:rPr>
+              <a:t>public class </a:t>
+            </a:r>
+            <a:r>
+              <a:rPr lang="en-US" altLang="ko-KR" dirty="0"/>
+              <a:t>PersonGenerator4 {</a:t>
+            </a:r>
+            <a:br>
+              <a:rPr lang="en-US" altLang="ko-KR" dirty="0"/>
+            </a:br>
+            <a:r>
+              <a:rPr lang="en-US" altLang="ko-KR" dirty="0"/>
+              <a:t>    </a:t>
+            </a:r>
+            <a:r>
+              <a:rPr lang="en-US" altLang="ko-KR" b="1" dirty="0">
+                <a:solidFill>
+                  <a:srgbClr val="000080"/>
+                </a:solidFill>
+              </a:rPr>
+              <a:t>public static void </a:t>
+            </a:r>
+            <a:r>
+              <a:rPr lang="en-US" altLang="ko-KR" dirty="0"/>
+              <a:t>main(String[] </a:t>
+            </a:r>
+            <a:r>
+              <a:rPr lang="en-US" altLang="ko-KR" dirty="0" err="1"/>
+              <a:t>args</a:t>
+            </a:r>
+            <a:r>
+              <a:rPr lang="en-US" altLang="ko-KR" dirty="0"/>
+              <a:t>) {</a:t>
+            </a:r>
+            <a:br>
+              <a:rPr lang="en-US" altLang="ko-KR" dirty="0"/>
+            </a:br>
+            <a:r>
+              <a:rPr lang="en-US" altLang="ko-KR" dirty="0"/>
+              <a:t/>
+            </a:r>
+            <a:br>
+              <a:rPr lang="en-US" altLang="ko-KR" dirty="0"/>
+            </a:br>
+            <a:r>
+              <a:rPr lang="en-US" altLang="ko-KR" dirty="0"/>
+              <a:t>        </a:t>
+            </a:r>
+            <a:r>
+              <a:rPr lang="en-US" altLang="ko-KR" dirty="0" err="1"/>
+              <a:t>PersonManager</a:t>
+            </a:r>
+            <a:r>
+              <a:rPr lang="en-US" altLang="ko-KR" dirty="0"/>
+              <a:t> </a:t>
+            </a:r>
+            <a:r>
+              <a:rPr lang="en-US" altLang="ko-KR" dirty="0" err="1"/>
+              <a:t>personManager</a:t>
+            </a:r>
+            <a:r>
+              <a:rPr lang="en-US" altLang="ko-KR" dirty="0"/>
+              <a:t> = </a:t>
+            </a:r>
+            <a:r>
+              <a:rPr lang="en-US" altLang="ko-KR" b="1" dirty="0">
+                <a:solidFill>
+                  <a:srgbClr val="000080"/>
+                </a:solidFill>
+              </a:rPr>
+              <a:t>new </a:t>
+            </a:r>
+            <a:r>
+              <a:rPr lang="en-US" altLang="ko-KR" dirty="0" err="1"/>
+              <a:t>PersonManager</a:t>
+            </a:r>
+            <a:r>
+              <a:rPr lang="en-US" altLang="ko-KR" dirty="0" smtClean="0"/>
+              <a:t>();</a:t>
+            </a:r>
+          </a:p>
+          <a:p>
+            <a:endParaRPr lang="en-US" altLang="ko-KR" dirty="0" smtClean="0"/>
+          </a:p>
+          <a:p>
+            <a:r>
+              <a:rPr lang="en-US" altLang="ko-KR" dirty="0"/>
+              <a:t>	</a:t>
+            </a:r>
+            <a:r>
+              <a:rPr lang="en-US" altLang="ko-KR" dirty="0" err="1" smtClean="0"/>
+              <a:t>personManager.initialize</a:t>
+            </a:r>
+            <a:r>
+              <a:rPr lang="en-US" altLang="ko-KR" dirty="0" smtClean="0"/>
+              <a:t>();</a:t>
+            </a:r>
+          </a:p>
+          <a:p>
+            <a:endParaRPr lang="en-US" altLang="ko-KR" dirty="0"/>
+          </a:p>
+          <a:p>
+            <a:pPr lvl="2"/>
+            <a:r>
+              <a:rPr lang="en-US" altLang="ko-KR" dirty="0"/>
+              <a:t>Person </a:t>
+            </a:r>
+            <a:r>
+              <a:rPr lang="en-US" altLang="ko-KR" dirty="0" err="1"/>
+              <a:t>person</a:t>
+            </a:r>
+            <a:r>
+              <a:rPr lang="en-US" altLang="ko-KR" dirty="0"/>
+              <a:t> = </a:t>
+            </a:r>
+            <a:r>
+              <a:rPr lang="en-US" altLang="ko-KR" dirty="0">
+                <a:solidFill>
+                  <a:srgbClr val="000080"/>
+                </a:solidFill>
+              </a:rPr>
+              <a:t>new </a:t>
+            </a:r>
+            <a:r>
+              <a:rPr lang="en-US" altLang="ko-KR" dirty="0"/>
+              <a:t>Person();</a:t>
+            </a:r>
+            <a:br>
+              <a:rPr lang="en-US" altLang="ko-KR" dirty="0"/>
+            </a:br>
+            <a:r>
+              <a:rPr lang="en-US" altLang="ko-KR" dirty="0"/>
+              <a:t>person.</a:t>
+            </a:r>
+            <a:r>
+              <a:rPr lang="en-US" altLang="ko-KR" dirty="0">
+                <a:solidFill>
+                  <a:srgbClr val="660E7A"/>
+                </a:solidFill>
+              </a:rPr>
+              <a:t>name</a:t>
+            </a:r>
+            <a:r>
+              <a:rPr lang="en-US" altLang="ko-KR" dirty="0"/>
+              <a:t>=</a:t>
+            </a:r>
+            <a:r>
+              <a:rPr lang="en-US" altLang="ko-KR" dirty="0">
+                <a:solidFill>
+                  <a:srgbClr val="008000"/>
+                </a:solidFill>
+              </a:rPr>
+              <a:t>"</a:t>
+            </a:r>
+            <a:r>
+              <a:rPr lang="ko-KR" altLang="en-US" dirty="0">
+                <a:solidFill>
+                  <a:srgbClr val="008000"/>
+                </a:solidFill>
+                <a:latin typeface="굴림체"/>
+              </a:rPr>
+              <a:t>동희</a:t>
+            </a:r>
+            <a:r>
+              <a:rPr lang="en-US" altLang="ko-KR" dirty="0">
+                <a:solidFill>
+                  <a:srgbClr val="008000"/>
+                </a:solidFill>
+              </a:rPr>
+              <a:t>"</a:t>
+            </a:r>
+            <a:r>
+              <a:rPr lang="en-US" altLang="ko-KR" dirty="0"/>
+              <a:t>;</a:t>
+            </a:r>
+            <a:br>
+              <a:rPr lang="en-US" altLang="ko-KR" dirty="0"/>
+            </a:br>
+            <a:r>
+              <a:rPr lang="en-US" altLang="ko-KR" dirty="0" err="1"/>
+              <a:t>person.</a:t>
+            </a:r>
+            <a:r>
+              <a:rPr lang="en-US" altLang="ko-KR" dirty="0" err="1">
+                <a:solidFill>
+                  <a:srgbClr val="660E7A"/>
+                </a:solidFill>
+              </a:rPr>
+              <a:t>age</a:t>
+            </a:r>
+            <a:r>
+              <a:rPr lang="en-US" altLang="ko-KR" dirty="0">
+                <a:solidFill>
+                  <a:srgbClr val="660E7A"/>
+                </a:solidFill>
+              </a:rPr>
+              <a:t> </a:t>
+            </a:r>
+            <a:r>
+              <a:rPr lang="en-US" altLang="ko-KR" dirty="0"/>
+              <a:t>= </a:t>
+            </a:r>
+            <a:r>
+              <a:rPr lang="en-US" altLang="ko-KR" dirty="0">
+                <a:solidFill>
+                  <a:srgbClr val="0000FF"/>
+                </a:solidFill>
+              </a:rPr>
+              <a:t>99</a:t>
+            </a:r>
+            <a:r>
+              <a:rPr lang="en-US" altLang="ko-KR" dirty="0" smtClean="0"/>
+              <a:t>;</a:t>
+            </a:r>
+          </a:p>
+          <a:p>
+            <a:pPr lvl="2"/>
+            <a:endParaRPr lang="en-US" altLang="ko-KR" b="1" dirty="0"/>
+          </a:p>
+          <a:p>
+            <a:pPr lvl="2"/>
+            <a:r>
+              <a:rPr lang="en-US" altLang="ko-KR" dirty="0" err="1"/>
+              <a:t>personManager.addPerson</a:t>
+            </a:r>
+            <a:r>
+              <a:rPr lang="en-US" altLang="ko-KR" dirty="0"/>
+              <a:t>(person</a:t>
+            </a:r>
+            <a:r>
+              <a:rPr lang="en-US" altLang="ko-KR" dirty="0" smtClean="0"/>
+              <a:t>);</a:t>
+            </a:r>
+          </a:p>
+          <a:p>
+            <a:pPr lvl="2"/>
+            <a:endParaRPr lang="en-US" altLang="ko-KR" dirty="0"/>
+          </a:p>
+          <a:p>
+            <a:pPr lvl="2"/>
+            <a:r>
+              <a:rPr lang="en-US" altLang="ko-KR" b="1" dirty="0" err="1"/>
+              <a:t>personManager.printPersons</a:t>
+            </a:r>
+            <a:r>
+              <a:rPr lang="en-US" altLang="ko-KR" b="1" dirty="0"/>
+              <a:t>();</a:t>
+            </a:r>
+            <a:endParaRPr lang="en-US" altLang="ko-KR" b="1" dirty="0" smtClean="0"/>
+          </a:p>
+          <a:p>
+            <a:r>
+              <a:rPr lang="en-US" altLang="ko-KR" b="1" dirty="0"/>
+              <a:t/>
+            </a:r>
+            <a:br>
+              <a:rPr lang="en-US" altLang="ko-KR" b="1" dirty="0"/>
+            </a:br>
+            <a:r>
+              <a:rPr lang="en-US" altLang="ko-KR" dirty="0"/>
+              <a:t/>
+            </a:r>
+            <a:br>
+              <a:rPr lang="en-US" altLang="ko-KR" dirty="0"/>
+            </a:br>
+            <a:r>
+              <a:rPr lang="en-US" altLang="ko-KR" dirty="0"/>
+              <a:t>    }</a:t>
+            </a:r>
+            <a:br>
+              <a:rPr lang="en-US" altLang="ko-KR" dirty="0"/>
+            </a:br>
+            <a:r>
+              <a:rPr lang="en-US" altLang="ko-KR" dirty="0"/>
+              <a:t>}</a:t>
+            </a:r>
+            <a:br>
+              <a:rPr lang="en-US" altLang="ko-KR" dirty="0"/>
+            </a:br>
+            <a:endParaRPr lang="ko-KR" altLang="en-US" dirty="0"/>
+          </a:p>
+        </p:txBody>
+      </p:sp>
+      <p:sp>
+        <p:nvSpPr>
+          <p:cNvPr id="26" name="직사각형 25"/>
+          <p:cNvSpPr/>
+          <p:nvPr/>
+        </p:nvSpPr>
+        <p:spPr>
+          <a:xfrm>
+            <a:off x="5652120" y="1878524"/>
+            <a:ext cx="3960440" cy="4680520"/>
+          </a:xfrm>
+          <a:prstGeom prst="rect">
+            <a:avLst/>
+          </a:prstGeom>
+        </p:spPr>
+        <p:style>
+          <a:lnRef idx="2">
+            <a:schemeClr val="accent1">
+              <a:shade val="50000"/>
+            </a:schemeClr>
+          </a:lnRef>
+          <a:fillRef idx="1">
+            <a:schemeClr val="accent1"/>
+          </a:fillRef>
+          <a:effectRef idx="0">
+            <a:schemeClr val="accent1"/>
+          </a:effectRef>
+          <a:fontRef idx="minor">
+            <a:schemeClr val="lt1"/>
+          </a:fontRef>
+        </p:style>
+        <p:txBody>
+          <a:bodyPr rtlCol="0" anchor="ctr"/>
+          <a:lstStyle/>
+          <a:p>
+            <a:pPr algn="ctr"/>
+            <a:endParaRPr lang="ko-KR" altLang="en-US"/>
+          </a:p>
+        </p:txBody>
+      </p:sp>
+      <p:cxnSp>
+        <p:nvCxnSpPr>
+          <p:cNvPr id="27" name="직선 연결선 26"/>
+          <p:cNvCxnSpPr/>
+          <p:nvPr/>
+        </p:nvCxnSpPr>
+        <p:spPr>
+          <a:xfrm>
+            <a:off x="5652120" y="3151694"/>
+            <a:ext cx="3096344" cy="0"/>
+          </a:xfrm>
+          <a:prstGeom prst="line">
+            <a:avLst/>
+          </a:prstGeom>
+        </p:spPr>
+        <p:style>
+          <a:lnRef idx="1">
+            <a:schemeClr val="accent2"/>
+          </a:lnRef>
+          <a:fillRef idx="0">
+            <a:schemeClr val="accent2"/>
+          </a:fillRef>
+          <a:effectRef idx="0">
+            <a:schemeClr val="accent2"/>
+          </a:effectRef>
+          <a:fontRef idx="minor">
+            <a:schemeClr val="tx1"/>
+          </a:fontRef>
+        </p:style>
+      </p:cxnSp>
+      <p:cxnSp>
+        <p:nvCxnSpPr>
+          <p:cNvPr id="29" name="직선 연결선 28"/>
+          <p:cNvCxnSpPr/>
+          <p:nvPr/>
+        </p:nvCxnSpPr>
+        <p:spPr>
+          <a:xfrm>
+            <a:off x="5652120" y="4951894"/>
+            <a:ext cx="3096344" cy="0"/>
+          </a:xfrm>
+          <a:prstGeom prst="line">
+            <a:avLst/>
+          </a:prstGeom>
+        </p:spPr>
+        <p:style>
+          <a:lnRef idx="1">
+            <a:schemeClr val="accent2"/>
+          </a:lnRef>
+          <a:fillRef idx="0">
+            <a:schemeClr val="accent2"/>
+          </a:fillRef>
+          <a:effectRef idx="0">
+            <a:schemeClr val="accent2"/>
+          </a:effectRef>
+          <a:fontRef idx="minor">
+            <a:schemeClr val="tx1"/>
+          </a:fontRef>
+        </p:style>
+      </p:cxnSp>
+      <p:sp>
+        <p:nvSpPr>
+          <p:cNvPr id="30" name="TextBox 29"/>
+          <p:cNvSpPr txBox="1"/>
+          <p:nvPr/>
+        </p:nvSpPr>
+        <p:spPr>
+          <a:xfrm>
+            <a:off x="5724128" y="1943582"/>
+            <a:ext cx="747320" cy="369332"/>
+          </a:xfrm>
+          <a:prstGeom prst="rect">
+            <a:avLst/>
+          </a:prstGeom>
+          <a:noFill/>
+        </p:spPr>
+        <p:txBody>
+          <a:bodyPr wrap="none" rtlCol="0">
+            <a:spAutoFit/>
+          </a:bodyPr>
+          <a:lstStyle/>
+          <a:p>
+            <a:r>
+              <a:rPr lang="en-US" altLang="ko-KR" dirty="0" smtClean="0"/>
+              <a:t>Static</a:t>
+            </a:r>
+            <a:endParaRPr lang="ko-KR" altLang="en-US" dirty="0"/>
+          </a:p>
+        </p:txBody>
+      </p:sp>
+      <p:sp>
+        <p:nvSpPr>
+          <p:cNvPr id="31" name="TextBox 30"/>
+          <p:cNvSpPr txBox="1"/>
+          <p:nvPr/>
+        </p:nvSpPr>
+        <p:spPr>
+          <a:xfrm>
+            <a:off x="5724128" y="3250948"/>
+            <a:ext cx="728084" cy="369332"/>
+          </a:xfrm>
+          <a:prstGeom prst="rect">
+            <a:avLst/>
+          </a:prstGeom>
+          <a:noFill/>
+        </p:spPr>
+        <p:txBody>
+          <a:bodyPr wrap="none" rtlCol="0">
+            <a:spAutoFit/>
+          </a:bodyPr>
+          <a:lstStyle/>
+          <a:p>
+            <a:r>
+              <a:rPr lang="en-US" altLang="ko-KR" dirty="0" smtClean="0"/>
+              <a:t>Stack</a:t>
+            </a:r>
+            <a:endParaRPr lang="ko-KR" altLang="en-US" dirty="0"/>
+          </a:p>
+        </p:txBody>
+      </p:sp>
+      <p:sp>
+        <p:nvSpPr>
+          <p:cNvPr id="32" name="TextBox 31"/>
+          <p:cNvSpPr txBox="1"/>
+          <p:nvPr/>
+        </p:nvSpPr>
+        <p:spPr>
+          <a:xfrm>
+            <a:off x="5724128" y="5068222"/>
+            <a:ext cx="732893" cy="369332"/>
+          </a:xfrm>
+          <a:prstGeom prst="rect">
+            <a:avLst/>
+          </a:prstGeom>
+          <a:noFill/>
+        </p:spPr>
+        <p:txBody>
+          <a:bodyPr wrap="none" rtlCol="0">
+            <a:spAutoFit/>
+          </a:bodyPr>
+          <a:lstStyle/>
+          <a:p>
+            <a:r>
+              <a:rPr lang="en-US" altLang="ko-KR" dirty="0" smtClean="0"/>
+              <a:t>Heap</a:t>
+            </a:r>
+            <a:endParaRPr lang="ko-KR" altLang="en-US" dirty="0"/>
+          </a:p>
+        </p:txBody>
+      </p:sp>
+      <p:sp>
+        <p:nvSpPr>
+          <p:cNvPr id="11" name="TextBox 10"/>
+          <p:cNvSpPr txBox="1"/>
+          <p:nvPr/>
+        </p:nvSpPr>
+        <p:spPr>
+          <a:xfrm>
+            <a:off x="5848347" y="2426214"/>
+            <a:ext cx="1640384" cy="646331"/>
+          </a:xfrm>
+          <a:prstGeom prst="rect">
+            <a:avLst/>
+          </a:prstGeom>
+        </p:spPr>
+        <p:style>
+          <a:lnRef idx="2">
+            <a:schemeClr val="accent6"/>
+          </a:lnRef>
+          <a:fillRef idx="1">
+            <a:schemeClr val="lt1"/>
+          </a:fillRef>
+          <a:effectRef idx="0">
+            <a:schemeClr val="accent6"/>
+          </a:effectRef>
+          <a:fontRef idx="minor">
+            <a:schemeClr val="dk1"/>
+          </a:fontRef>
+        </p:style>
+        <p:txBody>
+          <a:bodyPr wrap="square" rtlCol="0">
+            <a:spAutoFit/>
+          </a:bodyPr>
+          <a:lstStyle/>
+          <a:p>
+            <a:r>
+              <a:rPr lang="en-US" altLang="ko-KR" dirty="0" smtClean="0"/>
+              <a:t>Class </a:t>
+            </a:r>
+            <a:r>
+              <a:rPr lang="ko-KR" altLang="en-US" dirty="0" smtClean="0"/>
+              <a:t>정보</a:t>
+            </a:r>
+            <a:r>
+              <a:rPr lang="en-US" altLang="ko-KR" dirty="0" smtClean="0"/>
+              <a:t>(code)</a:t>
+            </a:r>
+            <a:endParaRPr lang="ko-KR" altLang="en-US" dirty="0"/>
+          </a:p>
+        </p:txBody>
+      </p:sp>
+      <p:sp>
+        <p:nvSpPr>
+          <p:cNvPr id="13" name="TextBox 12"/>
+          <p:cNvSpPr txBox="1"/>
+          <p:nvPr/>
+        </p:nvSpPr>
+        <p:spPr>
+          <a:xfrm>
+            <a:off x="7056683" y="1943582"/>
+            <a:ext cx="1640384" cy="369332"/>
+          </a:xfrm>
+          <a:prstGeom prst="rect">
+            <a:avLst/>
+          </a:prstGeom>
+        </p:spPr>
+        <p:style>
+          <a:lnRef idx="2">
+            <a:schemeClr val="accent6"/>
+          </a:lnRef>
+          <a:fillRef idx="1">
+            <a:schemeClr val="lt1"/>
+          </a:fillRef>
+          <a:effectRef idx="0">
+            <a:schemeClr val="accent6"/>
+          </a:effectRef>
+          <a:fontRef idx="minor">
+            <a:schemeClr val="dk1"/>
+          </a:fontRef>
+        </p:style>
+        <p:txBody>
+          <a:bodyPr wrap="square" rtlCol="0">
+            <a:spAutoFit/>
+          </a:bodyPr>
+          <a:lstStyle/>
+          <a:p>
+            <a:r>
+              <a:rPr lang="en-US" altLang="ko-KR" dirty="0" smtClean="0"/>
+              <a:t>main method</a:t>
+            </a:r>
+            <a:endParaRPr lang="ko-KR" altLang="en-US" dirty="0"/>
+          </a:p>
+        </p:txBody>
+      </p:sp>
+      <p:sp>
+        <p:nvSpPr>
+          <p:cNvPr id="14" name="TextBox 13"/>
+          <p:cNvSpPr txBox="1"/>
+          <p:nvPr/>
+        </p:nvSpPr>
+        <p:spPr>
+          <a:xfrm>
+            <a:off x="7710166" y="2350087"/>
+            <a:ext cx="820192" cy="369332"/>
+          </a:xfrm>
+          <a:prstGeom prst="rect">
+            <a:avLst/>
+          </a:prstGeom>
+        </p:spPr>
+        <p:style>
+          <a:lnRef idx="2">
+            <a:schemeClr val="accent6"/>
+          </a:lnRef>
+          <a:fillRef idx="1">
+            <a:schemeClr val="lt1"/>
+          </a:fillRef>
+          <a:effectRef idx="0">
+            <a:schemeClr val="accent6"/>
+          </a:effectRef>
+          <a:fontRef idx="minor">
+            <a:schemeClr val="dk1"/>
+          </a:fontRef>
+        </p:style>
+        <p:txBody>
+          <a:bodyPr wrap="square" rtlCol="0">
+            <a:spAutoFit/>
+          </a:bodyPr>
+          <a:lstStyle/>
+          <a:p>
+            <a:pPr algn="ctr"/>
+            <a:r>
+              <a:rPr lang="en-US" altLang="ko-KR" dirty="0" smtClean="0"/>
+              <a:t>null</a:t>
+            </a:r>
+            <a:endParaRPr lang="ko-KR" altLang="en-US" dirty="0"/>
+          </a:p>
+        </p:txBody>
+      </p:sp>
+      <p:cxnSp>
+        <p:nvCxnSpPr>
+          <p:cNvPr id="15" name="직선 연결선 14"/>
+          <p:cNvCxnSpPr/>
+          <p:nvPr/>
+        </p:nvCxnSpPr>
+        <p:spPr>
+          <a:xfrm>
+            <a:off x="5652120" y="4951894"/>
+            <a:ext cx="3096344" cy="0"/>
+          </a:xfrm>
+          <a:prstGeom prst="line">
+            <a:avLst/>
+          </a:prstGeom>
+        </p:spPr>
+        <p:style>
+          <a:lnRef idx="1">
+            <a:schemeClr val="accent2"/>
+          </a:lnRef>
+          <a:fillRef idx="0">
+            <a:schemeClr val="accent2"/>
+          </a:fillRef>
+          <a:effectRef idx="0">
+            <a:schemeClr val="accent2"/>
+          </a:effectRef>
+          <a:fontRef idx="minor">
+            <a:schemeClr val="tx1"/>
+          </a:fontRef>
+        </p:style>
+      </p:cxnSp>
+      <p:sp>
+        <p:nvSpPr>
+          <p:cNvPr id="16" name="직사각형 15"/>
+          <p:cNvSpPr/>
+          <p:nvPr/>
+        </p:nvSpPr>
+        <p:spPr>
+          <a:xfrm>
+            <a:off x="5684995" y="3747510"/>
+            <a:ext cx="2055358" cy="1113145"/>
+          </a:xfrm>
+          <a:prstGeom prst="rect">
+            <a:avLst/>
+          </a:prstGeom>
+        </p:spPr>
+        <p:style>
+          <a:lnRef idx="3">
+            <a:schemeClr val="lt1"/>
+          </a:lnRef>
+          <a:fillRef idx="1">
+            <a:schemeClr val="accent6"/>
+          </a:fillRef>
+          <a:effectRef idx="1">
+            <a:schemeClr val="accent6"/>
+          </a:effectRef>
+          <a:fontRef idx="minor">
+            <a:schemeClr val="lt1"/>
+          </a:fontRef>
+        </p:style>
+        <p:txBody>
+          <a:bodyPr rtlCol="0" anchor="ctr"/>
+          <a:lstStyle/>
+          <a:p>
+            <a:pPr algn="ctr"/>
+            <a:endParaRPr lang="ko-KR" altLang="en-US"/>
+          </a:p>
+        </p:txBody>
+      </p:sp>
+      <p:sp>
+        <p:nvSpPr>
+          <p:cNvPr id="17" name="TextBox 16"/>
+          <p:cNvSpPr txBox="1"/>
+          <p:nvPr/>
+        </p:nvSpPr>
+        <p:spPr>
+          <a:xfrm>
+            <a:off x="6005302" y="3750047"/>
+            <a:ext cx="838691" cy="369332"/>
+          </a:xfrm>
+          <a:prstGeom prst="rect">
+            <a:avLst/>
+          </a:prstGeom>
+          <a:noFill/>
+        </p:spPr>
+        <p:txBody>
+          <a:bodyPr wrap="none" rtlCol="0">
+            <a:spAutoFit/>
+          </a:bodyPr>
+          <a:lstStyle/>
+          <a:p>
+            <a:pPr algn="ctr"/>
+            <a:r>
+              <a:rPr lang="en-US" altLang="ko-KR" dirty="0" smtClean="0"/>
+              <a:t>main()</a:t>
+            </a:r>
+          </a:p>
+        </p:txBody>
+      </p:sp>
+      <p:sp>
+        <p:nvSpPr>
+          <p:cNvPr id="18" name="직사각형 17"/>
+          <p:cNvSpPr/>
+          <p:nvPr/>
+        </p:nvSpPr>
+        <p:spPr>
+          <a:xfrm>
+            <a:off x="5701885" y="4209361"/>
+            <a:ext cx="1080120" cy="576064"/>
+          </a:xfrm>
+          <a:prstGeom prst="rect">
+            <a:avLst/>
+          </a:prstGeom>
+        </p:spPr>
+        <p:style>
+          <a:lnRef idx="3">
+            <a:schemeClr val="lt1"/>
+          </a:lnRef>
+          <a:fillRef idx="1">
+            <a:schemeClr val="accent6"/>
+          </a:fillRef>
+          <a:effectRef idx="1">
+            <a:schemeClr val="accent6"/>
+          </a:effectRef>
+          <a:fontRef idx="minor">
+            <a:schemeClr val="lt1"/>
+          </a:fontRef>
+        </p:style>
+        <p:txBody>
+          <a:bodyPr rtlCol="0" anchor="ctr"/>
+          <a:lstStyle/>
+          <a:p>
+            <a:pPr algn="ctr"/>
+            <a:r>
+              <a:rPr lang="en-US" altLang="ko-KR" sz="1600" dirty="0" err="1" smtClean="0"/>
+              <a:t>personManager</a:t>
+            </a:r>
+            <a:endParaRPr lang="ko-KR" altLang="en-US" sz="1600" dirty="0"/>
+          </a:p>
+        </p:txBody>
+      </p:sp>
+      <p:cxnSp>
+        <p:nvCxnSpPr>
+          <p:cNvPr id="19" name="직선 화살표 연결선 18"/>
+          <p:cNvCxnSpPr>
+            <a:stCxn id="18" idx="2"/>
+          </p:cNvCxnSpPr>
+          <p:nvPr/>
+        </p:nvCxnSpPr>
+        <p:spPr>
+          <a:xfrm>
+            <a:off x="6241945" y="4785425"/>
+            <a:ext cx="81073" cy="652129"/>
+          </a:xfrm>
+          <a:prstGeom prst="straightConnector1">
+            <a:avLst/>
+          </a:prstGeom>
+          <a:ln w="28575">
+            <a:headEnd type="none" w="med" len="med"/>
+            <a:tailEnd type="triangle" w="med" len="med"/>
+          </a:ln>
+        </p:spPr>
+        <p:style>
+          <a:lnRef idx="1">
+            <a:schemeClr val="accent2"/>
+          </a:lnRef>
+          <a:fillRef idx="0">
+            <a:schemeClr val="accent2"/>
+          </a:fillRef>
+          <a:effectRef idx="0">
+            <a:schemeClr val="accent2"/>
+          </a:effectRef>
+          <a:fontRef idx="minor">
+            <a:schemeClr val="tx1"/>
+          </a:fontRef>
+        </p:style>
+      </p:cxnSp>
+      <p:sp>
+        <p:nvSpPr>
+          <p:cNvPr id="23" name="직사각형 22"/>
+          <p:cNvSpPr/>
+          <p:nvPr/>
+        </p:nvSpPr>
+        <p:spPr>
+          <a:xfrm>
+            <a:off x="5693378" y="5437554"/>
+            <a:ext cx="1476164" cy="1080120"/>
+          </a:xfrm>
+          <a:prstGeom prst="rect">
+            <a:avLst/>
+          </a:prstGeom>
+        </p:spPr>
+        <p:style>
+          <a:lnRef idx="2">
+            <a:schemeClr val="accent6">
+              <a:shade val="50000"/>
+            </a:schemeClr>
+          </a:lnRef>
+          <a:fillRef idx="1">
+            <a:schemeClr val="accent6"/>
+          </a:fillRef>
+          <a:effectRef idx="0">
+            <a:schemeClr val="accent6"/>
+          </a:effectRef>
+          <a:fontRef idx="minor">
+            <a:schemeClr val="lt1"/>
+          </a:fontRef>
+        </p:style>
+        <p:txBody>
+          <a:bodyPr rtlCol="0" anchor="ctr"/>
+          <a:lstStyle/>
+          <a:p>
+            <a:pPr algn="ctr"/>
+            <a:r>
+              <a:rPr lang="en-US" altLang="ko-KR" dirty="0" smtClean="0"/>
+              <a:t>new</a:t>
+            </a:r>
+          </a:p>
+          <a:p>
+            <a:pPr algn="ctr"/>
+            <a:r>
+              <a:rPr lang="en-US" altLang="ko-KR" dirty="0" err="1" smtClean="0"/>
+              <a:t>PersionManager</a:t>
+            </a:r>
+            <a:endParaRPr lang="en-US" altLang="ko-KR" dirty="0" smtClean="0"/>
+          </a:p>
+          <a:p>
+            <a:pPr algn="ctr"/>
+            <a:r>
+              <a:rPr lang="en-US" altLang="ko-KR" dirty="0" smtClean="0"/>
+              <a:t>persons</a:t>
+            </a:r>
+            <a:endParaRPr lang="en-US" altLang="ko-KR" dirty="0" smtClean="0"/>
+          </a:p>
+        </p:txBody>
+      </p:sp>
+      <p:sp>
+        <p:nvSpPr>
+          <p:cNvPr id="24" name="직사각형 23"/>
+          <p:cNvSpPr/>
+          <p:nvPr/>
+        </p:nvSpPr>
+        <p:spPr>
+          <a:xfrm>
+            <a:off x="7220903" y="5437554"/>
+            <a:ext cx="1476164" cy="1080120"/>
+          </a:xfrm>
+          <a:prstGeom prst="rect">
+            <a:avLst/>
+          </a:prstGeom>
+        </p:spPr>
+        <p:style>
+          <a:lnRef idx="2">
+            <a:schemeClr val="accent6">
+              <a:shade val="50000"/>
+            </a:schemeClr>
+          </a:lnRef>
+          <a:fillRef idx="1">
+            <a:schemeClr val="accent6"/>
+          </a:fillRef>
+          <a:effectRef idx="0">
+            <a:schemeClr val="accent6"/>
+          </a:effectRef>
+          <a:fontRef idx="minor">
+            <a:schemeClr val="lt1"/>
+          </a:fontRef>
+        </p:style>
+        <p:txBody>
+          <a:bodyPr rtlCol="0" anchor="ctr"/>
+          <a:lstStyle/>
+          <a:p>
+            <a:pPr algn="ctr"/>
+            <a:r>
+              <a:rPr lang="en-US" altLang="ko-KR" dirty="0" smtClean="0"/>
+              <a:t>new</a:t>
+            </a:r>
+          </a:p>
+          <a:p>
+            <a:pPr algn="ctr"/>
+            <a:r>
+              <a:rPr lang="en-US" altLang="ko-KR" dirty="0" smtClean="0"/>
+              <a:t>Person</a:t>
+            </a:r>
+          </a:p>
+          <a:p>
+            <a:pPr algn="ctr"/>
+            <a:r>
+              <a:rPr lang="en-US" altLang="ko-KR" dirty="0" smtClean="0"/>
+              <a:t>name=“</a:t>
+            </a:r>
+            <a:r>
+              <a:rPr lang="ko-KR" altLang="en-US" dirty="0" smtClean="0"/>
+              <a:t>동희</a:t>
+            </a:r>
+            <a:r>
+              <a:rPr lang="en-US" altLang="ko-KR" dirty="0" smtClean="0"/>
+              <a:t>”</a:t>
+            </a:r>
+          </a:p>
+          <a:p>
+            <a:pPr algn="ctr"/>
+            <a:r>
+              <a:rPr lang="en-US" altLang="ko-KR" dirty="0" smtClean="0"/>
+              <a:t>age=99</a:t>
+            </a:r>
+          </a:p>
+        </p:txBody>
+      </p:sp>
+      <p:sp>
+        <p:nvSpPr>
+          <p:cNvPr id="25" name="직사각형 24"/>
+          <p:cNvSpPr/>
+          <p:nvPr/>
+        </p:nvSpPr>
+        <p:spPr>
+          <a:xfrm>
+            <a:off x="6921197" y="4209361"/>
+            <a:ext cx="766020" cy="576064"/>
+          </a:xfrm>
+          <a:prstGeom prst="rect">
+            <a:avLst/>
+          </a:prstGeom>
+        </p:spPr>
+        <p:style>
+          <a:lnRef idx="3">
+            <a:schemeClr val="lt1"/>
+          </a:lnRef>
+          <a:fillRef idx="1">
+            <a:schemeClr val="accent6"/>
+          </a:fillRef>
+          <a:effectRef idx="1">
+            <a:schemeClr val="accent6"/>
+          </a:effectRef>
+          <a:fontRef idx="minor">
+            <a:schemeClr val="lt1"/>
+          </a:fontRef>
+        </p:style>
+        <p:txBody>
+          <a:bodyPr rtlCol="0" anchor="ctr"/>
+          <a:lstStyle/>
+          <a:p>
+            <a:pPr algn="ctr"/>
+            <a:r>
+              <a:rPr lang="en-US" altLang="ko-KR" sz="1600" dirty="0" smtClean="0"/>
+              <a:t>person</a:t>
+            </a:r>
+            <a:endParaRPr lang="ko-KR" altLang="en-US" sz="1600" dirty="0"/>
+          </a:p>
+        </p:txBody>
+      </p:sp>
+      <p:cxnSp>
+        <p:nvCxnSpPr>
+          <p:cNvPr id="28" name="직선 화살표 연결선 27"/>
+          <p:cNvCxnSpPr>
+            <a:stCxn id="25" idx="2"/>
+            <a:endCxn id="24" idx="0"/>
+          </p:cNvCxnSpPr>
+          <p:nvPr/>
+        </p:nvCxnSpPr>
+        <p:spPr>
+          <a:xfrm>
+            <a:off x="7304207" y="4785425"/>
+            <a:ext cx="654778" cy="652129"/>
+          </a:xfrm>
+          <a:prstGeom prst="straightConnector1">
+            <a:avLst/>
+          </a:prstGeom>
+          <a:ln w="28575">
+            <a:headEnd type="none" w="med" len="med"/>
+            <a:tailEnd type="triangle" w="med" len="med"/>
+          </a:ln>
+        </p:spPr>
+        <p:style>
+          <a:lnRef idx="1">
+            <a:schemeClr val="accent2"/>
+          </a:lnRef>
+          <a:fillRef idx="0">
+            <a:schemeClr val="accent2"/>
+          </a:fillRef>
+          <a:effectRef idx="0">
+            <a:schemeClr val="accent2"/>
+          </a:effectRef>
+          <a:fontRef idx="minor">
+            <a:schemeClr val="tx1"/>
+          </a:fontRef>
+        </p:style>
+      </p:cxnSp>
+      <p:sp>
+        <p:nvSpPr>
+          <p:cNvPr id="37" name="직사각형 36"/>
+          <p:cNvSpPr/>
+          <p:nvPr/>
+        </p:nvSpPr>
+        <p:spPr>
+          <a:xfrm>
+            <a:off x="7876875" y="3435614"/>
+            <a:ext cx="1371688" cy="1425041"/>
+          </a:xfrm>
+          <a:prstGeom prst="rect">
+            <a:avLst/>
+          </a:prstGeom>
+        </p:spPr>
+        <p:style>
+          <a:lnRef idx="3">
+            <a:schemeClr val="lt1"/>
+          </a:lnRef>
+          <a:fillRef idx="1">
+            <a:schemeClr val="accent6"/>
+          </a:fillRef>
+          <a:effectRef idx="1">
+            <a:schemeClr val="accent6"/>
+          </a:effectRef>
+          <a:fontRef idx="minor">
+            <a:schemeClr val="lt1"/>
+          </a:fontRef>
+        </p:style>
+        <p:txBody>
+          <a:bodyPr rtlCol="0" anchor="ctr"/>
+          <a:lstStyle/>
+          <a:p>
+            <a:pPr algn="ctr"/>
+            <a:endParaRPr lang="ko-KR" altLang="en-US"/>
+          </a:p>
+        </p:txBody>
+      </p:sp>
+      <p:sp>
+        <p:nvSpPr>
+          <p:cNvPr id="38" name="TextBox 37"/>
+          <p:cNvSpPr txBox="1"/>
+          <p:nvPr/>
+        </p:nvSpPr>
+        <p:spPr>
+          <a:xfrm>
+            <a:off x="7756033" y="3435614"/>
+            <a:ext cx="1613390" cy="369332"/>
+          </a:xfrm>
+          <a:prstGeom prst="rect">
+            <a:avLst/>
+          </a:prstGeom>
+          <a:noFill/>
+        </p:spPr>
+        <p:txBody>
+          <a:bodyPr wrap="none" rtlCol="0">
+            <a:spAutoFit/>
+          </a:bodyPr>
+          <a:lstStyle/>
+          <a:p>
+            <a:pPr algn="ctr"/>
+            <a:r>
+              <a:rPr lang="en-US" altLang="ko-KR" dirty="0" err="1" smtClean="0"/>
+              <a:t>printPersons</a:t>
+            </a:r>
+            <a:r>
+              <a:rPr lang="en-US" altLang="ko-KR" dirty="0" smtClean="0"/>
+              <a:t>()</a:t>
+            </a:r>
+            <a:endParaRPr lang="en-US" altLang="ko-KR" dirty="0" smtClean="0"/>
+          </a:p>
+        </p:txBody>
+      </p:sp>
+    </p:spTree>
+    <p:extLst>
+      <p:ext uri="{BB962C8B-B14F-4D97-AF65-F5344CB8AC3E}">
+        <p14:creationId xmlns:p14="http://schemas.microsoft.com/office/powerpoint/2010/main" val="1609127251"/>
       </p:ext>
     </p:extLst>
   </p:cSld>

--- a/ppt/day7_day8__day9_Class.pptx
+++ b/ppt/day7_day8__day9_Class.pptx
@@ -327,7 +327,7 @@
           <a:p>
             <a:fld id="{FB30EDBD-1C2D-4C1E-B459-B60219FAB484}" type="datetimeFigureOut">
               <a:rPr lang="ko-KR" altLang="en-US" smtClean="0"/>
-              <a:t>2018-02-25</a:t>
+              <a:t>2018-03-03</a:t>
             </a:fld>
             <a:endParaRPr lang="ko-KR" altLang="en-US"/>
           </a:p>
@@ -492,7 +492,7 @@
           <a:p>
             <a:fld id="{FB30EDBD-1C2D-4C1E-B459-B60219FAB484}" type="datetimeFigureOut">
               <a:rPr lang="ko-KR" altLang="en-US" smtClean="0"/>
-              <a:t>2018-02-25</a:t>
+              <a:t>2018-03-03</a:t>
             </a:fld>
             <a:endParaRPr lang="ko-KR" altLang="en-US"/>
           </a:p>
@@ -667,7 +667,7 @@
           <a:p>
             <a:fld id="{FB30EDBD-1C2D-4C1E-B459-B60219FAB484}" type="datetimeFigureOut">
               <a:rPr lang="ko-KR" altLang="en-US" smtClean="0"/>
-              <a:t>2018-02-25</a:t>
+              <a:t>2018-03-03</a:t>
             </a:fld>
             <a:endParaRPr lang="ko-KR" altLang="en-US"/>
           </a:p>
@@ -832,7 +832,7 @@
           <a:p>
             <a:fld id="{FB30EDBD-1C2D-4C1E-B459-B60219FAB484}" type="datetimeFigureOut">
               <a:rPr lang="ko-KR" altLang="en-US" smtClean="0"/>
-              <a:t>2018-02-25</a:t>
+              <a:t>2018-03-03</a:t>
             </a:fld>
             <a:endParaRPr lang="ko-KR" altLang="en-US"/>
           </a:p>
@@ -1073,7 +1073,7 @@
           <a:p>
             <a:fld id="{FB30EDBD-1C2D-4C1E-B459-B60219FAB484}" type="datetimeFigureOut">
               <a:rPr lang="ko-KR" altLang="en-US" smtClean="0"/>
-              <a:t>2018-02-25</a:t>
+              <a:t>2018-03-03</a:t>
             </a:fld>
             <a:endParaRPr lang="ko-KR" altLang="en-US"/>
           </a:p>
@@ -1356,7 +1356,7 @@
           <a:p>
             <a:fld id="{FB30EDBD-1C2D-4C1E-B459-B60219FAB484}" type="datetimeFigureOut">
               <a:rPr lang="ko-KR" altLang="en-US" smtClean="0"/>
-              <a:t>2018-02-25</a:t>
+              <a:t>2018-03-03</a:t>
             </a:fld>
             <a:endParaRPr lang="ko-KR" altLang="en-US"/>
           </a:p>
@@ -1773,7 +1773,7 @@
           <a:p>
             <a:fld id="{FB30EDBD-1C2D-4C1E-B459-B60219FAB484}" type="datetimeFigureOut">
               <a:rPr lang="ko-KR" altLang="en-US" smtClean="0"/>
-              <a:t>2018-02-25</a:t>
+              <a:t>2018-03-03</a:t>
             </a:fld>
             <a:endParaRPr lang="ko-KR" altLang="en-US"/>
           </a:p>
@@ -1886,7 +1886,7 @@
           <a:p>
             <a:fld id="{FB30EDBD-1C2D-4C1E-B459-B60219FAB484}" type="datetimeFigureOut">
               <a:rPr lang="ko-KR" altLang="en-US" smtClean="0"/>
-              <a:t>2018-02-25</a:t>
+              <a:t>2018-03-03</a:t>
             </a:fld>
             <a:endParaRPr lang="ko-KR" altLang="en-US"/>
           </a:p>
@@ -1976,7 +1976,7 @@
           <a:p>
             <a:fld id="{FB30EDBD-1C2D-4C1E-B459-B60219FAB484}" type="datetimeFigureOut">
               <a:rPr lang="ko-KR" altLang="en-US" smtClean="0"/>
-              <a:t>2018-02-25</a:t>
+              <a:t>2018-03-03</a:t>
             </a:fld>
             <a:endParaRPr lang="ko-KR" altLang="en-US"/>
           </a:p>
@@ -2248,7 +2248,7 @@
           <a:p>
             <a:fld id="{FB30EDBD-1C2D-4C1E-B459-B60219FAB484}" type="datetimeFigureOut">
               <a:rPr lang="ko-KR" altLang="en-US" smtClean="0"/>
-              <a:t>2018-02-25</a:t>
+              <a:t>2018-03-03</a:t>
             </a:fld>
             <a:endParaRPr lang="ko-KR" altLang="en-US"/>
           </a:p>
@@ -2496,7 +2496,7 @@
           <a:p>
             <a:fld id="{FB30EDBD-1C2D-4C1E-B459-B60219FAB484}" type="datetimeFigureOut">
               <a:rPr lang="ko-KR" altLang="en-US" smtClean="0"/>
-              <a:t>2018-02-25</a:t>
+              <a:t>2018-03-03</a:t>
             </a:fld>
             <a:endParaRPr lang="ko-KR" altLang="en-US"/>
           </a:p>
@@ -2704,7 +2704,7 @@
           <a:p>
             <a:fld id="{FB30EDBD-1C2D-4C1E-B459-B60219FAB484}" type="datetimeFigureOut">
               <a:rPr lang="ko-KR" altLang="en-US" smtClean="0"/>
-              <a:t>2018-02-25</a:t>
+              <a:t>2018-03-03</a:t>
             </a:fld>
             <a:endParaRPr lang="ko-KR" altLang="en-US"/>
           </a:p>
@@ -25682,7 +25682,6 @@
               <a:rPr lang="en-US" altLang="ko-KR" dirty="0" smtClean="0"/>
               <a:t>initialize()</a:t>
             </a:r>
-            <a:endParaRPr lang="en-US" altLang="ko-KR" dirty="0" smtClean="0"/>
           </a:p>
         </p:txBody>
       </p:sp>
@@ -27677,7 +27676,6 @@
               <a:rPr lang="en-US" altLang="ko-KR" dirty="0" smtClean="0"/>
               <a:t>persons</a:t>
             </a:r>
-            <a:endParaRPr lang="en-US" altLang="ko-KR" dirty="0" smtClean="0"/>
           </a:p>
         </p:txBody>
       </p:sp>
@@ -27901,7 +27899,6 @@
               <a:rPr lang="en-US" altLang="ko-KR" dirty="0" smtClean="0"/>
               <a:t>()</a:t>
             </a:r>
-            <a:endParaRPr lang="en-US" altLang="ko-KR" dirty="0" smtClean="0"/>
           </a:p>
         </p:txBody>
       </p:sp>
@@ -28233,10 +28230,6 @@
               <a:rPr lang="en-US" altLang="ko-KR" dirty="0"/>
               <a:t>}</a:t>
             </a:r>
-            <a:r>
-              <a:rPr lang="en-US" altLang="ko-KR" dirty="0"/>
-              <a:t/>
-            </a:r>
             <a:br>
               <a:rPr lang="en-US" altLang="ko-KR" dirty="0"/>
             </a:br>
@@ -28713,7 +28706,6 @@
               <a:rPr lang="en-US" altLang="ko-KR" dirty="0" smtClean="0"/>
               <a:t>()</a:t>
             </a:r>
-            <a:endParaRPr lang="en-US" altLang="ko-KR" dirty="0" smtClean="0"/>
           </a:p>
         </p:txBody>
       </p:sp>
@@ -29986,10 +29978,6 @@
               <a:rPr lang="en-US" altLang="ko-KR" dirty="0"/>
               <a:t>}</a:t>
             </a:r>
-            <a:r>
-              <a:rPr lang="en-US" altLang="ko-KR" dirty="0"/>
-              <a:t/>
-            </a:r>
             <a:br>
               <a:rPr lang="en-US" altLang="ko-KR" dirty="0"/>
             </a:br>
@@ -32624,7 +32612,6 @@
               <a:rPr lang="en-US" altLang="ko-KR" dirty="0" smtClean="0"/>
               <a:t>persons</a:t>
             </a:r>
-            <a:endParaRPr lang="en-US" altLang="ko-KR" dirty="0" smtClean="0"/>
           </a:p>
         </p:txBody>
       </p:sp>
@@ -32848,7 +32835,6 @@
               <a:rPr lang="en-US" altLang="ko-KR" dirty="0" smtClean="0"/>
               <a:t>()</a:t>
             </a:r>
-            <a:endParaRPr lang="en-US" altLang="ko-KR" dirty="0" smtClean="0"/>
           </a:p>
         </p:txBody>
       </p:sp>
